--- a/AI_01_Introduction_A_terminology.pptx
+++ b/AI_01_Introduction_A_terminology.pptx
@@ -6,21 +6,26 @@
   </p:sldMasterIdLst>
   <p:sldIdLst>
     <p:sldId id="257" r:id="rId2"/>
-    <p:sldId id="318" r:id="rId3"/>
-    <p:sldId id="337" r:id="rId4"/>
-    <p:sldId id="336" r:id="rId5"/>
-    <p:sldId id="319" r:id="rId6"/>
-    <p:sldId id="287" r:id="rId7"/>
-    <p:sldId id="339" r:id="rId8"/>
-    <p:sldId id="288" r:id="rId9"/>
-    <p:sldId id="306" r:id="rId10"/>
-    <p:sldId id="261" r:id="rId11"/>
-    <p:sldId id="341" r:id="rId12"/>
-    <p:sldId id="342" r:id="rId13"/>
-    <p:sldId id="345" r:id="rId14"/>
-    <p:sldId id="343" r:id="rId15"/>
-    <p:sldId id="344" r:id="rId16"/>
-    <p:sldId id="260" r:id="rId17"/>
+    <p:sldId id="356" r:id="rId3"/>
+    <p:sldId id="318" r:id="rId4"/>
+    <p:sldId id="337" r:id="rId5"/>
+    <p:sldId id="336" r:id="rId6"/>
+    <p:sldId id="319" r:id="rId7"/>
+    <p:sldId id="287" r:id="rId8"/>
+    <p:sldId id="339" r:id="rId9"/>
+    <p:sldId id="288" r:id="rId10"/>
+    <p:sldId id="306" r:id="rId11"/>
+    <p:sldId id="261" r:id="rId12"/>
+    <p:sldId id="341" r:id="rId13"/>
+    <p:sldId id="342" r:id="rId14"/>
+    <p:sldId id="345" r:id="rId15"/>
+    <p:sldId id="343" r:id="rId16"/>
+    <p:sldId id="346" r:id="rId17"/>
+    <p:sldId id="357" r:id="rId18"/>
+    <p:sldId id="363" r:id="rId19"/>
+    <p:sldId id="364" r:id="rId20"/>
+    <p:sldId id="344" r:id="rId21"/>
+    <p:sldId id="260" r:id="rId22"/>
   </p:sldIdLst>
   <p:sldSz cx="12192000" cy="6858000"/>
   <p:notesSz cx="6858000" cy="9144000"/>
@@ -119,6 +124,11 @@
       </a:defRPr>
     </a:lvl9pPr>
   </p:defaultTextStyle>
+  <p:extLst>
+    <p:ext uri="{EFAFB233-063F-42B5-8137-9DF3F51BA10A}">
+      <p15:sldGuideLst xmlns:p15="http://schemas.microsoft.com/office/powerpoint/2012/main"/>
+    </p:ext>
+  </p:extLst>
 </p:presentation>
 </file>
 
@@ -269,7 +279,7 @@
           <a:p>
             <a:fld id="{676C8480-AC08-4ADD-91BB-93FB44DD4096}" type="datetimeFigureOut">
               <a:rPr lang="ko-KR" altLang="en-US" smtClean="0"/>
-              <a:t>2023-07-15</a:t>
+              <a:t>2023-07-20</a:t>
             </a:fld>
             <a:endParaRPr lang="ko-KR" altLang="en-US"/>
           </a:p>
@@ -467,7 +477,7 @@
           <a:p>
             <a:fld id="{676C8480-AC08-4ADD-91BB-93FB44DD4096}" type="datetimeFigureOut">
               <a:rPr lang="ko-KR" altLang="en-US" smtClean="0"/>
-              <a:t>2023-07-15</a:t>
+              <a:t>2023-07-20</a:t>
             </a:fld>
             <a:endParaRPr lang="ko-KR" altLang="en-US"/>
           </a:p>
@@ -675,7 +685,7 @@
           <a:p>
             <a:fld id="{676C8480-AC08-4ADD-91BB-93FB44DD4096}" type="datetimeFigureOut">
               <a:rPr lang="ko-KR" altLang="en-US" smtClean="0"/>
-              <a:t>2023-07-15</a:t>
+              <a:t>2023-07-20</a:t>
             </a:fld>
             <a:endParaRPr lang="ko-KR" altLang="en-US"/>
           </a:p>
@@ -873,7 +883,7 @@
           <a:p>
             <a:fld id="{676C8480-AC08-4ADD-91BB-93FB44DD4096}" type="datetimeFigureOut">
               <a:rPr lang="ko-KR" altLang="en-US" smtClean="0"/>
-              <a:t>2023-07-15</a:t>
+              <a:t>2023-07-20</a:t>
             </a:fld>
             <a:endParaRPr lang="ko-KR" altLang="en-US"/>
           </a:p>
@@ -1148,7 +1158,7 @@
           <a:p>
             <a:fld id="{676C8480-AC08-4ADD-91BB-93FB44DD4096}" type="datetimeFigureOut">
               <a:rPr lang="ko-KR" altLang="en-US" smtClean="0"/>
-              <a:t>2023-07-15</a:t>
+              <a:t>2023-07-20</a:t>
             </a:fld>
             <a:endParaRPr lang="ko-KR" altLang="en-US"/>
           </a:p>
@@ -1413,7 +1423,7 @@
           <a:p>
             <a:fld id="{676C8480-AC08-4ADD-91BB-93FB44DD4096}" type="datetimeFigureOut">
               <a:rPr lang="ko-KR" altLang="en-US" smtClean="0"/>
-              <a:t>2023-07-15</a:t>
+              <a:t>2023-07-20</a:t>
             </a:fld>
             <a:endParaRPr lang="ko-KR" altLang="en-US"/>
           </a:p>
@@ -1825,7 +1835,7 @@
           <a:p>
             <a:fld id="{676C8480-AC08-4ADD-91BB-93FB44DD4096}" type="datetimeFigureOut">
               <a:rPr lang="ko-KR" altLang="en-US" smtClean="0"/>
-              <a:t>2023-07-15</a:t>
+              <a:t>2023-07-20</a:t>
             </a:fld>
             <a:endParaRPr lang="ko-KR" altLang="en-US"/>
           </a:p>
@@ -1966,7 +1976,7 @@
           <a:p>
             <a:fld id="{676C8480-AC08-4ADD-91BB-93FB44DD4096}" type="datetimeFigureOut">
               <a:rPr lang="ko-KR" altLang="en-US" smtClean="0"/>
-              <a:t>2023-07-15</a:t>
+              <a:t>2023-07-20</a:t>
             </a:fld>
             <a:endParaRPr lang="ko-KR" altLang="en-US"/>
           </a:p>
@@ -2079,7 +2089,7 @@
           <a:p>
             <a:fld id="{676C8480-AC08-4ADD-91BB-93FB44DD4096}" type="datetimeFigureOut">
               <a:rPr lang="ko-KR" altLang="en-US" smtClean="0"/>
-              <a:t>2023-07-15</a:t>
+              <a:t>2023-07-20</a:t>
             </a:fld>
             <a:endParaRPr lang="ko-KR" altLang="en-US"/>
           </a:p>
@@ -2390,7 +2400,7 @@
           <a:p>
             <a:fld id="{676C8480-AC08-4ADD-91BB-93FB44DD4096}" type="datetimeFigureOut">
               <a:rPr lang="ko-KR" altLang="en-US" smtClean="0"/>
-              <a:t>2023-07-15</a:t>
+              <a:t>2023-07-20</a:t>
             </a:fld>
             <a:endParaRPr lang="ko-KR" altLang="en-US"/>
           </a:p>
@@ -2678,7 +2688,7 @@
           <a:p>
             <a:fld id="{676C8480-AC08-4ADD-91BB-93FB44DD4096}" type="datetimeFigureOut">
               <a:rPr lang="ko-KR" altLang="en-US" smtClean="0"/>
-              <a:t>2023-07-15</a:t>
+              <a:t>2023-07-20</a:t>
             </a:fld>
             <a:endParaRPr lang="ko-KR" altLang="en-US"/>
           </a:p>
@@ -2919,7 +2929,7 @@
           <a:p>
             <a:fld id="{676C8480-AC08-4ADD-91BB-93FB44DD4096}" type="datetimeFigureOut">
               <a:rPr lang="ko-KR" altLang="en-US" smtClean="0"/>
-              <a:t>2023-07-15</a:t>
+              <a:t>2023-07-20</a:t>
             </a:fld>
             <a:endParaRPr lang="ko-KR" altLang="en-US"/>
           </a:p>
@@ -3590,6 +3600,85 @@
           <a:chExt cx="0" cy="0"/>
         </a:xfrm>
       </p:grpSpPr>
+      <p:pic>
+        <p:nvPicPr>
+          <p:cNvPr id="2050" name="Picture 2" descr="Definition &#10;Example &#10;Autologous &#10;Refers to the process involving the use of &#10;a person's own tissues or cells. It's &#10;commonly used in medical procedures &#10;like autologous transfusions or grafts, &#10;where the donor and recipient are the &#10;same person. &#10;Mostly used in medical and biological &#10;contexts. &#10;An autologous blood transfusion is a &#10;procedure where a person receives their &#10;own blood, reducing the risk of many &#10;infectious complications associated with &#10;allogenic (from a different person) blood &#10;transfusions. &#10;Refers to a process or device that &#10;operates independently with little or no &#10;human control. It's commonly used in the &#10;context of machines, systems or &#10;processes that can operate without direct &#10;human intervention. &#10;Broadly used in technology, engineering, &#10;computing, and other fields where &#10;machinery and processes can function &#10;independently. &#10;An automatic door is a door that opens &#10;automatically when a person approaches &#10;it and closes once the person has passed &#10;through. ">
+            <a:extLst>
+              <a:ext uri="{FF2B5EF4-FFF2-40B4-BE49-F238E27FC236}">
+                <a16:creationId xmlns:a16="http://schemas.microsoft.com/office/drawing/2014/main" id="{8E0A50F0-9B27-4D75-BD82-CC8DB52C8038}"/>
+              </a:ext>
+            </a:extLst>
+          </p:cNvPr>
+          <p:cNvPicPr>
+            <a:picLocks noGrp="1" noChangeAspect="1" noChangeArrowheads="1"/>
+          </p:cNvPicPr>
+          <p:nvPr>
+            <p:ph idx="1"/>
+          </p:nvPr>
+        </p:nvPicPr>
+        <p:blipFill>
+          <a:blip r:embed="rId2">
+            <a:extLst>
+              <a:ext uri="{28A0092B-C50C-407E-A947-70E740481C1C}">
+                <a14:useLocalDpi xmlns:a14="http://schemas.microsoft.com/office/drawing/2010/main" val="0"/>
+              </a:ext>
+            </a:extLst>
+          </a:blip>
+          <a:srcRect/>
+          <a:stretch>
+            <a:fillRect/>
+          </a:stretch>
+        </p:blipFill>
+        <p:spPr bwMode="auto">
+          <a:xfrm>
+            <a:off x="1125464" y="365125"/>
+            <a:ext cx="9646000" cy="6450466"/>
+          </a:xfrm>
+          <a:prstGeom prst="rect">
+            <a:avLst/>
+          </a:prstGeom>
+          <a:noFill/>
+          <a:extLst>
+            <a:ext uri="{909E8E84-426E-40DD-AFC4-6F175D3DCCD1}">
+              <a14:hiddenFill xmlns:a14="http://schemas.microsoft.com/office/drawing/2010/main">
+                <a:solidFill>
+                  <a:srgbClr val="FFFFFF"/>
+                </a:solidFill>
+              </a14:hiddenFill>
+            </a:ext>
+          </a:extLst>
+        </p:spPr>
+      </p:pic>
+    </p:spTree>
+    <p:extLst>
+      <p:ext uri="{BB962C8B-B14F-4D97-AF65-F5344CB8AC3E}">
+        <p14:creationId xmlns:p14="http://schemas.microsoft.com/office/powerpoint/2010/main" val="2511391791"/>
+      </p:ext>
+    </p:extLst>
+  </p:cSld>
+  <p:clrMapOvr>
+    <a:masterClrMapping/>
+  </p:clrMapOvr>
+</p:sld>
+</file>
+
+<file path=ppt/slides/slide11.xml><?xml version="1.0" encoding="utf-8"?>
+<p:sld xmlns:a="http://schemas.openxmlformats.org/drawingml/2006/main" xmlns:r="http://schemas.openxmlformats.org/officeDocument/2006/relationships" xmlns:p="http://schemas.openxmlformats.org/presentationml/2006/main">
+  <p:cSld>
+    <p:spTree>
+      <p:nvGrpSpPr>
+        <p:cNvPr id="1" name=""/>
+        <p:cNvGrpSpPr/>
+        <p:nvPr/>
+      </p:nvGrpSpPr>
+      <p:grpSpPr>
+        <a:xfrm>
+          <a:off x="0" y="0"/>
+          <a:ext cx="0" cy="0"/>
+          <a:chOff x="0" y="0"/>
+          <a:chExt cx="0" cy="0"/>
+        </a:xfrm>
+      </p:grpSpPr>
       <p:sp>
         <p:nvSpPr>
           <p:cNvPr id="3" name="내용 개체 틀 2">
@@ -4141,7 +4230,7 @@
 </p:sld>
 </file>
 
-<file path=ppt/slides/slide11.xml><?xml version="1.0" encoding="utf-8"?>
+<file path=ppt/slides/slide12.xml><?xml version="1.0" encoding="utf-8"?>
 <p:sld xmlns:a="http://schemas.openxmlformats.org/drawingml/2006/main" xmlns:r="http://schemas.openxmlformats.org/officeDocument/2006/relationships" xmlns:p="http://schemas.openxmlformats.org/presentationml/2006/main">
   <p:cSld>
     <p:spTree>
@@ -4723,7 +4812,7 @@
 </p:sld>
 </file>
 
-<file path=ppt/slides/slide12.xml><?xml version="1.0" encoding="utf-8"?>
+<file path=ppt/slides/slide13.xml><?xml version="1.0" encoding="utf-8"?>
 <p:sld xmlns:a="http://schemas.openxmlformats.org/drawingml/2006/main" xmlns:r="http://schemas.openxmlformats.org/officeDocument/2006/relationships" xmlns:p="http://schemas.openxmlformats.org/presentationml/2006/main">
   <p:cSld>
     <p:spTree>
@@ -6483,7 +6572,7 @@
 </p:sld>
 </file>
 
-<file path=ppt/slides/slide13.xml><?xml version="1.0" encoding="utf-8"?>
+<file path=ppt/slides/slide14.xml><?xml version="1.0" encoding="utf-8"?>
 <p:sld xmlns:a="http://schemas.openxmlformats.org/drawingml/2006/main" xmlns:r="http://schemas.openxmlformats.org/officeDocument/2006/relationships" xmlns:p="http://schemas.openxmlformats.org/presentationml/2006/main">
   <p:cSld>
     <p:spTree>
@@ -7118,7 +7207,7 @@
 </p:sld>
 </file>
 
-<file path=ppt/slides/slide14.xml><?xml version="1.0" encoding="utf-8"?>
+<file path=ppt/slides/slide15.xml><?xml version="1.0" encoding="utf-8"?>
 <p:sld xmlns:a="http://schemas.openxmlformats.org/drawingml/2006/main" xmlns:r="http://schemas.openxmlformats.org/officeDocument/2006/relationships" xmlns:p="http://schemas.openxmlformats.org/presentationml/2006/main">
   <p:cSld>
     <p:spTree>
@@ -7482,7 +7571,4054 @@
 </p:sld>
 </file>
 
-<file path=ppt/slides/slide15.xml><?xml version="1.0" encoding="utf-8"?>
+<file path=ppt/slides/slide16.xml><?xml version="1.0" encoding="utf-8"?>
+<p:sld xmlns:a="http://schemas.openxmlformats.org/drawingml/2006/main" xmlns:r="http://schemas.openxmlformats.org/officeDocument/2006/relationships" xmlns:p="http://schemas.openxmlformats.org/presentationml/2006/main">
+  <p:cSld>
+    <p:spTree>
+      <p:nvGrpSpPr>
+        <p:cNvPr id="1" name=""/>
+        <p:cNvGrpSpPr/>
+        <p:nvPr/>
+      </p:nvGrpSpPr>
+      <p:grpSpPr>
+        <a:xfrm>
+          <a:off x="0" y="0"/>
+          <a:ext cx="0" cy="0"/>
+          <a:chOff x="0" y="0"/>
+          <a:chExt cx="0" cy="0"/>
+        </a:xfrm>
+      </p:grpSpPr>
+      <p:graphicFrame>
+        <p:nvGraphicFramePr>
+          <p:cNvPr id="4" name="표 3">
+            <a:extLst>
+              <a:ext uri="{FF2B5EF4-FFF2-40B4-BE49-F238E27FC236}">
+                <a16:creationId xmlns:a16="http://schemas.microsoft.com/office/drawing/2014/main" id="{F3B663BE-BFAB-4651-8C67-CEA4D0B5AD3A}"/>
+              </a:ext>
+            </a:extLst>
+          </p:cNvPr>
+          <p:cNvGraphicFramePr>
+            <a:graphicFrameLocks noGrp="1"/>
+          </p:cNvGraphicFramePr>
+          <p:nvPr>
+            <p:extLst>
+              <p:ext uri="{D42A27DB-BD31-4B8C-83A1-F6EECF244321}">
+                <p14:modId xmlns:p14="http://schemas.microsoft.com/office/powerpoint/2010/main" val="3275206579"/>
+              </p:ext>
+            </p:extLst>
+          </p:nvPr>
+        </p:nvGraphicFramePr>
+        <p:xfrm>
+          <a:off x="1149292" y="897621"/>
+          <a:ext cx="10307209" cy="4940809"/>
+        </p:xfrm>
+        <a:graphic>
+          <a:graphicData uri="http://schemas.openxmlformats.org/drawingml/2006/table">
+            <a:tbl>
+              <a:tblPr/>
+              <a:tblGrid>
+                <a:gridCol w="3435736">
+                  <a:extLst>
+                    <a:ext uri="{9D8B030D-6E8A-4147-A177-3AD203B41FA5}">
+                      <a16:colId xmlns:a16="http://schemas.microsoft.com/office/drawing/2014/main" val="3820204985"/>
+                    </a:ext>
+                  </a:extLst>
+                </a:gridCol>
+                <a:gridCol w="4173078">
+                  <a:extLst>
+                    <a:ext uri="{9D8B030D-6E8A-4147-A177-3AD203B41FA5}">
+                      <a16:colId xmlns:a16="http://schemas.microsoft.com/office/drawing/2014/main" val="2219251231"/>
+                    </a:ext>
+                  </a:extLst>
+                </a:gridCol>
+                <a:gridCol w="2698395">
+                  <a:extLst>
+                    <a:ext uri="{9D8B030D-6E8A-4147-A177-3AD203B41FA5}">
+                      <a16:colId xmlns:a16="http://schemas.microsoft.com/office/drawing/2014/main" val="2990653837"/>
+                    </a:ext>
+                  </a:extLst>
+                </a:gridCol>
+              </a:tblGrid>
+              <a:tr h="533646">
+                <a:tc>
+                  <a:txBody>
+                    <a:bodyPr/>
+                    <a:lstStyle/>
+                    <a:p>
+                      <a:pPr algn="ctr" rtl="0" fontAlgn="b"/>
+                      <a:r>
+                        <a:rPr lang="en-US" sz="2000" dirty="0">
+                          <a:solidFill>
+                            <a:schemeClr val="bg1"/>
+                          </a:solidFill>
+                          <a:effectLst/>
+                          <a:highlight>
+                            <a:srgbClr val="0000FF"/>
+                          </a:highlight>
+                        </a:rPr>
+                        <a:t>…Learning…           </a:t>
+                      </a:r>
+                    </a:p>
+                  </a:txBody>
+                  <a:tcPr marL="28477" marR="28477" marT="18985" marB="18985" anchor="b">
+                    <a:lnL w="9525" cap="flat" cmpd="sng" algn="ctr">
+                      <a:solidFill>
+                        <a:srgbClr val="CCCCCC"/>
+                      </a:solidFill>
+                      <a:prstDash val="solid"/>
+                      <a:round/>
+                      <a:headEnd type="none" w="med" len="med"/>
+                      <a:tailEnd type="none" w="med" len="med"/>
+                    </a:lnL>
+                    <a:lnR w="9525" cap="flat" cmpd="sng" algn="ctr">
+                      <a:solidFill>
+                        <a:srgbClr val="CCCCCC"/>
+                      </a:solidFill>
+                      <a:prstDash val="solid"/>
+                      <a:round/>
+                      <a:headEnd type="none" w="med" len="med"/>
+                      <a:tailEnd type="none" w="med" len="med"/>
+                    </a:lnR>
+                    <a:lnT w="9525" cap="flat" cmpd="sng" algn="ctr">
+                      <a:solidFill>
+                        <a:srgbClr val="CCCCCC"/>
+                      </a:solidFill>
+                      <a:prstDash val="solid"/>
+                      <a:round/>
+                      <a:headEnd type="none" w="med" len="med"/>
+                      <a:tailEnd type="none" w="med" len="med"/>
+                    </a:lnT>
+                    <a:lnB w="9525" cap="flat" cmpd="sng" algn="ctr">
+                      <a:solidFill>
+                        <a:srgbClr val="CCCCCC"/>
+                      </a:solidFill>
+                      <a:prstDash val="solid"/>
+                      <a:round/>
+                      <a:headEnd type="none" w="med" len="med"/>
+                      <a:tailEnd type="none" w="med" len="med"/>
+                    </a:lnB>
+                  </a:tcPr>
+                </a:tc>
+                <a:tc>
+                  <a:txBody>
+                    <a:bodyPr/>
+                    <a:lstStyle/>
+                    <a:p>
+                      <a:pPr algn="ctr" rtl="0" fontAlgn="b"/>
+                      <a:r>
+                        <a:rPr lang="en-US" sz="2000" dirty="0">
+                          <a:solidFill>
+                            <a:schemeClr val="bg1"/>
+                          </a:solidFill>
+                          <a:effectLst/>
+                          <a:highlight>
+                            <a:srgbClr val="0000FF"/>
+                          </a:highlight>
+                        </a:rPr>
+                        <a:t>…Training…</a:t>
+                      </a:r>
+                    </a:p>
+                  </a:txBody>
+                  <a:tcPr marL="28477" marR="28477" marT="18985" marB="18985" anchor="b">
+                    <a:lnL w="9525" cap="flat" cmpd="sng" algn="ctr">
+                      <a:solidFill>
+                        <a:srgbClr val="CCCCCC"/>
+                      </a:solidFill>
+                      <a:prstDash val="solid"/>
+                      <a:round/>
+                      <a:headEnd type="none" w="med" len="med"/>
+                      <a:tailEnd type="none" w="med" len="med"/>
+                    </a:lnL>
+                    <a:lnR w="9525" cap="flat" cmpd="sng" algn="ctr">
+                      <a:solidFill>
+                        <a:srgbClr val="CCCCCC"/>
+                      </a:solidFill>
+                      <a:prstDash val="solid"/>
+                      <a:round/>
+                      <a:headEnd type="none" w="med" len="med"/>
+                      <a:tailEnd type="none" w="med" len="med"/>
+                    </a:lnR>
+                    <a:lnT w="9525" cap="flat" cmpd="sng" algn="ctr">
+                      <a:solidFill>
+                        <a:srgbClr val="CCCCCC"/>
+                      </a:solidFill>
+                      <a:prstDash val="solid"/>
+                      <a:round/>
+                      <a:headEnd type="none" w="med" len="med"/>
+                      <a:tailEnd type="none" w="med" len="med"/>
+                    </a:lnT>
+                    <a:lnB w="9525" cap="flat" cmpd="sng" algn="ctr">
+                      <a:solidFill>
+                        <a:srgbClr val="CCCCCC"/>
+                      </a:solidFill>
+                      <a:prstDash val="solid"/>
+                      <a:round/>
+                      <a:headEnd type="none" w="med" len="med"/>
+                      <a:tailEnd type="none" w="med" len="med"/>
+                    </a:lnB>
+                  </a:tcPr>
+                </a:tc>
+                <a:tc>
+                  <a:txBody>
+                    <a:bodyPr/>
+                    <a:lstStyle/>
+                    <a:p>
+                      <a:pPr algn="ctr" rtl="0" fontAlgn="b"/>
+                      <a:r>
+                        <a:rPr lang="en-US" sz="1400" dirty="0">
+                          <a:solidFill>
+                            <a:schemeClr val="tx1"/>
+                          </a:solidFill>
+                          <a:effectLst/>
+                        </a:rPr>
+                        <a:t>Tuning</a:t>
+                      </a:r>
+                    </a:p>
+                  </a:txBody>
+                  <a:tcPr marL="28477" marR="28477" marT="18985" marB="18985" anchor="b">
+                    <a:lnL w="9525" cap="flat" cmpd="sng" algn="ctr">
+                      <a:solidFill>
+                        <a:srgbClr val="CCCCCC"/>
+                      </a:solidFill>
+                      <a:prstDash val="solid"/>
+                      <a:round/>
+                      <a:headEnd type="none" w="med" len="med"/>
+                      <a:tailEnd type="none" w="med" len="med"/>
+                    </a:lnL>
+                    <a:lnR w="9525" cap="flat" cmpd="sng" algn="ctr">
+                      <a:solidFill>
+                        <a:srgbClr val="CCCCCC"/>
+                      </a:solidFill>
+                      <a:prstDash val="solid"/>
+                      <a:round/>
+                      <a:headEnd type="none" w="med" len="med"/>
+                      <a:tailEnd type="none" w="med" len="med"/>
+                    </a:lnR>
+                    <a:lnT w="9525" cap="flat" cmpd="sng" algn="ctr">
+                      <a:solidFill>
+                        <a:srgbClr val="CCCCCC"/>
+                      </a:solidFill>
+                      <a:prstDash val="solid"/>
+                      <a:round/>
+                      <a:headEnd type="none" w="med" len="med"/>
+                      <a:tailEnd type="none" w="med" len="med"/>
+                    </a:lnT>
+                    <a:lnB w="9525" cap="flat" cmpd="sng" algn="ctr">
+                      <a:solidFill>
+                        <a:srgbClr val="CCCCCC"/>
+                      </a:solidFill>
+                      <a:prstDash val="solid"/>
+                      <a:round/>
+                      <a:headEnd type="none" w="med" len="med"/>
+                      <a:tailEnd type="none" w="med" len="med"/>
+                    </a:lnB>
+                  </a:tcPr>
+                </a:tc>
+                <a:extLst>
+                  <a:ext uri="{0D108BD9-81ED-4DB2-BD59-A6C34878D82A}">
+                    <a16:rowId xmlns:a16="http://schemas.microsoft.com/office/drawing/2014/main" val="2819343207"/>
+                  </a:ext>
+                </a:extLst>
+              </a:tr>
+              <a:tr h="909262">
+                <a:tc>
+                  <a:txBody>
+                    <a:bodyPr/>
+                    <a:lstStyle/>
+                    <a:p>
+                      <a:pPr rtl="0" fontAlgn="b"/>
+                      <a:r>
+                        <a:rPr lang="en-US" sz="2000" dirty="0">
+                          <a:effectLst/>
+                        </a:rPr>
+                        <a:t>Medical School</a:t>
+                      </a:r>
+                    </a:p>
+                  </a:txBody>
+                  <a:tcPr marL="28477" marR="28477" marT="18985" marB="18985" anchor="b">
+                    <a:lnL w="9525" cap="flat" cmpd="sng" algn="ctr">
+                      <a:solidFill>
+                        <a:srgbClr val="CCCCCC"/>
+                      </a:solidFill>
+                      <a:prstDash val="solid"/>
+                      <a:round/>
+                      <a:headEnd type="none" w="med" len="med"/>
+                      <a:tailEnd type="none" w="med" len="med"/>
+                    </a:lnL>
+                    <a:lnR w="9525" cap="flat" cmpd="sng" algn="ctr">
+                      <a:solidFill>
+                        <a:srgbClr val="CCCCCC"/>
+                      </a:solidFill>
+                      <a:prstDash val="solid"/>
+                      <a:round/>
+                      <a:headEnd type="none" w="med" len="med"/>
+                      <a:tailEnd type="none" w="med" len="med"/>
+                    </a:lnR>
+                    <a:lnT w="9525" cap="flat" cmpd="sng" algn="ctr">
+                      <a:solidFill>
+                        <a:srgbClr val="CCCCCC"/>
+                      </a:solidFill>
+                      <a:prstDash val="solid"/>
+                      <a:round/>
+                      <a:headEnd type="none" w="med" len="med"/>
+                      <a:tailEnd type="none" w="med" len="med"/>
+                    </a:lnT>
+                    <a:lnB w="9525" cap="flat" cmpd="sng" algn="ctr">
+                      <a:solidFill>
+                        <a:srgbClr val="CCCCCC"/>
+                      </a:solidFill>
+                      <a:prstDash val="solid"/>
+                      <a:round/>
+                      <a:headEnd type="none" w="med" len="med"/>
+                      <a:tailEnd type="none" w="med" len="med"/>
+                    </a:lnB>
+                  </a:tcPr>
+                </a:tc>
+                <a:tc>
+                  <a:txBody>
+                    <a:bodyPr/>
+                    <a:lstStyle/>
+                    <a:p>
+                      <a:pPr marL="0" marR="0" lvl="0" indent="0" algn="l" defTabSz="914400" rtl="0" eaLnBrk="1" fontAlgn="b" latinLnBrk="1" hangingPunct="1">
+                        <a:lnSpc>
+                          <a:spcPct val="100000"/>
+                        </a:lnSpc>
+                        <a:spcBef>
+                          <a:spcPts val="0"/>
+                        </a:spcBef>
+                        <a:spcAft>
+                          <a:spcPts val="0"/>
+                        </a:spcAft>
+                        <a:buClrTx/>
+                        <a:buSzTx/>
+                        <a:buFontTx/>
+                        <a:buNone/>
+                        <a:tabLst/>
+                        <a:defRPr/>
+                      </a:pPr>
+                      <a:r>
+                        <a:rPr lang="en-US" altLang="ko-KR" sz="2000" b="0" dirty="0">
+                          <a:solidFill>
+                            <a:srgbClr val="1F1F1F"/>
+                          </a:solidFill>
+                          <a:effectLst/>
+                          <a:latin typeface="Google Sans"/>
+                        </a:rPr>
+                        <a:t>Resident</a:t>
+                      </a:r>
+                    </a:p>
+                  </a:txBody>
+                  <a:tcPr marL="28477" marR="28477" marT="18985" marB="18985" anchor="b">
+                    <a:lnL w="9525" cap="flat" cmpd="sng" algn="ctr">
+                      <a:solidFill>
+                        <a:srgbClr val="CCCCCC"/>
+                      </a:solidFill>
+                      <a:prstDash val="solid"/>
+                      <a:round/>
+                      <a:headEnd type="none" w="med" len="med"/>
+                      <a:tailEnd type="none" w="med" len="med"/>
+                    </a:lnL>
+                    <a:lnR w="9525" cap="flat" cmpd="sng" algn="ctr">
+                      <a:solidFill>
+                        <a:srgbClr val="CCCCCC"/>
+                      </a:solidFill>
+                      <a:prstDash val="solid"/>
+                      <a:round/>
+                      <a:headEnd type="none" w="med" len="med"/>
+                      <a:tailEnd type="none" w="med" len="med"/>
+                    </a:lnR>
+                    <a:lnT w="9525" cap="flat" cmpd="sng" algn="ctr">
+                      <a:solidFill>
+                        <a:srgbClr val="CCCCCC"/>
+                      </a:solidFill>
+                      <a:prstDash val="solid"/>
+                      <a:round/>
+                      <a:headEnd type="none" w="med" len="med"/>
+                      <a:tailEnd type="none" w="med" len="med"/>
+                    </a:lnT>
+                    <a:lnB w="9525" cap="flat" cmpd="sng" algn="ctr">
+                      <a:solidFill>
+                        <a:srgbClr val="CCCCCC"/>
+                      </a:solidFill>
+                      <a:prstDash val="solid"/>
+                      <a:round/>
+                      <a:headEnd type="none" w="med" len="med"/>
+                      <a:tailEnd type="none" w="med" len="med"/>
+                    </a:lnB>
+                  </a:tcPr>
+                </a:tc>
+                <a:tc>
+                  <a:txBody>
+                    <a:bodyPr/>
+                    <a:lstStyle/>
+                    <a:p>
+                      <a:pPr rtl="0" fontAlgn="b"/>
+                      <a:r>
+                        <a:rPr lang="en-US" sz="1400" dirty="0">
+                          <a:effectLst/>
+                        </a:rPr>
+                        <a:t>Sub-</a:t>
+                      </a:r>
+                      <a:r>
+                        <a:rPr lang="en-US" sz="1400" dirty="0" err="1">
+                          <a:effectLst/>
+                        </a:rPr>
+                        <a:t>speciality</a:t>
+                      </a:r>
+                      <a:endParaRPr lang="en-US" sz="1400" dirty="0">
+                        <a:effectLst/>
+                      </a:endParaRPr>
+                    </a:p>
+                  </a:txBody>
+                  <a:tcPr marL="28477" marR="28477" marT="18985" marB="18985" anchor="b">
+                    <a:lnL w="9525" cap="flat" cmpd="sng" algn="ctr">
+                      <a:solidFill>
+                        <a:srgbClr val="CCCCCC"/>
+                      </a:solidFill>
+                      <a:prstDash val="solid"/>
+                      <a:round/>
+                      <a:headEnd type="none" w="med" len="med"/>
+                      <a:tailEnd type="none" w="med" len="med"/>
+                    </a:lnL>
+                    <a:lnR w="9525" cap="flat" cmpd="sng" algn="ctr">
+                      <a:solidFill>
+                        <a:srgbClr val="CCCCCC"/>
+                      </a:solidFill>
+                      <a:prstDash val="solid"/>
+                      <a:round/>
+                      <a:headEnd type="none" w="med" len="med"/>
+                      <a:tailEnd type="none" w="med" len="med"/>
+                    </a:lnR>
+                    <a:lnT w="9525" cap="flat" cmpd="sng" algn="ctr">
+                      <a:solidFill>
+                        <a:srgbClr val="CCCCCC"/>
+                      </a:solidFill>
+                      <a:prstDash val="solid"/>
+                      <a:round/>
+                      <a:headEnd type="none" w="med" len="med"/>
+                      <a:tailEnd type="none" w="med" len="med"/>
+                    </a:lnT>
+                    <a:lnB w="9525" cap="flat" cmpd="sng" algn="ctr">
+                      <a:solidFill>
+                        <a:srgbClr val="CCCCCC"/>
+                      </a:solidFill>
+                      <a:prstDash val="solid"/>
+                      <a:round/>
+                      <a:headEnd type="none" w="med" len="med"/>
+                      <a:tailEnd type="none" w="med" len="med"/>
+                    </a:lnB>
+                  </a:tcPr>
+                </a:tc>
+                <a:extLst>
+                  <a:ext uri="{0D108BD9-81ED-4DB2-BD59-A6C34878D82A}">
+                    <a16:rowId xmlns:a16="http://schemas.microsoft.com/office/drawing/2014/main" val="874641792"/>
+                  </a:ext>
+                </a:extLst>
+              </a:tr>
+              <a:tr h="947956">
+                <a:tc>
+                  <a:txBody>
+                    <a:bodyPr/>
+                    <a:lstStyle/>
+                    <a:p>
+                      <a:pPr rtl="0" fontAlgn="b"/>
+                      <a:r>
+                        <a:rPr lang="en-US" sz="2000" b="0" dirty="0">
+                          <a:solidFill>
+                            <a:srgbClr val="1F1F1F"/>
+                          </a:solidFill>
+                          <a:effectLst/>
+                          <a:latin typeface="Google Sans"/>
+                        </a:rPr>
+                        <a:t>to tackle tomorrow’s issues.</a:t>
+                      </a:r>
+                    </a:p>
+                  </a:txBody>
+                  <a:tcPr marL="28477" marR="28477" marT="18985" marB="18985" anchor="b">
+                    <a:lnL w="9525" cap="flat" cmpd="sng" algn="ctr">
+                      <a:solidFill>
+                        <a:srgbClr val="CCCCCC"/>
+                      </a:solidFill>
+                      <a:prstDash val="solid"/>
+                      <a:round/>
+                      <a:headEnd type="none" w="med" len="med"/>
+                      <a:tailEnd type="none" w="med" len="med"/>
+                    </a:lnL>
+                    <a:lnR w="9525" cap="flat" cmpd="sng" algn="ctr">
+                      <a:solidFill>
+                        <a:srgbClr val="CCCCCC"/>
+                      </a:solidFill>
+                      <a:prstDash val="solid"/>
+                      <a:round/>
+                      <a:headEnd type="none" w="med" len="med"/>
+                      <a:tailEnd type="none" w="med" len="med"/>
+                    </a:lnR>
+                    <a:lnT w="9525" cap="flat" cmpd="sng" algn="ctr">
+                      <a:solidFill>
+                        <a:srgbClr val="CCCCCC"/>
+                      </a:solidFill>
+                      <a:prstDash val="solid"/>
+                      <a:round/>
+                      <a:headEnd type="none" w="med" len="med"/>
+                      <a:tailEnd type="none" w="med" len="med"/>
+                    </a:lnT>
+                    <a:lnB w="9525" cap="flat" cmpd="sng" algn="ctr">
+                      <a:solidFill>
+                        <a:srgbClr val="CCCCCC"/>
+                      </a:solidFill>
+                      <a:prstDash val="solid"/>
+                      <a:round/>
+                      <a:headEnd type="none" w="med" len="med"/>
+                      <a:tailEnd type="none" w="med" len="med"/>
+                    </a:lnB>
+                    <a:solidFill>
+                      <a:srgbClr val="FFFFFF"/>
+                    </a:solidFill>
+                  </a:tcPr>
+                </a:tc>
+                <a:tc>
+                  <a:txBody>
+                    <a:bodyPr/>
+                    <a:lstStyle/>
+                    <a:p>
+                      <a:pPr marL="0" marR="0" lvl="0" indent="0" algn="l" defTabSz="914400" rtl="0" eaLnBrk="1" fontAlgn="b" latinLnBrk="1" hangingPunct="1">
+                        <a:lnSpc>
+                          <a:spcPct val="100000"/>
+                        </a:lnSpc>
+                        <a:spcBef>
+                          <a:spcPts val="0"/>
+                        </a:spcBef>
+                        <a:spcAft>
+                          <a:spcPts val="0"/>
+                        </a:spcAft>
+                        <a:buClrTx/>
+                        <a:buSzTx/>
+                        <a:buFontTx/>
+                        <a:buNone/>
+                        <a:tabLst/>
+                        <a:defRPr/>
+                      </a:pPr>
+                      <a:r>
+                        <a:rPr lang="en-US" altLang="ko-KR" sz="2000" b="0" dirty="0">
+                          <a:solidFill>
+                            <a:srgbClr val="212529"/>
+                          </a:solidFill>
+                          <a:effectLst/>
+                          <a:latin typeface="Roboto Slab"/>
+                        </a:rPr>
+                        <a:t>the development of new skills </a:t>
+                      </a:r>
+                      <a:endParaRPr lang="en-US" sz="2000" b="0" dirty="0">
+                        <a:solidFill>
+                          <a:srgbClr val="1F1F1F"/>
+                        </a:solidFill>
+                        <a:effectLst/>
+                        <a:latin typeface="Google Sans"/>
+                      </a:endParaRPr>
+                    </a:p>
+                  </a:txBody>
+                  <a:tcPr marL="28477" marR="28477" marT="18985" marB="18985" anchor="b">
+                    <a:lnL w="9525" cap="flat" cmpd="sng" algn="ctr">
+                      <a:solidFill>
+                        <a:srgbClr val="CCCCCC"/>
+                      </a:solidFill>
+                      <a:prstDash val="solid"/>
+                      <a:round/>
+                      <a:headEnd type="none" w="med" len="med"/>
+                      <a:tailEnd type="none" w="med" len="med"/>
+                    </a:lnL>
+                    <a:lnR w="9525" cap="flat" cmpd="sng" algn="ctr">
+                      <a:solidFill>
+                        <a:srgbClr val="CCCCCC"/>
+                      </a:solidFill>
+                      <a:prstDash val="solid"/>
+                      <a:round/>
+                      <a:headEnd type="none" w="med" len="med"/>
+                      <a:tailEnd type="none" w="med" len="med"/>
+                    </a:lnR>
+                    <a:lnT w="9525" cap="flat" cmpd="sng" algn="ctr">
+                      <a:solidFill>
+                        <a:srgbClr val="CCCCCC"/>
+                      </a:solidFill>
+                      <a:prstDash val="solid"/>
+                      <a:round/>
+                      <a:headEnd type="none" w="med" len="med"/>
+                      <a:tailEnd type="none" w="med" len="med"/>
+                    </a:lnT>
+                    <a:lnB w="9525" cap="flat" cmpd="sng" algn="ctr">
+                      <a:solidFill>
+                        <a:srgbClr val="CCCCCC"/>
+                      </a:solidFill>
+                      <a:prstDash val="solid"/>
+                      <a:round/>
+                      <a:headEnd type="none" w="med" len="med"/>
+                      <a:tailEnd type="none" w="med" len="med"/>
+                    </a:lnB>
+                    <a:solidFill>
+                      <a:srgbClr val="FFFFFF"/>
+                    </a:solidFill>
+                  </a:tcPr>
+                </a:tc>
+                <a:tc>
+                  <a:txBody>
+                    <a:bodyPr/>
+                    <a:lstStyle/>
+                    <a:p>
+                      <a:pPr rtl="0" fontAlgn="b"/>
+                      <a:r>
+                        <a:rPr lang="en-US" sz="1400" b="0" dirty="0">
+                          <a:solidFill>
+                            <a:srgbClr val="1F1F1F"/>
+                          </a:solidFill>
+                          <a:effectLst/>
+                          <a:latin typeface="Google Sans"/>
+                        </a:rPr>
+                        <a:t>optimization algorithm</a:t>
+                      </a:r>
+                    </a:p>
+                  </a:txBody>
+                  <a:tcPr marL="28477" marR="28477" marT="18985" marB="18985" anchor="b">
+                    <a:lnL w="9525" cap="flat" cmpd="sng" algn="ctr">
+                      <a:solidFill>
+                        <a:srgbClr val="CCCCCC"/>
+                      </a:solidFill>
+                      <a:prstDash val="solid"/>
+                      <a:round/>
+                      <a:headEnd type="none" w="med" len="med"/>
+                      <a:tailEnd type="none" w="med" len="med"/>
+                    </a:lnL>
+                    <a:lnR w="9525" cap="flat" cmpd="sng" algn="ctr">
+                      <a:solidFill>
+                        <a:srgbClr val="CCCCCC"/>
+                      </a:solidFill>
+                      <a:prstDash val="solid"/>
+                      <a:round/>
+                      <a:headEnd type="none" w="med" len="med"/>
+                      <a:tailEnd type="none" w="med" len="med"/>
+                    </a:lnR>
+                    <a:lnT w="9525" cap="flat" cmpd="sng" algn="ctr">
+                      <a:solidFill>
+                        <a:srgbClr val="CCCCCC"/>
+                      </a:solidFill>
+                      <a:prstDash val="solid"/>
+                      <a:round/>
+                      <a:headEnd type="none" w="med" len="med"/>
+                      <a:tailEnd type="none" w="med" len="med"/>
+                    </a:lnT>
+                    <a:lnB w="9525" cap="flat" cmpd="sng" algn="ctr">
+                      <a:solidFill>
+                        <a:srgbClr val="CCCCCC"/>
+                      </a:solidFill>
+                      <a:prstDash val="solid"/>
+                      <a:round/>
+                      <a:headEnd type="none" w="med" len="med"/>
+                      <a:tailEnd type="none" w="med" len="med"/>
+                    </a:lnB>
+                    <a:solidFill>
+                      <a:srgbClr val="FFFFFF"/>
+                    </a:solidFill>
+                  </a:tcPr>
+                </a:tc>
+                <a:extLst>
+                  <a:ext uri="{0D108BD9-81ED-4DB2-BD59-A6C34878D82A}">
+                    <a16:rowId xmlns:a16="http://schemas.microsoft.com/office/drawing/2014/main" val="973685320"/>
+                  </a:ext>
+                </a:extLst>
+              </a:tr>
+              <a:tr h="689257">
+                <a:tc>
+                  <a:txBody>
+                    <a:bodyPr/>
+                    <a:lstStyle/>
+                    <a:p>
+                      <a:pPr rtl="0" fontAlgn="b"/>
+                      <a:endParaRPr lang="ko-KR" altLang="en-US" sz="1800">
+                        <a:effectLst/>
+                      </a:endParaRPr>
+                    </a:p>
+                  </a:txBody>
+                  <a:tcPr marL="28477" marR="28477" marT="18985" marB="18985" anchor="b">
+                    <a:lnL w="9525" cap="flat" cmpd="sng" algn="ctr">
+                      <a:solidFill>
+                        <a:srgbClr val="CCCCCC"/>
+                      </a:solidFill>
+                      <a:prstDash val="solid"/>
+                      <a:round/>
+                      <a:headEnd type="none" w="med" len="med"/>
+                      <a:tailEnd type="none" w="med" len="med"/>
+                    </a:lnL>
+                    <a:lnR w="9525" cap="flat" cmpd="sng" algn="ctr">
+                      <a:solidFill>
+                        <a:srgbClr val="CCCCCC"/>
+                      </a:solidFill>
+                      <a:prstDash val="solid"/>
+                      <a:round/>
+                      <a:headEnd type="none" w="med" len="med"/>
+                      <a:tailEnd type="none" w="med" len="med"/>
+                    </a:lnR>
+                    <a:lnT w="9525" cap="flat" cmpd="sng" algn="ctr">
+                      <a:solidFill>
+                        <a:srgbClr val="CCCCCC"/>
+                      </a:solidFill>
+                      <a:prstDash val="solid"/>
+                      <a:round/>
+                      <a:headEnd type="none" w="med" len="med"/>
+                      <a:tailEnd type="none" w="med" len="med"/>
+                    </a:lnT>
+                    <a:lnB w="9525" cap="flat" cmpd="sng" algn="ctr">
+                      <a:solidFill>
+                        <a:srgbClr val="D04BC0"/>
+                      </a:solidFill>
+                      <a:prstDash val="solid"/>
+                      <a:round/>
+                      <a:headEnd type="none" w="med" len="med"/>
+                      <a:tailEnd type="none" w="med" len="med"/>
+                    </a:lnB>
+                  </a:tcPr>
+                </a:tc>
+                <a:tc>
+                  <a:txBody>
+                    <a:bodyPr/>
+                    <a:lstStyle/>
+                    <a:p>
+                      <a:pPr rtl="0" fontAlgn="b"/>
+                      <a:endParaRPr lang="ko-KR" altLang="en-US" sz="1800" dirty="0">
+                        <a:effectLst/>
+                      </a:endParaRPr>
+                    </a:p>
+                  </a:txBody>
+                  <a:tcPr marL="28477" marR="28477" marT="18985" marB="18985" anchor="b">
+                    <a:lnL w="9525" cap="flat" cmpd="sng" algn="ctr">
+                      <a:solidFill>
+                        <a:srgbClr val="CCCCCC"/>
+                      </a:solidFill>
+                      <a:prstDash val="solid"/>
+                      <a:round/>
+                      <a:headEnd type="none" w="med" len="med"/>
+                      <a:tailEnd type="none" w="med" len="med"/>
+                    </a:lnL>
+                    <a:lnR w="9525" cap="flat" cmpd="sng" algn="ctr">
+                      <a:solidFill>
+                        <a:srgbClr val="CCCCCC"/>
+                      </a:solidFill>
+                      <a:prstDash val="solid"/>
+                      <a:round/>
+                      <a:headEnd type="none" w="med" len="med"/>
+                      <a:tailEnd type="none" w="med" len="med"/>
+                    </a:lnR>
+                    <a:lnT w="9525" cap="flat" cmpd="sng" algn="ctr">
+                      <a:solidFill>
+                        <a:srgbClr val="CCCCCC"/>
+                      </a:solidFill>
+                      <a:prstDash val="solid"/>
+                      <a:round/>
+                      <a:headEnd type="none" w="med" len="med"/>
+                      <a:tailEnd type="none" w="med" len="med"/>
+                    </a:lnT>
+                    <a:lnB w="9525" cap="flat" cmpd="sng" algn="ctr">
+                      <a:solidFill>
+                        <a:srgbClr val="304DC0"/>
+                      </a:solidFill>
+                      <a:prstDash val="solid"/>
+                      <a:round/>
+                      <a:headEnd type="none" w="med" len="med"/>
+                      <a:tailEnd type="none" w="med" len="med"/>
+                    </a:lnB>
+                  </a:tcPr>
+                </a:tc>
+                <a:tc>
+                  <a:txBody>
+                    <a:bodyPr/>
+                    <a:lstStyle/>
+                    <a:p>
+                      <a:pPr rtl="0" fontAlgn="b"/>
+                      <a:endParaRPr lang="ko-KR" altLang="en-US" sz="1800" dirty="0">
+                        <a:effectLst/>
+                      </a:endParaRPr>
+                    </a:p>
+                  </a:txBody>
+                  <a:tcPr marL="28477" marR="28477" marT="18985" marB="18985" anchor="b">
+                    <a:lnL w="9525" cap="flat" cmpd="sng" algn="ctr">
+                      <a:solidFill>
+                        <a:srgbClr val="CCCCCC"/>
+                      </a:solidFill>
+                      <a:prstDash val="solid"/>
+                      <a:round/>
+                      <a:headEnd type="none" w="med" len="med"/>
+                      <a:tailEnd type="none" w="med" len="med"/>
+                    </a:lnL>
+                    <a:lnR w="9525" cap="flat" cmpd="sng" algn="ctr">
+                      <a:solidFill>
+                        <a:srgbClr val="CCCCCC"/>
+                      </a:solidFill>
+                      <a:prstDash val="solid"/>
+                      <a:round/>
+                      <a:headEnd type="none" w="med" len="med"/>
+                      <a:tailEnd type="none" w="med" len="med"/>
+                    </a:lnR>
+                    <a:lnT w="9525" cap="flat" cmpd="sng" algn="ctr">
+                      <a:solidFill>
+                        <a:srgbClr val="CCCCCC"/>
+                      </a:solidFill>
+                      <a:prstDash val="solid"/>
+                      <a:round/>
+                      <a:headEnd type="none" w="med" len="med"/>
+                      <a:tailEnd type="none" w="med" len="med"/>
+                    </a:lnT>
+                    <a:lnB w="9525" cap="flat" cmpd="sng" algn="ctr">
+                      <a:solidFill>
+                        <a:srgbClr val="3052C0"/>
+                      </a:solidFill>
+                      <a:prstDash val="solid"/>
+                      <a:round/>
+                      <a:headEnd type="none" w="med" len="med"/>
+                      <a:tailEnd type="none" w="med" len="med"/>
+                    </a:lnB>
+                  </a:tcPr>
+                </a:tc>
+                <a:extLst>
+                  <a:ext uri="{0D108BD9-81ED-4DB2-BD59-A6C34878D82A}">
+                    <a16:rowId xmlns:a16="http://schemas.microsoft.com/office/drawing/2014/main" val="2685815603"/>
+                  </a:ext>
+                </a:extLst>
+              </a:tr>
+              <a:tr h="436227">
+                <a:tc gridSpan="3">
+                  <a:txBody>
+                    <a:bodyPr/>
+                    <a:lstStyle/>
+                    <a:p>
+                      <a:pPr rtl="0" fontAlgn="b"/>
+                      <a:r>
+                        <a:rPr lang="en-US" sz="900" dirty="0">
+                          <a:effectLst/>
+                        </a:rPr>
+                        <a:t>learning is all about equipping a person to tackle not just today’s issues, but preparing him/her to creatively come up with ways to tackle tomorrow’s issues.</a:t>
+                      </a:r>
+                    </a:p>
+                  </a:txBody>
+                  <a:tcPr marL="28477" marR="28477" marT="18985" marB="18985" anchor="b">
+                    <a:lnL w="9525" cap="flat" cmpd="sng" algn="ctr">
+                      <a:solidFill>
+                        <a:srgbClr val="D04BC0"/>
+                      </a:solidFill>
+                      <a:prstDash val="solid"/>
+                      <a:round/>
+                      <a:headEnd type="none" w="med" len="med"/>
+                      <a:tailEnd type="none" w="med" len="med"/>
+                    </a:lnL>
+                    <a:lnR w="9525" cap="flat" cmpd="sng" algn="ctr">
+                      <a:solidFill>
+                        <a:srgbClr val="3052C0"/>
+                      </a:solidFill>
+                      <a:prstDash val="solid"/>
+                      <a:round/>
+                      <a:headEnd type="none" w="med" len="med"/>
+                      <a:tailEnd type="none" w="med" len="med"/>
+                    </a:lnR>
+                    <a:lnT w="9525" cap="flat" cmpd="sng" algn="ctr">
+                      <a:solidFill>
+                        <a:srgbClr val="D04BC0"/>
+                      </a:solidFill>
+                      <a:prstDash val="solid"/>
+                      <a:round/>
+                      <a:headEnd type="none" w="med" len="med"/>
+                      <a:tailEnd type="none" w="med" len="med"/>
+                    </a:lnT>
+                    <a:lnB w="9525" cap="flat" cmpd="sng" algn="ctr">
+                      <a:solidFill>
+                        <a:srgbClr val="B058C0"/>
+                      </a:solidFill>
+                      <a:prstDash val="solid"/>
+                      <a:round/>
+                      <a:headEnd type="none" w="med" len="med"/>
+                      <a:tailEnd type="none" w="med" len="med"/>
+                    </a:lnB>
+                  </a:tcPr>
+                </a:tc>
+                <a:tc hMerge="1">
+                  <a:txBody>
+                    <a:bodyPr/>
+                    <a:lstStyle/>
+                    <a:p>
+                      <a:pPr rtl="0" fontAlgn="b"/>
+                      <a:endParaRPr lang="ko-KR" altLang="en-US" sz="1800" dirty="0">
+                        <a:effectLst/>
+                      </a:endParaRPr>
+                    </a:p>
+                  </a:txBody>
+                  <a:tcPr marL="28477" marR="28477" marT="18985" marB="18985" anchor="b">
+                    <a:lnL w="9525" cap="flat" cmpd="sng" algn="ctr">
+                      <a:solidFill>
+                        <a:srgbClr val="304DC0"/>
+                      </a:solidFill>
+                      <a:prstDash val="solid"/>
+                      <a:round/>
+                      <a:headEnd type="none" w="med" len="med"/>
+                      <a:tailEnd type="none" w="med" len="med"/>
+                    </a:lnL>
+                    <a:lnR w="9525" cap="flat" cmpd="sng" algn="ctr">
+                      <a:solidFill>
+                        <a:srgbClr val="3052C0"/>
+                      </a:solidFill>
+                      <a:prstDash val="solid"/>
+                      <a:round/>
+                      <a:headEnd type="none" w="med" len="med"/>
+                      <a:tailEnd type="none" w="med" len="med"/>
+                    </a:lnR>
+                    <a:lnT w="9525" cap="flat" cmpd="sng" algn="ctr">
+                      <a:solidFill>
+                        <a:srgbClr val="304DC0"/>
+                      </a:solidFill>
+                      <a:prstDash val="solid"/>
+                      <a:round/>
+                      <a:headEnd type="none" w="med" len="med"/>
+                      <a:tailEnd type="none" w="med" len="med"/>
+                    </a:lnT>
+                    <a:lnB w="9525" cap="flat" cmpd="sng" algn="ctr">
+                      <a:solidFill>
+                        <a:srgbClr val="80CDBD"/>
+                      </a:solidFill>
+                      <a:prstDash val="solid"/>
+                      <a:round/>
+                      <a:headEnd type="none" w="med" len="med"/>
+                      <a:tailEnd type="none" w="med" len="med"/>
+                    </a:lnB>
+                  </a:tcPr>
+                </a:tc>
+                <a:tc hMerge="1">
+                  <a:txBody>
+                    <a:bodyPr/>
+                    <a:lstStyle/>
+                    <a:p>
+                      <a:pPr rtl="0" fontAlgn="b"/>
+                      <a:endParaRPr lang="ko-KR" altLang="en-US" sz="1800" dirty="0">
+                        <a:effectLst/>
+                      </a:endParaRPr>
+                    </a:p>
+                  </a:txBody>
+                  <a:tcPr marL="28477" marR="28477" marT="18985" marB="18985" anchor="b">
+                    <a:lnL w="9525" cap="flat" cmpd="sng" algn="ctr">
+                      <a:solidFill>
+                        <a:srgbClr val="3052C0"/>
+                      </a:solidFill>
+                      <a:prstDash val="solid"/>
+                      <a:round/>
+                      <a:headEnd type="none" w="med" len="med"/>
+                      <a:tailEnd type="none" w="med" len="med"/>
+                    </a:lnL>
+                    <a:lnR w="9525" cap="flat" cmpd="sng" algn="ctr">
+                      <a:solidFill>
+                        <a:srgbClr val="3052C0"/>
+                      </a:solidFill>
+                      <a:prstDash val="solid"/>
+                      <a:round/>
+                      <a:headEnd type="none" w="med" len="med"/>
+                      <a:tailEnd type="none" w="med" len="med"/>
+                    </a:lnR>
+                    <a:lnT w="9525" cap="flat" cmpd="sng" algn="ctr">
+                      <a:solidFill>
+                        <a:srgbClr val="3052C0"/>
+                      </a:solidFill>
+                      <a:prstDash val="solid"/>
+                      <a:round/>
+                      <a:headEnd type="none" w="med" len="med"/>
+                      <a:tailEnd type="none" w="med" len="med"/>
+                    </a:lnT>
+                    <a:lnB w="9525" cap="flat" cmpd="sng" algn="ctr">
+                      <a:solidFill>
+                        <a:srgbClr val="CCCCCC"/>
+                      </a:solidFill>
+                      <a:prstDash val="solid"/>
+                      <a:round/>
+                      <a:headEnd type="none" w="med" len="med"/>
+                      <a:tailEnd type="none" w="med" len="med"/>
+                    </a:lnB>
+                  </a:tcPr>
+                </a:tc>
+                <a:extLst>
+                  <a:ext uri="{0D108BD9-81ED-4DB2-BD59-A6C34878D82A}">
+                    <a16:rowId xmlns:a16="http://schemas.microsoft.com/office/drawing/2014/main" val="4009742421"/>
+                  </a:ext>
+                </a:extLst>
+              </a:tr>
+              <a:tr h="436229">
+                <a:tc gridSpan="3">
+                  <a:txBody>
+                    <a:bodyPr/>
+                    <a:lstStyle/>
+                    <a:p>
+                      <a:pPr rtl="0" fontAlgn="b"/>
+                      <a:r>
+                        <a:rPr lang="en-US" sz="900" b="0" dirty="0">
+                          <a:solidFill>
+                            <a:srgbClr val="212529"/>
+                          </a:solidFill>
+                          <a:effectLst/>
+                          <a:latin typeface="Roboto Slab"/>
+                        </a:rPr>
+                        <a:t>Training, on the other hand, focuses more on the development of new skills or skill sets that will be used.</a:t>
+                      </a:r>
+                    </a:p>
+                  </a:txBody>
+                  <a:tcPr marL="0" marR="0" marT="18985" marB="18985" anchor="b">
+                    <a:lnL w="9525" cap="flat" cmpd="sng" algn="ctr">
+                      <a:solidFill>
+                        <a:srgbClr val="B058C0"/>
+                      </a:solidFill>
+                      <a:prstDash val="solid"/>
+                      <a:round/>
+                      <a:headEnd type="none" w="med" len="med"/>
+                      <a:tailEnd type="none" w="med" len="med"/>
+                    </a:lnL>
+                    <a:lnR w="9525" cap="flat" cmpd="sng" algn="ctr">
+                      <a:solidFill>
+                        <a:srgbClr val="CCCCCC"/>
+                      </a:solidFill>
+                      <a:prstDash val="solid"/>
+                      <a:round/>
+                      <a:headEnd type="none" w="med" len="med"/>
+                      <a:tailEnd type="none" w="med" len="med"/>
+                    </a:lnR>
+                    <a:lnT w="9525" cap="flat" cmpd="sng" algn="ctr">
+                      <a:solidFill>
+                        <a:srgbClr val="B058C0"/>
+                      </a:solidFill>
+                      <a:prstDash val="solid"/>
+                      <a:round/>
+                      <a:headEnd type="none" w="med" len="med"/>
+                      <a:tailEnd type="none" w="med" len="med"/>
+                    </a:lnT>
+                    <a:lnB w="9525" cap="flat" cmpd="sng" algn="ctr">
+                      <a:solidFill>
+                        <a:srgbClr val="40C9BD"/>
+                      </a:solidFill>
+                      <a:prstDash val="solid"/>
+                      <a:round/>
+                      <a:headEnd type="none" w="med" len="med"/>
+                      <a:tailEnd type="none" w="med" len="med"/>
+                    </a:lnB>
+                    <a:solidFill>
+                      <a:srgbClr val="FFFFFF"/>
+                    </a:solidFill>
+                  </a:tcPr>
+                </a:tc>
+                <a:tc hMerge="1">
+                  <a:txBody>
+                    <a:bodyPr/>
+                    <a:lstStyle/>
+                    <a:p>
+                      <a:pPr rtl="0" fontAlgn="b"/>
+                      <a:endParaRPr lang="ko-KR" altLang="en-US" sz="1800" dirty="0">
+                        <a:effectLst/>
+                      </a:endParaRPr>
+                    </a:p>
+                  </a:txBody>
+                  <a:tcPr marL="28477" marR="28477" marT="18985" marB="18985" anchor="b">
+                    <a:lnL w="9525" cap="flat" cmpd="sng" algn="ctr">
+                      <a:solidFill>
+                        <a:srgbClr val="80CDBD"/>
+                      </a:solidFill>
+                      <a:prstDash val="solid"/>
+                      <a:round/>
+                      <a:headEnd type="none" w="med" len="med"/>
+                      <a:tailEnd type="none" w="med" len="med"/>
+                    </a:lnL>
+                    <a:lnR w="9525" cap="flat" cmpd="sng" algn="ctr">
+                      <a:solidFill>
+                        <a:srgbClr val="CCCCCC"/>
+                      </a:solidFill>
+                      <a:prstDash val="solid"/>
+                      <a:round/>
+                      <a:headEnd type="none" w="med" len="med"/>
+                      <a:tailEnd type="none" w="med" len="med"/>
+                    </a:lnR>
+                    <a:lnT w="9525" cap="flat" cmpd="sng" algn="ctr">
+                      <a:solidFill>
+                        <a:srgbClr val="80CDBD"/>
+                      </a:solidFill>
+                      <a:prstDash val="solid"/>
+                      <a:round/>
+                      <a:headEnd type="none" w="med" len="med"/>
+                      <a:tailEnd type="none" w="med" len="med"/>
+                    </a:lnT>
+                    <a:lnB w="9525" cap="flat" cmpd="sng" algn="ctr">
+                      <a:solidFill>
+                        <a:srgbClr val="C0CEBD"/>
+                      </a:solidFill>
+                      <a:prstDash val="solid"/>
+                      <a:round/>
+                      <a:headEnd type="none" w="med" len="med"/>
+                      <a:tailEnd type="none" w="med" len="med"/>
+                    </a:lnB>
+                  </a:tcPr>
+                </a:tc>
+                <a:tc hMerge="1">
+                  <a:txBody>
+                    <a:bodyPr/>
+                    <a:lstStyle/>
+                    <a:p>
+                      <a:pPr rtl="0" fontAlgn="b"/>
+                      <a:endParaRPr lang="ko-KR" altLang="en-US" sz="1800" dirty="0">
+                        <a:effectLst/>
+                      </a:endParaRPr>
+                    </a:p>
+                  </a:txBody>
+                  <a:tcPr marL="28477" marR="28477" marT="18985" marB="18985" anchor="b">
+                    <a:lnL w="9525" cap="flat" cmpd="sng" algn="ctr">
+                      <a:solidFill>
+                        <a:srgbClr val="CCCCCC"/>
+                      </a:solidFill>
+                      <a:prstDash val="solid"/>
+                      <a:round/>
+                      <a:headEnd type="none" w="med" len="med"/>
+                      <a:tailEnd type="none" w="med" len="med"/>
+                    </a:lnL>
+                    <a:lnR w="9525" cap="flat" cmpd="sng" algn="ctr">
+                      <a:solidFill>
+                        <a:srgbClr val="CCCCCC"/>
+                      </a:solidFill>
+                      <a:prstDash val="solid"/>
+                      <a:round/>
+                      <a:headEnd type="none" w="med" len="med"/>
+                      <a:tailEnd type="none" w="med" len="med"/>
+                    </a:lnR>
+                    <a:lnT w="9525" cap="flat" cmpd="sng" algn="ctr">
+                      <a:solidFill>
+                        <a:srgbClr val="CCCCCC"/>
+                      </a:solidFill>
+                      <a:prstDash val="solid"/>
+                      <a:round/>
+                      <a:headEnd type="none" w="med" len="med"/>
+                      <a:tailEnd type="none" w="med" len="med"/>
+                    </a:lnT>
+                    <a:lnB w="9525" cap="flat" cmpd="sng" algn="ctr">
+                      <a:solidFill>
+                        <a:srgbClr val="E0D5BD"/>
+                      </a:solidFill>
+                      <a:prstDash val="solid"/>
+                      <a:round/>
+                      <a:headEnd type="none" w="med" len="med"/>
+                      <a:tailEnd type="none" w="med" len="med"/>
+                    </a:lnB>
+                  </a:tcPr>
+                </a:tc>
+                <a:extLst>
+                  <a:ext uri="{0D108BD9-81ED-4DB2-BD59-A6C34878D82A}">
+                    <a16:rowId xmlns:a16="http://schemas.microsoft.com/office/drawing/2014/main" val="2008205409"/>
+                  </a:ext>
+                </a:extLst>
+              </a:tr>
+              <a:tr h="494116">
+                <a:tc gridSpan="3">
+                  <a:txBody>
+                    <a:bodyPr/>
+                    <a:lstStyle/>
+                    <a:p>
+                      <a:pPr rtl="0" fontAlgn="b"/>
+                      <a:r>
+                        <a:rPr lang="en-US" sz="900" dirty="0">
+                          <a:solidFill>
+                            <a:srgbClr val="282829"/>
+                          </a:solidFill>
+                          <a:effectLst/>
+                        </a:rPr>
+                        <a:t>tuning is for the training of hyper parameters of a model, parameters that somehow can't or are not efficient to be optimized for with the optimization algorithm used for training.</a:t>
+                      </a:r>
+                    </a:p>
+                  </a:txBody>
+                  <a:tcPr marL="0" marR="0" marT="18985" marB="18985" anchor="b">
+                    <a:lnL w="9525" cap="flat" cmpd="sng" algn="ctr">
+                      <a:solidFill>
+                        <a:srgbClr val="40C9BD"/>
+                      </a:solidFill>
+                      <a:prstDash val="solid"/>
+                      <a:round/>
+                      <a:headEnd type="none" w="med" len="med"/>
+                      <a:tailEnd type="none" w="med" len="med"/>
+                    </a:lnL>
+                    <a:lnR w="9525" cap="flat" cmpd="sng" algn="ctr">
+                      <a:solidFill>
+                        <a:srgbClr val="E0D5BD"/>
+                      </a:solidFill>
+                      <a:prstDash val="solid"/>
+                      <a:round/>
+                      <a:headEnd type="none" w="med" len="med"/>
+                      <a:tailEnd type="none" w="med" len="med"/>
+                    </a:lnR>
+                    <a:lnT w="9525" cap="flat" cmpd="sng" algn="ctr">
+                      <a:solidFill>
+                        <a:srgbClr val="40C9BD"/>
+                      </a:solidFill>
+                      <a:prstDash val="solid"/>
+                      <a:round/>
+                      <a:headEnd type="none" w="med" len="med"/>
+                      <a:tailEnd type="none" w="med" len="med"/>
+                    </a:lnT>
+                    <a:lnB w="9525" cap="flat" cmpd="sng" algn="ctr">
+                      <a:solidFill>
+                        <a:srgbClr val="40C9BD"/>
+                      </a:solidFill>
+                      <a:prstDash val="solid"/>
+                      <a:round/>
+                      <a:headEnd type="none" w="med" len="med"/>
+                      <a:tailEnd type="none" w="med" len="med"/>
+                    </a:lnB>
+                    <a:solidFill>
+                      <a:srgbClr val="FFFFFF"/>
+                    </a:solidFill>
+                  </a:tcPr>
+                </a:tc>
+                <a:tc hMerge="1">
+                  <a:txBody>
+                    <a:bodyPr/>
+                    <a:lstStyle/>
+                    <a:p>
+                      <a:pPr rtl="0" fontAlgn="b"/>
+                      <a:endParaRPr lang="ko-KR" altLang="en-US" sz="1800" dirty="0">
+                        <a:effectLst/>
+                      </a:endParaRPr>
+                    </a:p>
+                  </a:txBody>
+                  <a:tcPr marL="28477" marR="28477" marT="18985" marB="18985" anchor="b">
+                    <a:lnL w="9525" cap="flat" cmpd="sng" algn="ctr">
+                      <a:solidFill>
+                        <a:srgbClr val="C0CEBD"/>
+                      </a:solidFill>
+                      <a:prstDash val="solid"/>
+                      <a:round/>
+                      <a:headEnd type="none" w="med" len="med"/>
+                      <a:tailEnd type="none" w="med" len="med"/>
+                    </a:lnL>
+                    <a:lnR w="9525" cap="flat" cmpd="sng" algn="ctr">
+                      <a:solidFill>
+                        <a:srgbClr val="E0D5BD"/>
+                      </a:solidFill>
+                      <a:prstDash val="solid"/>
+                      <a:round/>
+                      <a:headEnd type="none" w="med" len="med"/>
+                      <a:tailEnd type="none" w="med" len="med"/>
+                    </a:lnR>
+                    <a:lnT w="9525" cap="flat" cmpd="sng" algn="ctr">
+                      <a:solidFill>
+                        <a:srgbClr val="C0CEBD"/>
+                      </a:solidFill>
+                      <a:prstDash val="solid"/>
+                      <a:round/>
+                      <a:headEnd type="none" w="med" len="med"/>
+                      <a:tailEnd type="none" w="med" len="med"/>
+                    </a:lnT>
+                    <a:lnB w="9525" cap="flat" cmpd="sng" algn="ctr">
+                      <a:solidFill>
+                        <a:srgbClr val="C0CEBD"/>
+                      </a:solidFill>
+                      <a:prstDash val="solid"/>
+                      <a:round/>
+                      <a:headEnd type="none" w="med" len="med"/>
+                      <a:tailEnd type="none" w="med" len="med"/>
+                    </a:lnB>
+                  </a:tcPr>
+                </a:tc>
+                <a:tc hMerge="1">
+                  <a:txBody>
+                    <a:bodyPr/>
+                    <a:lstStyle/>
+                    <a:p>
+                      <a:pPr rtl="0" fontAlgn="b"/>
+                      <a:endParaRPr lang="ko-KR" altLang="en-US" sz="1800" dirty="0">
+                        <a:effectLst/>
+                      </a:endParaRPr>
+                    </a:p>
+                  </a:txBody>
+                  <a:tcPr marL="28477" marR="28477" marT="18985" marB="18985" anchor="b">
+                    <a:lnL w="9525" cap="flat" cmpd="sng" algn="ctr">
+                      <a:solidFill>
+                        <a:srgbClr val="E0D5BD"/>
+                      </a:solidFill>
+                      <a:prstDash val="solid"/>
+                      <a:round/>
+                      <a:headEnd type="none" w="med" len="med"/>
+                      <a:tailEnd type="none" w="med" len="med"/>
+                    </a:lnL>
+                    <a:lnR w="9525" cap="flat" cmpd="sng" algn="ctr">
+                      <a:solidFill>
+                        <a:srgbClr val="E0D5BD"/>
+                      </a:solidFill>
+                      <a:prstDash val="solid"/>
+                      <a:round/>
+                      <a:headEnd type="none" w="med" len="med"/>
+                      <a:tailEnd type="none" w="med" len="med"/>
+                    </a:lnR>
+                    <a:lnT w="9525" cap="flat" cmpd="sng" algn="ctr">
+                      <a:solidFill>
+                        <a:srgbClr val="E0D5BD"/>
+                      </a:solidFill>
+                      <a:prstDash val="solid"/>
+                      <a:round/>
+                      <a:headEnd type="none" w="med" len="med"/>
+                      <a:tailEnd type="none" w="med" len="med"/>
+                    </a:lnT>
+                    <a:lnB w="9525" cap="flat" cmpd="sng" algn="ctr">
+                      <a:solidFill>
+                        <a:srgbClr val="E0D5BD"/>
+                      </a:solidFill>
+                      <a:prstDash val="solid"/>
+                      <a:round/>
+                      <a:headEnd type="none" w="med" len="med"/>
+                      <a:tailEnd type="none" w="med" len="med"/>
+                    </a:lnB>
+                  </a:tcPr>
+                </a:tc>
+                <a:extLst>
+                  <a:ext uri="{0D108BD9-81ED-4DB2-BD59-A6C34878D82A}">
+                    <a16:rowId xmlns:a16="http://schemas.microsoft.com/office/drawing/2014/main" val="1561102119"/>
+                  </a:ext>
+                </a:extLst>
+              </a:tr>
+              <a:tr h="494116">
+                <a:tc gridSpan="3">
+                  <a:txBody>
+                    <a:bodyPr/>
+                    <a:lstStyle/>
+                    <a:p>
+                      <a:pPr rtl="0" fontAlgn="b"/>
+                      <a:endParaRPr lang="en-US" sz="900" dirty="0">
+                        <a:solidFill>
+                          <a:srgbClr val="282829"/>
+                        </a:solidFill>
+                        <a:effectLst/>
+                      </a:endParaRPr>
+                    </a:p>
+                  </a:txBody>
+                  <a:tcPr marL="0" marR="0" marT="18985" marB="18985" anchor="b">
+                    <a:lnL w="9525" cap="flat" cmpd="sng" algn="ctr">
+                      <a:solidFill>
+                        <a:srgbClr val="40C9BD"/>
+                      </a:solidFill>
+                      <a:prstDash val="solid"/>
+                      <a:round/>
+                      <a:headEnd type="none" w="med" len="med"/>
+                      <a:tailEnd type="none" w="med" len="med"/>
+                    </a:lnL>
+                    <a:lnR w="9525" cap="flat" cmpd="sng" algn="ctr">
+                      <a:solidFill>
+                        <a:srgbClr val="E0D5BD"/>
+                      </a:solidFill>
+                      <a:prstDash val="solid"/>
+                      <a:round/>
+                      <a:headEnd type="none" w="med" len="med"/>
+                      <a:tailEnd type="none" w="med" len="med"/>
+                    </a:lnR>
+                    <a:lnT w="9525" cap="flat" cmpd="sng" algn="ctr">
+                      <a:solidFill>
+                        <a:srgbClr val="40C9BD"/>
+                      </a:solidFill>
+                      <a:prstDash val="solid"/>
+                      <a:round/>
+                      <a:headEnd type="none" w="med" len="med"/>
+                      <a:tailEnd type="none" w="med" len="med"/>
+                    </a:lnT>
+                    <a:lnB w="9525" cap="flat" cmpd="sng" algn="ctr">
+                      <a:solidFill>
+                        <a:srgbClr val="40C9BD"/>
+                      </a:solidFill>
+                      <a:prstDash val="solid"/>
+                      <a:round/>
+                      <a:headEnd type="none" w="med" len="med"/>
+                      <a:tailEnd type="none" w="med" len="med"/>
+                    </a:lnB>
+                    <a:solidFill>
+                      <a:srgbClr val="FFFFFF"/>
+                    </a:solidFill>
+                  </a:tcPr>
+                </a:tc>
+                <a:tc hMerge="1">
+                  <a:txBody>
+                    <a:bodyPr/>
+                    <a:lstStyle/>
+                    <a:p>
+                      <a:pPr latinLnBrk="1"/>
+                      <a:endParaRPr lang="ko-KR" altLang="en-US"/>
+                    </a:p>
+                  </a:txBody>
+                  <a:tcPr/>
+                </a:tc>
+                <a:tc hMerge="1">
+                  <a:txBody>
+                    <a:bodyPr/>
+                    <a:lstStyle/>
+                    <a:p>
+                      <a:pPr latinLnBrk="1"/>
+                      <a:endParaRPr lang="ko-KR" altLang="en-US"/>
+                    </a:p>
+                  </a:txBody>
+                  <a:tcPr/>
+                </a:tc>
+                <a:extLst>
+                  <a:ext uri="{0D108BD9-81ED-4DB2-BD59-A6C34878D82A}">
+                    <a16:rowId xmlns:a16="http://schemas.microsoft.com/office/drawing/2014/main" val="2451662151"/>
+                  </a:ext>
+                </a:extLst>
+              </a:tr>
+            </a:tbl>
+          </a:graphicData>
+        </a:graphic>
+      </p:graphicFrame>
+    </p:spTree>
+    <p:extLst>
+      <p:ext uri="{BB962C8B-B14F-4D97-AF65-F5344CB8AC3E}">
+        <p14:creationId xmlns:p14="http://schemas.microsoft.com/office/powerpoint/2010/main" val="2482863477"/>
+      </p:ext>
+    </p:extLst>
+  </p:cSld>
+  <p:clrMapOvr>
+    <a:masterClrMapping/>
+  </p:clrMapOvr>
+</p:sld>
+</file>
+
+<file path=ppt/slides/slide17.xml><?xml version="1.0" encoding="utf-8"?>
+<p:sld xmlns:a="http://schemas.openxmlformats.org/drawingml/2006/main" xmlns:r="http://schemas.openxmlformats.org/officeDocument/2006/relationships" xmlns:p="http://schemas.openxmlformats.org/presentationml/2006/main">
+  <p:cSld>
+    <p:spTree>
+      <p:nvGrpSpPr>
+        <p:cNvPr id="1" name=""/>
+        <p:cNvGrpSpPr/>
+        <p:nvPr/>
+      </p:nvGrpSpPr>
+      <p:grpSpPr>
+        <a:xfrm>
+          <a:off x="0" y="0"/>
+          <a:ext cx="0" cy="0"/>
+          <a:chOff x="0" y="0"/>
+          <a:chExt cx="0" cy="0"/>
+        </a:xfrm>
+      </p:grpSpPr>
+      <p:sp>
+        <p:nvSpPr>
+          <p:cNvPr id="2" name="제목 1">
+            <a:extLst>
+              <a:ext uri="{FF2B5EF4-FFF2-40B4-BE49-F238E27FC236}">
+                <a16:creationId xmlns:a16="http://schemas.microsoft.com/office/drawing/2014/main" id="{AFB123A5-ED9D-472E-97BF-CD090C7806AB}"/>
+              </a:ext>
+            </a:extLst>
+          </p:cNvPr>
+          <p:cNvSpPr>
+            <a:spLocks noGrp="1"/>
+          </p:cNvSpPr>
+          <p:nvPr>
+            <p:ph type="title"/>
+          </p:nvPr>
+        </p:nvSpPr>
+        <p:spPr/>
+        <p:txBody>
+          <a:bodyPr>
+            <a:normAutofit/>
+          </a:bodyPr>
+          <a:lstStyle/>
+          <a:p>
+            <a:r>
+              <a:rPr lang="en-US" altLang="ko-KR" sz="2400" i="1" dirty="0"/>
+              <a:t>Diagram of Model use and Development</a:t>
+            </a:r>
+            <a:endParaRPr lang="ko-KR" altLang="en-US" sz="2400" dirty="0"/>
+          </a:p>
+        </p:txBody>
+      </p:sp>
+      <p:pic>
+        <p:nvPicPr>
+          <p:cNvPr id="3074" name="Picture 2" descr="Diagram shows the relationship between real world systems and models. Models represent real world systems and rea world systems, in turn, interpret model results.">
+            <a:extLst>
+              <a:ext uri="{FF2B5EF4-FFF2-40B4-BE49-F238E27FC236}">
+                <a16:creationId xmlns:a16="http://schemas.microsoft.com/office/drawing/2014/main" id="{68C0CE56-3B25-41EF-B895-330641F25178}"/>
+              </a:ext>
+            </a:extLst>
+          </p:cNvPr>
+          <p:cNvPicPr>
+            <a:picLocks noChangeAspect="1" noChangeArrowheads="1"/>
+          </p:cNvPicPr>
+          <p:nvPr/>
+        </p:nvPicPr>
+        <p:blipFill>
+          <a:blip r:embed="rId2">
+            <a:extLst>
+              <a:ext uri="{28A0092B-C50C-407E-A947-70E740481C1C}">
+                <a14:useLocalDpi xmlns:a14="http://schemas.microsoft.com/office/drawing/2010/main" val="0"/>
+              </a:ext>
+            </a:extLst>
+          </a:blip>
+          <a:srcRect/>
+          <a:stretch>
+            <a:fillRect/>
+          </a:stretch>
+        </p:blipFill>
+        <p:spPr bwMode="auto">
+          <a:xfrm>
+            <a:off x="2768367" y="1173519"/>
+            <a:ext cx="6811859" cy="5217363"/>
+          </a:xfrm>
+          <a:prstGeom prst="rect">
+            <a:avLst/>
+          </a:prstGeom>
+          <a:noFill/>
+          <a:extLst>
+            <a:ext uri="{909E8E84-426E-40DD-AFC4-6F175D3DCCD1}">
+              <a14:hiddenFill xmlns:a14="http://schemas.microsoft.com/office/drawing/2010/main">
+                <a:solidFill>
+                  <a:srgbClr val="FFFFFF"/>
+                </a:solidFill>
+              </a14:hiddenFill>
+            </a:ext>
+          </a:extLst>
+        </p:spPr>
+      </p:pic>
+    </p:spTree>
+    <p:extLst>
+      <p:ext uri="{BB962C8B-B14F-4D97-AF65-F5344CB8AC3E}">
+        <p14:creationId xmlns:p14="http://schemas.microsoft.com/office/powerpoint/2010/main" val="27982994"/>
+      </p:ext>
+    </p:extLst>
+  </p:cSld>
+  <p:clrMapOvr>
+    <a:masterClrMapping/>
+  </p:clrMapOvr>
+</p:sld>
+</file>
+
+<file path=ppt/slides/slide18.xml><?xml version="1.0" encoding="utf-8"?>
+<p:sld xmlns:a="http://schemas.openxmlformats.org/drawingml/2006/main" xmlns:r="http://schemas.openxmlformats.org/officeDocument/2006/relationships" xmlns:p="http://schemas.openxmlformats.org/presentationml/2006/main">
+  <p:cSld>
+    <p:spTree>
+      <p:nvGrpSpPr>
+        <p:cNvPr id="1" name=""/>
+        <p:cNvGrpSpPr/>
+        <p:nvPr/>
+      </p:nvGrpSpPr>
+      <p:grpSpPr>
+        <a:xfrm>
+          <a:off x="0" y="0"/>
+          <a:ext cx="0" cy="0"/>
+          <a:chOff x="0" y="0"/>
+          <a:chExt cx="0" cy="0"/>
+        </a:xfrm>
+      </p:grpSpPr>
+      <p:graphicFrame>
+        <p:nvGraphicFramePr>
+          <p:cNvPr id="4" name="표 3">
+            <a:extLst>
+              <a:ext uri="{FF2B5EF4-FFF2-40B4-BE49-F238E27FC236}">
+                <a16:creationId xmlns:a16="http://schemas.microsoft.com/office/drawing/2014/main" id="{02452953-84A5-4E29-B071-84F76F3BBAFA}"/>
+              </a:ext>
+            </a:extLst>
+          </p:cNvPr>
+          <p:cNvGraphicFramePr>
+            <a:graphicFrameLocks noGrp="1"/>
+          </p:cNvGraphicFramePr>
+          <p:nvPr/>
+        </p:nvGraphicFramePr>
+        <p:xfrm>
+          <a:off x="800101" y="768928"/>
+          <a:ext cx="10453254" cy="5611089"/>
+        </p:xfrm>
+        <a:graphic>
+          <a:graphicData uri="http://schemas.openxmlformats.org/drawingml/2006/table">
+            <a:tbl>
+              <a:tblPr/>
+              <a:tblGrid>
+                <a:gridCol w="3476389">
+                  <a:extLst>
+                    <a:ext uri="{9D8B030D-6E8A-4147-A177-3AD203B41FA5}">
+                      <a16:colId xmlns:a16="http://schemas.microsoft.com/office/drawing/2014/main" val="2991383534"/>
+                    </a:ext>
+                  </a:extLst>
+                </a:gridCol>
+                <a:gridCol w="6976865">
+                  <a:extLst>
+                    <a:ext uri="{9D8B030D-6E8A-4147-A177-3AD203B41FA5}">
+                      <a16:colId xmlns:a16="http://schemas.microsoft.com/office/drawing/2014/main" val="768191386"/>
+                    </a:ext>
+                  </a:extLst>
+                </a:gridCol>
+              </a:tblGrid>
+              <a:tr h="400792">
+                <a:tc>
+                  <a:txBody>
+                    <a:bodyPr/>
+                    <a:lstStyle/>
+                    <a:p>
+                      <a:pPr algn="l"/>
+                      <a:r>
+                        <a:rPr lang="en-US" sz="1500" b="0">
+                          <a:effectLst/>
+                          <a:latin typeface="Google Sans"/>
+                        </a:rPr>
+                        <a:t>Term</a:t>
+                      </a:r>
+                    </a:p>
+                  </a:txBody>
+                  <a:tcPr marL="77702" marR="77702" marT="38851" marB="38851" anchor="ctr">
+                    <a:lnL>
+                      <a:noFill/>
+                    </a:lnL>
+                    <a:lnR>
+                      <a:noFill/>
+                    </a:lnR>
+                    <a:lnT>
+                      <a:noFill/>
+                    </a:lnT>
+                    <a:lnB>
+                      <a:noFill/>
+                    </a:lnB>
+                    <a:solidFill>
+                      <a:srgbClr val="FFFFFF"/>
+                    </a:solidFill>
+                  </a:tcPr>
+                </a:tc>
+                <a:tc>
+                  <a:txBody>
+                    <a:bodyPr/>
+                    <a:lstStyle/>
+                    <a:p>
+                      <a:pPr algn="l"/>
+                      <a:r>
+                        <a:rPr lang="en-US" sz="1500" b="0">
+                          <a:effectLst/>
+                          <a:latin typeface="Google Sans"/>
+                        </a:rPr>
+                        <a:t>Definition</a:t>
+                      </a:r>
+                    </a:p>
+                  </a:txBody>
+                  <a:tcPr marL="77702" marR="77702" marT="38851" marB="38851" anchor="ctr">
+                    <a:lnL>
+                      <a:noFill/>
+                    </a:lnL>
+                    <a:lnR>
+                      <a:noFill/>
+                    </a:lnR>
+                    <a:lnT>
+                      <a:noFill/>
+                    </a:lnT>
+                    <a:lnB>
+                      <a:noFill/>
+                    </a:lnB>
+                    <a:solidFill>
+                      <a:srgbClr val="FFFFFF"/>
+                    </a:solidFill>
+                  </a:tcPr>
+                </a:tc>
+                <a:extLst>
+                  <a:ext uri="{0D108BD9-81ED-4DB2-BD59-A6C34878D82A}">
+                    <a16:rowId xmlns:a16="http://schemas.microsoft.com/office/drawing/2014/main" val="535495401"/>
+                  </a:ext>
+                </a:extLst>
+              </a:tr>
+              <a:tr h="1235775">
+                <a:tc>
+                  <a:txBody>
+                    <a:bodyPr/>
+                    <a:lstStyle/>
+                    <a:p>
+                      <a:r>
+                        <a:rPr lang="en-US" sz="1500" b="0">
+                          <a:effectLst/>
+                          <a:latin typeface="Google Sans"/>
+                        </a:rPr>
+                        <a:t>Model</a:t>
+                      </a:r>
+                    </a:p>
+                  </a:txBody>
+                  <a:tcPr marL="129504" marR="129504" marT="129504" marB="129504" anchor="ctr">
+                    <a:lnL>
+                      <a:noFill/>
+                    </a:lnL>
+                    <a:lnR>
+                      <a:noFill/>
+                    </a:lnR>
+                    <a:lnT>
+                      <a:noFill/>
+                    </a:lnT>
+                    <a:lnB>
+                      <a:noFill/>
+                    </a:lnB>
+                    <a:solidFill>
+                      <a:srgbClr val="FFFFFF"/>
+                    </a:solidFill>
+                  </a:tcPr>
+                </a:tc>
+                <a:tc>
+                  <a:txBody>
+                    <a:bodyPr/>
+                    <a:lstStyle/>
+                    <a:p>
+                      <a:r>
+                        <a:rPr lang="en-US" sz="1500" b="0" dirty="0">
+                          <a:effectLst/>
+                          <a:latin typeface="Google Sans"/>
+                        </a:rPr>
+                        <a:t>A </a:t>
+                      </a:r>
+                      <a:r>
+                        <a:rPr lang="en-US" sz="1500" b="0" dirty="0">
+                          <a:effectLst/>
+                          <a:highlight>
+                            <a:srgbClr val="FFFF00"/>
+                          </a:highlight>
+                          <a:latin typeface="Google Sans"/>
+                        </a:rPr>
+                        <a:t>mathematical representation </a:t>
+                      </a:r>
+                      <a:r>
+                        <a:rPr lang="en-US" sz="1500" b="0" dirty="0">
+                          <a:effectLst/>
+                          <a:latin typeface="Google Sans"/>
+                        </a:rPr>
+                        <a:t>of a system or process. A model can be used to predict the behavior of a system or to understand how a system works.</a:t>
+                      </a:r>
+                    </a:p>
+                  </a:txBody>
+                  <a:tcPr marL="129504" marR="129504" marT="129504" marB="129504" anchor="ctr">
+                    <a:lnL>
+                      <a:noFill/>
+                    </a:lnL>
+                    <a:lnR>
+                      <a:noFill/>
+                    </a:lnR>
+                    <a:lnT>
+                      <a:noFill/>
+                    </a:lnT>
+                    <a:lnB>
+                      <a:noFill/>
+                    </a:lnB>
+                    <a:solidFill>
+                      <a:srgbClr val="FFFFFF"/>
+                    </a:solidFill>
+                  </a:tcPr>
+                </a:tc>
+                <a:extLst>
+                  <a:ext uri="{0D108BD9-81ED-4DB2-BD59-A6C34878D82A}">
+                    <a16:rowId xmlns:a16="http://schemas.microsoft.com/office/drawing/2014/main" val="1027236725"/>
+                  </a:ext>
+                </a:extLst>
+              </a:tr>
+              <a:tr h="1836964">
+                <a:tc>
+                  <a:txBody>
+                    <a:bodyPr/>
+                    <a:lstStyle/>
+                    <a:p>
+                      <a:r>
+                        <a:rPr lang="en-US" sz="1500" b="0">
+                          <a:effectLst/>
+                          <a:latin typeface="Google Sans"/>
+                        </a:rPr>
+                        <a:t>Language model</a:t>
+                      </a:r>
+                    </a:p>
+                  </a:txBody>
+                  <a:tcPr marL="129504" marR="129504" marT="129504" marB="129504" anchor="ctr">
+                    <a:lnL>
+                      <a:noFill/>
+                    </a:lnL>
+                    <a:lnR>
+                      <a:noFill/>
+                    </a:lnR>
+                    <a:lnT>
+                      <a:noFill/>
+                    </a:lnT>
+                    <a:lnB>
+                      <a:noFill/>
+                    </a:lnB>
+                    <a:solidFill>
+                      <a:srgbClr val="FFFFFF"/>
+                    </a:solidFill>
+                  </a:tcPr>
+                </a:tc>
+                <a:tc>
+                  <a:txBody>
+                    <a:bodyPr/>
+                    <a:lstStyle/>
+                    <a:p>
+                      <a:r>
+                        <a:rPr lang="en-US" sz="1500" b="0" dirty="0">
+                          <a:effectLst/>
+                          <a:latin typeface="Google Sans"/>
+                        </a:rPr>
+                        <a:t>A </a:t>
+                      </a:r>
+                      <a:r>
+                        <a:rPr lang="en-US" sz="1500" b="0" dirty="0">
+                          <a:effectLst/>
+                          <a:highlight>
+                            <a:srgbClr val="FFFF00"/>
+                          </a:highlight>
+                          <a:latin typeface="Google Sans"/>
+                        </a:rPr>
+                        <a:t>statistical model </a:t>
+                      </a:r>
+                      <a:r>
+                        <a:rPr lang="en-US" sz="1500" b="0" dirty="0">
+                          <a:effectLst/>
+                          <a:latin typeface="Google Sans"/>
+                        </a:rPr>
+                        <a:t>that predicts the probability of a sequence of words. Language models are used in a variety of natural language processing tasks, such as speech recognition, machine translation, and text summarization.</a:t>
+                      </a:r>
+                    </a:p>
+                  </a:txBody>
+                  <a:tcPr marL="129504" marR="129504" marT="129504" marB="129504" anchor="ctr">
+                    <a:lnL>
+                      <a:noFill/>
+                    </a:lnL>
+                    <a:lnR>
+                      <a:noFill/>
+                    </a:lnR>
+                    <a:lnT>
+                      <a:noFill/>
+                    </a:lnT>
+                    <a:lnB>
+                      <a:noFill/>
+                    </a:lnB>
+                    <a:solidFill>
+                      <a:srgbClr val="FFFFFF"/>
+                    </a:solidFill>
+                  </a:tcPr>
+                </a:tc>
+                <a:extLst>
+                  <a:ext uri="{0D108BD9-81ED-4DB2-BD59-A6C34878D82A}">
+                    <a16:rowId xmlns:a16="http://schemas.microsoft.com/office/drawing/2014/main" val="4255421243"/>
+                  </a:ext>
+                </a:extLst>
+              </a:tr>
+              <a:tr h="2137558">
+                <a:tc>
+                  <a:txBody>
+                    <a:bodyPr/>
+                    <a:lstStyle/>
+                    <a:p>
+                      <a:r>
+                        <a:rPr lang="en-US" sz="1500" b="0">
+                          <a:effectLst/>
+                          <a:latin typeface="Google Sans"/>
+                        </a:rPr>
+                        <a:t>Large language model (LLM)</a:t>
+                      </a:r>
+                    </a:p>
+                  </a:txBody>
+                  <a:tcPr marL="129504" marR="129504" marT="129504" marB="129504" anchor="ctr">
+                    <a:lnL>
+                      <a:noFill/>
+                    </a:lnL>
+                    <a:lnR>
+                      <a:noFill/>
+                    </a:lnR>
+                    <a:lnT>
+                      <a:noFill/>
+                    </a:lnT>
+                    <a:lnB>
+                      <a:noFill/>
+                    </a:lnB>
+                    <a:solidFill>
+                      <a:srgbClr val="FFFFFF"/>
+                    </a:solidFill>
+                  </a:tcPr>
+                </a:tc>
+                <a:tc>
+                  <a:txBody>
+                    <a:bodyPr/>
+                    <a:lstStyle/>
+                    <a:p>
+                      <a:r>
+                        <a:rPr lang="en-US" sz="1500" b="0" dirty="0">
+                          <a:effectLst/>
+                          <a:latin typeface="Google Sans"/>
+                        </a:rPr>
+                        <a:t>A language model that has </a:t>
+                      </a:r>
+                      <a:r>
+                        <a:rPr lang="en-US" sz="1500" b="0" dirty="0">
+                          <a:effectLst/>
+                          <a:highlight>
+                            <a:srgbClr val="FFFF00"/>
+                          </a:highlight>
+                          <a:latin typeface="Google Sans"/>
+                        </a:rPr>
+                        <a:t>been trained on a massive dataset of text</a:t>
+                      </a:r>
+                      <a:r>
+                        <a:rPr lang="en-US" sz="1500" b="0" dirty="0">
+                          <a:effectLst/>
+                          <a:latin typeface="Google Sans"/>
+                        </a:rPr>
+                        <a:t>. LLMs have billions of parameters, which allows them to learn complex patterns in language. LLMs are used for a variety of tasks, such as question answering, summarization, and creative text generation.</a:t>
+                      </a:r>
+                    </a:p>
+                  </a:txBody>
+                  <a:tcPr marL="129504" marR="129504" marT="129504" marB="129504" anchor="ctr">
+                    <a:lnL>
+                      <a:noFill/>
+                    </a:lnL>
+                    <a:lnR>
+                      <a:noFill/>
+                    </a:lnR>
+                    <a:lnT>
+                      <a:noFill/>
+                    </a:lnT>
+                    <a:lnB>
+                      <a:noFill/>
+                    </a:lnB>
+                    <a:solidFill>
+                      <a:srgbClr val="FFFFFF"/>
+                    </a:solidFill>
+                  </a:tcPr>
+                </a:tc>
+                <a:extLst>
+                  <a:ext uri="{0D108BD9-81ED-4DB2-BD59-A6C34878D82A}">
+                    <a16:rowId xmlns:a16="http://schemas.microsoft.com/office/drawing/2014/main" val="2735285936"/>
+                  </a:ext>
+                </a:extLst>
+              </a:tr>
+            </a:tbl>
+          </a:graphicData>
+        </a:graphic>
+      </p:graphicFrame>
+    </p:spTree>
+    <p:extLst>
+      <p:ext uri="{BB962C8B-B14F-4D97-AF65-F5344CB8AC3E}">
+        <p14:creationId xmlns:p14="http://schemas.microsoft.com/office/powerpoint/2010/main" val="300316368"/>
+      </p:ext>
+    </p:extLst>
+  </p:cSld>
+  <p:clrMapOvr>
+    <a:masterClrMapping/>
+  </p:clrMapOvr>
+</p:sld>
+</file>
+
+<file path=ppt/slides/slide19.xml><?xml version="1.0" encoding="utf-8"?>
+<p:sld xmlns:a="http://schemas.openxmlformats.org/drawingml/2006/main" xmlns:r="http://schemas.openxmlformats.org/officeDocument/2006/relationships" xmlns:p="http://schemas.openxmlformats.org/presentationml/2006/main">
+  <p:cSld>
+    <p:spTree>
+      <p:nvGrpSpPr>
+        <p:cNvPr id="1" name=""/>
+        <p:cNvGrpSpPr/>
+        <p:nvPr/>
+      </p:nvGrpSpPr>
+      <p:grpSpPr>
+        <a:xfrm>
+          <a:off x="0" y="0"/>
+          <a:ext cx="0" cy="0"/>
+          <a:chOff x="0" y="0"/>
+          <a:chExt cx="0" cy="0"/>
+        </a:xfrm>
+      </p:grpSpPr>
+      <p:graphicFrame>
+        <p:nvGraphicFramePr>
+          <p:cNvPr id="4" name="표 3">
+            <a:extLst>
+              <a:ext uri="{FF2B5EF4-FFF2-40B4-BE49-F238E27FC236}">
+                <a16:creationId xmlns:a16="http://schemas.microsoft.com/office/drawing/2014/main" id="{8B8C8306-8AEA-45F4-9D28-6D2C18F787AA}"/>
+              </a:ext>
+            </a:extLst>
+          </p:cNvPr>
+          <p:cNvGraphicFramePr>
+            <a:graphicFrameLocks noGrp="1"/>
+          </p:cNvGraphicFramePr>
+          <p:nvPr/>
+        </p:nvGraphicFramePr>
+        <p:xfrm>
+          <a:off x="706582" y="457201"/>
+          <a:ext cx="10816936" cy="5891644"/>
+        </p:xfrm>
+        <a:graphic>
+          <a:graphicData uri="http://schemas.openxmlformats.org/drawingml/2006/table">
+            <a:tbl>
+              <a:tblPr/>
+              <a:tblGrid>
+                <a:gridCol w="2704234">
+                  <a:extLst>
+                    <a:ext uri="{9D8B030D-6E8A-4147-A177-3AD203B41FA5}">
+                      <a16:colId xmlns:a16="http://schemas.microsoft.com/office/drawing/2014/main" val="3457538595"/>
+                    </a:ext>
+                  </a:extLst>
+                </a:gridCol>
+                <a:gridCol w="1387687">
+                  <a:extLst>
+                    <a:ext uri="{9D8B030D-6E8A-4147-A177-3AD203B41FA5}">
+                      <a16:colId xmlns:a16="http://schemas.microsoft.com/office/drawing/2014/main" val="2809259899"/>
+                    </a:ext>
+                  </a:extLst>
+                </a:gridCol>
+                <a:gridCol w="3942825">
+                  <a:extLst>
+                    <a:ext uri="{9D8B030D-6E8A-4147-A177-3AD203B41FA5}">
+                      <a16:colId xmlns:a16="http://schemas.microsoft.com/office/drawing/2014/main" val="1556255350"/>
+                    </a:ext>
+                  </a:extLst>
+                </a:gridCol>
+                <a:gridCol w="2782190">
+                  <a:extLst>
+                    <a:ext uri="{9D8B030D-6E8A-4147-A177-3AD203B41FA5}">
+                      <a16:colId xmlns:a16="http://schemas.microsoft.com/office/drawing/2014/main" val="914601371"/>
+                    </a:ext>
+                  </a:extLst>
+                </a:gridCol>
+              </a:tblGrid>
+              <a:tr h="444652">
+                <a:tc>
+                  <a:txBody>
+                    <a:bodyPr/>
+                    <a:lstStyle/>
+                    <a:p>
+                      <a:pPr algn="l"/>
+                      <a:r>
+                        <a:rPr lang="en-US" sz="1600" b="0">
+                          <a:effectLst/>
+                          <a:latin typeface="Google Sans"/>
+                        </a:rPr>
+                        <a:t>Type</a:t>
+                      </a:r>
+                    </a:p>
+                  </a:txBody>
+                  <a:tcPr marL="82101" marR="82101" marT="41050" marB="41050" anchor="ctr">
+                    <a:lnL>
+                      <a:noFill/>
+                    </a:lnL>
+                    <a:lnR>
+                      <a:noFill/>
+                    </a:lnR>
+                    <a:lnT>
+                      <a:noFill/>
+                    </a:lnT>
+                    <a:lnB>
+                      <a:noFill/>
+                    </a:lnB>
+                    <a:solidFill>
+                      <a:srgbClr val="FFFFFF"/>
+                    </a:solidFill>
+                  </a:tcPr>
+                </a:tc>
+                <a:tc>
+                  <a:txBody>
+                    <a:bodyPr/>
+                    <a:lstStyle/>
+                    <a:p>
+                      <a:pPr algn="l"/>
+                      <a:r>
+                        <a:rPr lang="en-US" sz="1600" b="0">
+                          <a:effectLst/>
+                          <a:latin typeface="Google Sans"/>
+                        </a:rPr>
+                        <a:t>Parameters</a:t>
+                      </a:r>
+                    </a:p>
+                  </a:txBody>
+                  <a:tcPr marL="82101" marR="82101" marT="41050" marB="41050" anchor="ctr">
+                    <a:lnL>
+                      <a:noFill/>
+                    </a:lnL>
+                    <a:lnR>
+                      <a:noFill/>
+                    </a:lnR>
+                    <a:lnT>
+                      <a:noFill/>
+                    </a:lnT>
+                    <a:lnB>
+                      <a:noFill/>
+                    </a:lnB>
+                    <a:solidFill>
+                      <a:srgbClr val="FFFFFF"/>
+                    </a:solidFill>
+                  </a:tcPr>
+                </a:tc>
+                <a:tc>
+                  <a:txBody>
+                    <a:bodyPr/>
+                    <a:lstStyle/>
+                    <a:p>
+                      <a:pPr algn="l"/>
+                      <a:r>
+                        <a:rPr lang="en-US" sz="1600" b="0">
+                          <a:effectLst/>
+                          <a:latin typeface="Google Sans"/>
+                        </a:rPr>
+                        <a:t>Training Data</a:t>
+                      </a:r>
+                    </a:p>
+                  </a:txBody>
+                  <a:tcPr marL="82101" marR="82101" marT="41050" marB="41050" anchor="ctr">
+                    <a:lnL>
+                      <a:noFill/>
+                    </a:lnL>
+                    <a:lnR>
+                      <a:noFill/>
+                    </a:lnR>
+                    <a:lnT>
+                      <a:noFill/>
+                    </a:lnT>
+                    <a:lnB>
+                      <a:noFill/>
+                    </a:lnB>
+                    <a:solidFill>
+                      <a:srgbClr val="FFFFFF"/>
+                    </a:solidFill>
+                  </a:tcPr>
+                </a:tc>
+                <a:tc>
+                  <a:txBody>
+                    <a:bodyPr/>
+                    <a:lstStyle/>
+                    <a:p>
+                      <a:pPr algn="l"/>
+                      <a:r>
+                        <a:rPr lang="en-US" sz="1600" b="0">
+                          <a:effectLst/>
+                          <a:latin typeface="Google Sans"/>
+                        </a:rPr>
+                        <a:t>Tasks</a:t>
+                      </a:r>
+                    </a:p>
+                  </a:txBody>
+                  <a:tcPr marL="82101" marR="82101" marT="41050" marB="41050" anchor="ctr">
+                    <a:lnL>
+                      <a:noFill/>
+                    </a:lnL>
+                    <a:lnR>
+                      <a:noFill/>
+                    </a:lnR>
+                    <a:lnT>
+                      <a:noFill/>
+                    </a:lnT>
+                    <a:lnB>
+                      <a:noFill/>
+                    </a:lnB>
+                    <a:solidFill>
+                      <a:srgbClr val="FFFFFF"/>
+                    </a:solidFill>
+                  </a:tcPr>
+                </a:tc>
+                <a:extLst>
+                  <a:ext uri="{0D108BD9-81ED-4DB2-BD59-A6C34878D82A}">
+                    <a16:rowId xmlns:a16="http://schemas.microsoft.com/office/drawing/2014/main" val="4057986942"/>
+                  </a:ext>
+                </a:extLst>
+              </a:tr>
+              <a:tr h="1704501">
+                <a:tc>
+                  <a:txBody>
+                    <a:bodyPr/>
+                    <a:lstStyle/>
+                    <a:p>
+                      <a:r>
+                        <a:rPr lang="en-US" sz="1600" b="0">
+                          <a:effectLst/>
+                          <a:latin typeface="Google Sans"/>
+                        </a:rPr>
+                        <a:t>Probabilistic language model</a:t>
+                      </a:r>
+                    </a:p>
+                  </a:txBody>
+                  <a:tcPr marL="136835" marR="136835" marT="136835" marB="136835" anchor="ctr">
+                    <a:lnL>
+                      <a:noFill/>
+                    </a:lnL>
+                    <a:lnR>
+                      <a:noFill/>
+                    </a:lnR>
+                    <a:lnT>
+                      <a:noFill/>
+                    </a:lnT>
+                    <a:lnB>
+                      <a:noFill/>
+                    </a:lnB>
+                    <a:solidFill>
+                      <a:srgbClr val="FFFFFF"/>
+                    </a:solidFill>
+                  </a:tcPr>
+                </a:tc>
+                <a:tc>
+                  <a:txBody>
+                    <a:bodyPr/>
+                    <a:lstStyle/>
+                    <a:p>
+                      <a:r>
+                        <a:rPr lang="en-US" sz="1600" b="0">
+                          <a:effectLst/>
+                          <a:latin typeface="Google Sans"/>
+                        </a:rPr>
+                        <a:t>Millions</a:t>
+                      </a:r>
+                    </a:p>
+                  </a:txBody>
+                  <a:tcPr marL="136835" marR="136835" marT="136835" marB="136835" anchor="ctr">
+                    <a:lnL>
+                      <a:noFill/>
+                    </a:lnL>
+                    <a:lnR>
+                      <a:noFill/>
+                    </a:lnR>
+                    <a:lnT>
+                      <a:noFill/>
+                    </a:lnT>
+                    <a:lnB>
+                      <a:noFill/>
+                    </a:lnB>
+                    <a:solidFill>
+                      <a:srgbClr val="FFFFFF"/>
+                    </a:solidFill>
+                  </a:tcPr>
+                </a:tc>
+                <a:tc>
+                  <a:txBody>
+                    <a:bodyPr/>
+                    <a:lstStyle/>
+                    <a:p>
+                      <a:r>
+                        <a:rPr lang="en-US" sz="1600" b="0">
+                          <a:effectLst/>
+                          <a:latin typeface="Google Sans"/>
+                        </a:rPr>
+                        <a:t>Books, articles, code, etc.</a:t>
+                      </a:r>
+                    </a:p>
+                  </a:txBody>
+                  <a:tcPr marL="136835" marR="136835" marT="136835" marB="136835" anchor="ctr">
+                    <a:lnL>
+                      <a:noFill/>
+                    </a:lnL>
+                    <a:lnR>
+                      <a:noFill/>
+                    </a:lnR>
+                    <a:lnT>
+                      <a:noFill/>
+                    </a:lnT>
+                    <a:lnB>
+                      <a:noFill/>
+                    </a:lnB>
+                    <a:solidFill>
+                      <a:srgbClr val="FFFFFF"/>
+                    </a:solidFill>
+                  </a:tcPr>
+                </a:tc>
+                <a:tc>
+                  <a:txBody>
+                    <a:bodyPr/>
+                    <a:lstStyle/>
+                    <a:p>
+                      <a:r>
+                        <a:rPr lang="en-US" sz="1600" b="0">
+                          <a:effectLst/>
+                          <a:latin typeface="Google Sans"/>
+                        </a:rPr>
+                        <a:t>Speech recognition, machine translation, text summarization</a:t>
+                      </a:r>
+                    </a:p>
+                  </a:txBody>
+                  <a:tcPr marL="136835" marR="136835" marT="136835" marB="136835" anchor="ctr">
+                    <a:lnL>
+                      <a:noFill/>
+                    </a:lnL>
+                    <a:lnR>
+                      <a:noFill/>
+                    </a:lnR>
+                    <a:lnT>
+                      <a:noFill/>
+                    </a:lnT>
+                    <a:lnB>
+                      <a:noFill/>
+                    </a:lnB>
+                    <a:solidFill>
+                      <a:srgbClr val="FFFFFF"/>
+                    </a:solidFill>
+                  </a:tcPr>
+                </a:tc>
+                <a:extLst>
+                  <a:ext uri="{0D108BD9-81ED-4DB2-BD59-A6C34878D82A}">
+                    <a16:rowId xmlns:a16="http://schemas.microsoft.com/office/drawing/2014/main" val="3399243728"/>
+                  </a:ext>
+                </a:extLst>
+              </a:tr>
+              <a:tr h="1704501">
+                <a:tc>
+                  <a:txBody>
+                    <a:bodyPr/>
+                    <a:lstStyle/>
+                    <a:p>
+                      <a:r>
+                        <a:rPr lang="en-US" sz="1600" b="0">
+                          <a:effectLst/>
+                          <a:latin typeface="Google Sans"/>
+                        </a:rPr>
+                        <a:t>Neural language model</a:t>
+                      </a:r>
+                    </a:p>
+                  </a:txBody>
+                  <a:tcPr marL="136835" marR="136835" marT="136835" marB="136835" anchor="ctr">
+                    <a:lnL>
+                      <a:noFill/>
+                    </a:lnL>
+                    <a:lnR>
+                      <a:noFill/>
+                    </a:lnR>
+                    <a:lnT>
+                      <a:noFill/>
+                    </a:lnT>
+                    <a:lnB>
+                      <a:noFill/>
+                    </a:lnB>
+                    <a:solidFill>
+                      <a:srgbClr val="FFFFFF"/>
+                    </a:solidFill>
+                  </a:tcPr>
+                </a:tc>
+                <a:tc>
+                  <a:txBody>
+                    <a:bodyPr/>
+                    <a:lstStyle/>
+                    <a:p>
+                      <a:r>
+                        <a:rPr lang="en-US" sz="1600" b="0" dirty="0">
+                          <a:effectLst/>
+                          <a:latin typeface="Google Sans"/>
+                        </a:rPr>
+                        <a:t>Billions</a:t>
+                      </a:r>
+                    </a:p>
+                  </a:txBody>
+                  <a:tcPr marL="136835" marR="136835" marT="136835" marB="136835" anchor="ctr">
+                    <a:lnL>
+                      <a:noFill/>
+                    </a:lnL>
+                    <a:lnR>
+                      <a:noFill/>
+                    </a:lnR>
+                    <a:lnT>
+                      <a:noFill/>
+                    </a:lnT>
+                    <a:lnB>
+                      <a:noFill/>
+                    </a:lnB>
+                    <a:solidFill>
+                      <a:srgbClr val="FFFFFF"/>
+                    </a:solidFill>
+                  </a:tcPr>
+                </a:tc>
+                <a:tc>
+                  <a:txBody>
+                    <a:bodyPr/>
+                    <a:lstStyle/>
+                    <a:p>
+                      <a:r>
+                        <a:rPr lang="en-US" sz="1600" b="0" dirty="0">
+                          <a:effectLst/>
+                          <a:latin typeface="Google Sans"/>
+                        </a:rPr>
+                        <a:t>Books, articles, code, etc.</a:t>
+                      </a:r>
+                    </a:p>
+                  </a:txBody>
+                  <a:tcPr marL="136835" marR="136835" marT="136835" marB="136835" anchor="ctr">
+                    <a:lnL>
+                      <a:noFill/>
+                    </a:lnL>
+                    <a:lnR>
+                      <a:noFill/>
+                    </a:lnR>
+                    <a:lnT>
+                      <a:noFill/>
+                    </a:lnT>
+                    <a:lnB>
+                      <a:noFill/>
+                    </a:lnB>
+                    <a:solidFill>
+                      <a:srgbClr val="FFFFFF"/>
+                    </a:solidFill>
+                  </a:tcPr>
+                </a:tc>
+                <a:tc>
+                  <a:txBody>
+                    <a:bodyPr/>
+                    <a:lstStyle/>
+                    <a:p>
+                      <a:r>
+                        <a:rPr lang="en-US" sz="1600" b="0">
+                          <a:effectLst/>
+                          <a:latin typeface="Google Sans"/>
+                        </a:rPr>
+                        <a:t>Question answering, summarization, creative text generation</a:t>
+                      </a:r>
+                    </a:p>
+                  </a:txBody>
+                  <a:tcPr marL="136835" marR="136835" marT="136835" marB="136835" anchor="ctr">
+                    <a:lnL>
+                      <a:noFill/>
+                    </a:lnL>
+                    <a:lnR>
+                      <a:noFill/>
+                    </a:lnR>
+                    <a:lnT>
+                      <a:noFill/>
+                    </a:lnT>
+                    <a:lnB>
+                      <a:noFill/>
+                    </a:lnB>
+                    <a:solidFill>
+                      <a:srgbClr val="FFFFFF"/>
+                    </a:solidFill>
+                  </a:tcPr>
+                </a:tc>
+                <a:extLst>
+                  <a:ext uri="{0D108BD9-81ED-4DB2-BD59-A6C34878D82A}">
+                    <a16:rowId xmlns:a16="http://schemas.microsoft.com/office/drawing/2014/main" val="991789384"/>
+                  </a:ext>
+                </a:extLst>
+              </a:tr>
+              <a:tr h="2037990">
+                <a:tc>
+                  <a:txBody>
+                    <a:bodyPr/>
+                    <a:lstStyle/>
+                    <a:p>
+                      <a:r>
+                        <a:rPr lang="en-US" sz="1600" b="0">
+                          <a:effectLst/>
+                          <a:latin typeface="Google Sans"/>
+                        </a:rPr>
+                        <a:t>Large language model (LLM)</a:t>
+                      </a:r>
+                    </a:p>
+                  </a:txBody>
+                  <a:tcPr marL="136835" marR="136835" marT="136835" marB="136835" anchor="ctr">
+                    <a:lnL>
+                      <a:noFill/>
+                    </a:lnL>
+                    <a:lnR>
+                      <a:noFill/>
+                    </a:lnR>
+                    <a:lnT>
+                      <a:noFill/>
+                    </a:lnT>
+                    <a:lnB>
+                      <a:noFill/>
+                    </a:lnB>
+                    <a:solidFill>
+                      <a:srgbClr val="FFFFFF"/>
+                    </a:solidFill>
+                  </a:tcPr>
+                </a:tc>
+                <a:tc>
+                  <a:txBody>
+                    <a:bodyPr/>
+                    <a:lstStyle/>
+                    <a:p>
+                      <a:r>
+                        <a:rPr lang="en-US" sz="1600" b="0">
+                          <a:effectLst/>
+                          <a:latin typeface="Google Sans"/>
+                        </a:rPr>
+                        <a:t>Trillions</a:t>
+                      </a:r>
+                    </a:p>
+                  </a:txBody>
+                  <a:tcPr marL="136835" marR="136835" marT="136835" marB="136835" anchor="ctr">
+                    <a:lnL>
+                      <a:noFill/>
+                    </a:lnL>
+                    <a:lnR>
+                      <a:noFill/>
+                    </a:lnR>
+                    <a:lnT>
+                      <a:noFill/>
+                    </a:lnT>
+                    <a:lnB>
+                      <a:noFill/>
+                    </a:lnB>
+                    <a:solidFill>
+                      <a:srgbClr val="FFFFFF"/>
+                    </a:solidFill>
+                  </a:tcPr>
+                </a:tc>
+                <a:tc>
+                  <a:txBody>
+                    <a:bodyPr/>
+                    <a:lstStyle/>
+                    <a:p>
+                      <a:r>
+                        <a:rPr lang="fr-FR" sz="1600" b="0">
+                          <a:effectLst/>
+                          <a:latin typeface="Google Sans"/>
+                        </a:rPr>
+                        <a:t>Books, articles, code, web documents, etc.</a:t>
+                      </a:r>
+                    </a:p>
+                  </a:txBody>
+                  <a:tcPr marL="136835" marR="136835" marT="136835" marB="136835" anchor="ctr">
+                    <a:lnL>
+                      <a:noFill/>
+                    </a:lnL>
+                    <a:lnR>
+                      <a:noFill/>
+                    </a:lnR>
+                    <a:lnT>
+                      <a:noFill/>
+                    </a:lnT>
+                    <a:lnB>
+                      <a:noFill/>
+                    </a:lnB>
+                    <a:solidFill>
+                      <a:srgbClr val="FFFFFF"/>
+                    </a:solidFill>
+                  </a:tcPr>
+                </a:tc>
+                <a:tc>
+                  <a:txBody>
+                    <a:bodyPr/>
+                    <a:lstStyle/>
+                    <a:p>
+                      <a:r>
+                        <a:rPr lang="en-US" sz="1600" b="0" dirty="0">
+                          <a:effectLst/>
+                          <a:latin typeface="Google Sans"/>
+                        </a:rPr>
+                        <a:t>All of the above, plus more complex tasks such as code generation and translation</a:t>
+                      </a:r>
+                    </a:p>
+                  </a:txBody>
+                  <a:tcPr marL="136835" marR="136835" marT="136835" marB="136835" anchor="ctr">
+                    <a:lnL>
+                      <a:noFill/>
+                    </a:lnL>
+                    <a:lnR>
+                      <a:noFill/>
+                    </a:lnR>
+                    <a:lnT>
+                      <a:noFill/>
+                    </a:lnT>
+                    <a:lnB>
+                      <a:noFill/>
+                    </a:lnB>
+                    <a:solidFill>
+                      <a:srgbClr val="FFFFFF"/>
+                    </a:solidFill>
+                  </a:tcPr>
+                </a:tc>
+                <a:extLst>
+                  <a:ext uri="{0D108BD9-81ED-4DB2-BD59-A6C34878D82A}">
+                    <a16:rowId xmlns:a16="http://schemas.microsoft.com/office/drawing/2014/main" val="2841028668"/>
+                  </a:ext>
+                </a:extLst>
+              </a:tr>
+            </a:tbl>
+          </a:graphicData>
+        </a:graphic>
+      </p:graphicFrame>
+    </p:spTree>
+    <p:extLst>
+      <p:ext uri="{BB962C8B-B14F-4D97-AF65-F5344CB8AC3E}">
+        <p14:creationId xmlns:p14="http://schemas.microsoft.com/office/powerpoint/2010/main" val="2984273600"/>
+      </p:ext>
+    </p:extLst>
+  </p:cSld>
+  <p:clrMapOvr>
+    <a:masterClrMapping/>
+  </p:clrMapOvr>
+</p:sld>
+</file>
+
+<file path=ppt/slides/slide2.xml><?xml version="1.0" encoding="utf-8"?>
+<p:sld xmlns:a="http://schemas.openxmlformats.org/drawingml/2006/main" xmlns:r="http://schemas.openxmlformats.org/officeDocument/2006/relationships" xmlns:p="http://schemas.openxmlformats.org/presentationml/2006/main">
+  <p:cSld>
+    <p:spTree>
+      <p:nvGrpSpPr>
+        <p:cNvPr id="1" name=""/>
+        <p:cNvGrpSpPr/>
+        <p:nvPr/>
+      </p:nvGrpSpPr>
+      <p:grpSpPr>
+        <a:xfrm>
+          <a:off x="0" y="0"/>
+          <a:ext cx="0" cy="0"/>
+          <a:chOff x="0" y="0"/>
+          <a:chExt cx="0" cy="0"/>
+        </a:xfrm>
+      </p:grpSpPr>
+      <p:sp>
+        <p:nvSpPr>
+          <p:cNvPr id="4" name="직사각형 3">
+            <a:extLst>
+              <a:ext uri="{FF2B5EF4-FFF2-40B4-BE49-F238E27FC236}">
+                <a16:creationId xmlns:a16="http://schemas.microsoft.com/office/drawing/2014/main" id="{03369733-1D7A-413E-ACA1-18D6B4C2A308}"/>
+              </a:ext>
+            </a:extLst>
+          </p:cNvPr>
+          <p:cNvSpPr/>
+          <p:nvPr/>
+        </p:nvSpPr>
+        <p:spPr>
+          <a:xfrm>
+            <a:off x="3102220" y="1138601"/>
+            <a:ext cx="1776046" cy="465993"/>
+          </a:xfrm>
+          <a:prstGeom prst="rect">
+            <a:avLst/>
+          </a:prstGeom>
+        </p:spPr>
+        <p:style>
+          <a:lnRef idx="2">
+            <a:schemeClr val="accent1">
+              <a:shade val="50000"/>
+            </a:schemeClr>
+          </a:lnRef>
+          <a:fillRef idx="1">
+            <a:schemeClr val="accent1"/>
+          </a:fillRef>
+          <a:effectRef idx="0">
+            <a:schemeClr val="accent1"/>
+          </a:effectRef>
+          <a:fontRef idx="minor">
+            <a:schemeClr val="lt1"/>
+          </a:fontRef>
+        </p:style>
+        <p:txBody>
+          <a:bodyPr rtlCol="0" anchor="ctr"/>
+          <a:lstStyle/>
+          <a:p>
+            <a:pPr algn="ctr"/>
+            <a:r>
+              <a:rPr lang="en-US" altLang="ko-KR" dirty="0"/>
+              <a:t>DeepMind</a:t>
+            </a:r>
+            <a:endParaRPr lang="ko-KR" altLang="en-US" dirty="0"/>
+          </a:p>
+        </p:txBody>
+      </p:sp>
+      <p:sp>
+        <p:nvSpPr>
+          <p:cNvPr id="5" name="직사각형 4">
+            <a:extLst>
+              <a:ext uri="{FF2B5EF4-FFF2-40B4-BE49-F238E27FC236}">
+                <a16:creationId xmlns:a16="http://schemas.microsoft.com/office/drawing/2014/main" id="{245D836C-C39E-4F72-B375-9C83FAF66733}"/>
+              </a:ext>
+            </a:extLst>
+          </p:cNvPr>
+          <p:cNvSpPr/>
+          <p:nvPr/>
+        </p:nvSpPr>
+        <p:spPr>
+          <a:xfrm>
+            <a:off x="6048061" y="3550607"/>
+            <a:ext cx="1776046" cy="465993"/>
+          </a:xfrm>
+          <a:prstGeom prst="rect">
+            <a:avLst/>
+          </a:prstGeom>
+        </p:spPr>
+        <p:style>
+          <a:lnRef idx="2">
+            <a:schemeClr val="accent1">
+              <a:shade val="50000"/>
+            </a:schemeClr>
+          </a:lnRef>
+          <a:fillRef idx="1">
+            <a:schemeClr val="accent1"/>
+          </a:fillRef>
+          <a:effectRef idx="0">
+            <a:schemeClr val="accent1"/>
+          </a:effectRef>
+          <a:fontRef idx="minor">
+            <a:schemeClr val="lt1"/>
+          </a:fontRef>
+        </p:style>
+        <p:txBody>
+          <a:bodyPr rtlCol="0" anchor="ctr"/>
+          <a:lstStyle/>
+          <a:p>
+            <a:pPr algn="ctr"/>
+            <a:r>
+              <a:rPr lang="en-US" altLang="ko-KR" dirty="0" err="1"/>
+              <a:t>OpenAI</a:t>
+            </a:r>
+            <a:endParaRPr lang="ko-KR" altLang="en-US" dirty="0"/>
+          </a:p>
+        </p:txBody>
+      </p:sp>
+      <p:sp>
+        <p:nvSpPr>
+          <p:cNvPr id="6" name="직사각형 5">
+            <a:extLst>
+              <a:ext uri="{FF2B5EF4-FFF2-40B4-BE49-F238E27FC236}">
+                <a16:creationId xmlns:a16="http://schemas.microsoft.com/office/drawing/2014/main" id="{FBA80506-C03E-4F5E-AE7A-6E84588FC2BB}"/>
+              </a:ext>
+            </a:extLst>
+          </p:cNvPr>
+          <p:cNvSpPr/>
+          <p:nvPr/>
+        </p:nvSpPr>
+        <p:spPr>
+          <a:xfrm>
+            <a:off x="1337066" y="2696348"/>
+            <a:ext cx="2003236" cy="465993"/>
+          </a:xfrm>
+          <a:prstGeom prst="rect">
+            <a:avLst/>
+          </a:prstGeom>
+        </p:spPr>
+        <p:style>
+          <a:lnRef idx="2">
+            <a:schemeClr val="accent1">
+              <a:shade val="50000"/>
+            </a:schemeClr>
+          </a:lnRef>
+          <a:fillRef idx="1">
+            <a:schemeClr val="accent1"/>
+          </a:fillRef>
+          <a:effectRef idx="0">
+            <a:schemeClr val="accent1"/>
+          </a:effectRef>
+          <a:fontRef idx="minor">
+            <a:schemeClr val="lt1"/>
+          </a:fontRef>
+        </p:style>
+        <p:txBody>
+          <a:bodyPr rtlCol="0" anchor="ctr"/>
+          <a:lstStyle/>
+          <a:p>
+            <a:pPr algn="ctr"/>
+            <a:r>
+              <a:rPr lang="en-US" altLang="ko-KR" dirty="0"/>
+              <a:t>Google</a:t>
+            </a:r>
+            <a:endParaRPr lang="ko-KR" altLang="en-US" dirty="0"/>
+          </a:p>
+        </p:txBody>
+      </p:sp>
+      <p:sp>
+        <p:nvSpPr>
+          <p:cNvPr id="7" name="직사각형 6">
+            <a:extLst>
+              <a:ext uri="{FF2B5EF4-FFF2-40B4-BE49-F238E27FC236}">
+                <a16:creationId xmlns:a16="http://schemas.microsoft.com/office/drawing/2014/main" id="{BDB979B4-8A25-4203-8101-D96E9A448E4C}"/>
+              </a:ext>
+            </a:extLst>
+          </p:cNvPr>
+          <p:cNvSpPr/>
+          <p:nvPr/>
+        </p:nvSpPr>
+        <p:spPr>
+          <a:xfrm>
+            <a:off x="9127295" y="4213406"/>
+            <a:ext cx="1776046" cy="465993"/>
+          </a:xfrm>
+          <a:prstGeom prst="rect">
+            <a:avLst/>
+          </a:prstGeom>
+        </p:spPr>
+        <p:style>
+          <a:lnRef idx="2">
+            <a:schemeClr val="accent1">
+              <a:shade val="50000"/>
+            </a:schemeClr>
+          </a:lnRef>
+          <a:fillRef idx="1">
+            <a:schemeClr val="accent1"/>
+          </a:fillRef>
+          <a:effectRef idx="0">
+            <a:schemeClr val="accent1"/>
+          </a:effectRef>
+          <a:fontRef idx="minor">
+            <a:schemeClr val="lt1"/>
+          </a:fontRef>
+        </p:style>
+        <p:txBody>
+          <a:bodyPr rtlCol="0" anchor="ctr"/>
+          <a:lstStyle/>
+          <a:p>
+            <a:pPr algn="ctr"/>
+            <a:r>
+              <a:rPr lang="en-US" altLang="ko-KR" dirty="0"/>
+              <a:t>Twitter</a:t>
+            </a:r>
+            <a:endParaRPr lang="ko-KR" altLang="en-US" dirty="0"/>
+          </a:p>
+        </p:txBody>
+      </p:sp>
+      <p:sp>
+        <p:nvSpPr>
+          <p:cNvPr id="8" name="직사각형 7">
+            <a:extLst>
+              <a:ext uri="{FF2B5EF4-FFF2-40B4-BE49-F238E27FC236}">
+                <a16:creationId xmlns:a16="http://schemas.microsoft.com/office/drawing/2014/main" id="{A498E37E-BB49-4460-B7EA-E28B30712481}"/>
+              </a:ext>
+            </a:extLst>
+          </p:cNvPr>
+          <p:cNvSpPr/>
+          <p:nvPr/>
+        </p:nvSpPr>
+        <p:spPr>
+          <a:xfrm>
+            <a:off x="5080908" y="5116703"/>
+            <a:ext cx="1776046" cy="465993"/>
+          </a:xfrm>
+          <a:prstGeom prst="rect">
+            <a:avLst/>
+          </a:prstGeom>
+        </p:spPr>
+        <p:style>
+          <a:lnRef idx="2">
+            <a:schemeClr val="accent1">
+              <a:shade val="50000"/>
+            </a:schemeClr>
+          </a:lnRef>
+          <a:fillRef idx="1">
+            <a:schemeClr val="accent1"/>
+          </a:fillRef>
+          <a:effectRef idx="0">
+            <a:schemeClr val="accent1"/>
+          </a:effectRef>
+          <a:fontRef idx="minor">
+            <a:schemeClr val="lt1"/>
+          </a:fontRef>
+        </p:style>
+        <p:txBody>
+          <a:bodyPr rtlCol="0" anchor="ctr"/>
+          <a:lstStyle/>
+          <a:p>
+            <a:pPr algn="ctr"/>
+            <a:r>
+              <a:rPr lang="en-US" altLang="ko-KR" dirty="0"/>
+              <a:t>Microsoft</a:t>
+            </a:r>
+            <a:endParaRPr lang="ko-KR" altLang="en-US" dirty="0"/>
+          </a:p>
+        </p:txBody>
+      </p:sp>
+      <p:sp>
+        <p:nvSpPr>
+          <p:cNvPr id="9" name="직사각형 8">
+            <a:extLst>
+              <a:ext uri="{FF2B5EF4-FFF2-40B4-BE49-F238E27FC236}">
+                <a16:creationId xmlns:a16="http://schemas.microsoft.com/office/drawing/2014/main" id="{5BE0D7D7-C452-4BC9-8AF6-BE4A4DF1FB4C}"/>
+              </a:ext>
+            </a:extLst>
+          </p:cNvPr>
+          <p:cNvSpPr/>
+          <p:nvPr/>
+        </p:nvSpPr>
+        <p:spPr>
+          <a:xfrm>
+            <a:off x="9192359" y="6069621"/>
+            <a:ext cx="1776046" cy="465993"/>
+          </a:xfrm>
+          <a:prstGeom prst="rect">
+            <a:avLst/>
+          </a:prstGeom>
+        </p:spPr>
+        <p:style>
+          <a:lnRef idx="2">
+            <a:schemeClr val="accent6">
+              <a:shade val="50000"/>
+            </a:schemeClr>
+          </a:lnRef>
+          <a:fillRef idx="1">
+            <a:schemeClr val="accent6"/>
+          </a:fillRef>
+          <a:effectRef idx="0">
+            <a:schemeClr val="accent6"/>
+          </a:effectRef>
+          <a:fontRef idx="minor">
+            <a:schemeClr val="lt1"/>
+          </a:fontRef>
+        </p:style>
+        <p:txBody>
+          <a:bodyPr rtlCol="0" anchor="ctr"/>
+          <a:lstStyle/>
+          <a:p>
+            <a:pPr algn="ctr"/>
+            <a:r>
+              <a:rPr lang="en-US" altLang="ko-KR" dirty="0"/>
+              <a:t>x.AI</a:t>
+            </a:r>
+            <a:endParaRPr lang="ko-KR" altLang="en-US" dirty="0"/>
+          </a:p>
+        </p:txBody>
+      </p:sp>
+      <p:sp>
+        <p:nvSpPr>
+          <p:cNvPr id="11" name="직사각형 10">
+            <a:extLst>
+              <a:ext uri="{FF2B5EF4-FFF2-40B4-BE49-F238E27FC236}">
+                <a16:creationId xmlns:a16="http://schemas.microsoft.com/office/drawing/2014/main" id="{49E4D080-F9BE-4251-B85A-35E27D82A95B}"/>
+              </a:ext>
+            </a:extLst>
+          </p:cNvPr>
+          <p:cNvSpPr/>
+          <p:nvPr/>
+        </p:nvSpPr>
+        <p:spPr>
+          <a:xfrm>
+            <a:off x="1282810" y="6069621"/>
+            <a:ext cx="2003236" cy="465993"/>
+          </a:xfrm>
+          <a:prstGeom prst="rect">
+            <a:avLst/>
+          </a:prstGeom>
+        </p:spPr>
+        <p:style>
+          <a:lnRef idx="2">
+            <a:schemeClr val="accent6">
+              <a:shade val="50000"/>
+            </a:schemeClr>
+          </a:lnRef>
+          <a:fillRef idx="1">
+            <a:schemeClr val="accent6"/>
+          </a:fillRef>
+          <a:effectRef idx="0">
+            <a:schemeClr val="accent6"/>
+          </a:effectRef>
+          <a:fontRef idx="minor">
+            <a:schemeClr val="lt1"/>
+          </a:fontRef>
+        </p:style>
+        <p:txBody>
+          <a:bodyPr rtlCol="0" anchor="ctr"/>
+          <a:lstStyle/>
+          <a:p>
+            <a:pPr algn="ctr"/>
+            <a:r>
+              <a:rPr lang="en-US" altLang="ko-KR" dirty="0"/>
+              <a:t>Bard</a:t>
+            </a:r>
+            <a:endParaRPr lang="ko-KR" altLang="en-US" dirty="0"/>
+          </a:p>
+        </p:txBody>
+      </p:sp>
+      <p:sp>
+        <p:nvSpPr>
+          <p:cNvPr id="12" name="화살표: 아래쪽 11">
+            <a:extLst>
+              <a:ext uri="{FF2B5EF4-FFF2-40B4-BE49-F238E27FC236}">
+                <a16:creationId xmlns:a16="http://schemas.microsoft.com/office/drawing/2014/main" id="{36325DDE-FD8F-4C26-A222-8EF91BA62528}"/>
+              </a:ext>
+            </a:extLst>
+          </p:cNvPr>
+          <p:cNvSpPr/>
+          <p:nvPr/>
+        </p:nvSpPr>
+        <p:spPr>
+          <a:xfrm>
+            <a:off x="2214392" y="3237724"/>
+            <a:ext cx="110196" cy="2714669"/>
+          </a:xfrm>
+          <a:prstGeom prst="downArrow">
+            <a:avLst/>
+          </a:prstGeom>
+        </p:spPr>
+        <p:style>
+          <a:lnRef idx="2">
+            <a:schemeClr val="accent1">
+              <a:shade val="50000"/>
+            </a:schemeClr>
+          </a:lnRef>
+          <a:fillRef idx="1">
+            <a:schemeClr val="accent1"/>
+          </a:fillRef>
+          <a:effectRef idx="0">
+            <a:schemeClr val="accent1"/>
+          </a:effectRef>
+          <a:fontRef idx="minor">
+            <a:schemeClr val="lt1"/>
+          </a:fontRef>
+        </p:style>
+        <p:txBody>
+          <a:bodyPr rtlCol="0" anchor="ctr"/>
+          <a:lstStyle/>
+          <a:p>
+            <a:pPr algn="ctr"/>
+            <a:endParaRPr lang="ko-KR" altLang="en-US"/>
+          </a:p>
+        </p:txBody>
+      </p:sp>
+      <p:sp>
+        <p:nvSpPr>
+          <p:cNvPr id="13" name="화살표: 아래쪽 12">
+            <a:extLst>
+              <a:ext uri="{FF2B5EF4-FFF2-40B4-BE49-F238E27FC236}">
+                <a16:creationId xmlns:a16="http://schemas.microsoft.com/office/drawing/2014/main" id="{07AE824B-2982-4608-9147-BE3EA27E4191}"/>
+              </a:ext>
+            </a:extLst>
+          </p:cNvPr>
+          <p:cNvSpPr/>
+          <p:nvPr/>
+        </p:nvSpPr>
+        <p:spPr>
+          <a:xfrm flipH="1">
+            <a:off x="5881824" y="5538811"/>
+            <a:ext cx="110195" cy="435563"/>
+          </a:xfrm>
+          <a:prstGeom prst="downArrow">
+            <a:avLst/>
+          </a:prstGeom>
+        </p:spPr>
+        <p:style>
+          <a:lnRef idx="2">
+            <a:schemeClr val="accent1">
+              <a:shade val="50000"/>
+            </a:schemeClr>
+          </a:lnRef>
+          <a:fillRef idx="1">
+            <a:schemeClr val="accent1"/>
+          </a:fillRef>
+          <a:effectRef idx="0">
+            <a:schemeClr val="accent1"/>
+          </a:effectRef>
+          <a:fontRef idx="minor">
+            <a:schemeClr val="lt1"/>
+          </a:fontRef>
+        </p:style>
+        <p:txBody>
+          <a:bodyPr rtlCol="0" anchor="ctr"/>
+          <a:lstStyle/>
+          <a:p>
+            <a:pPr algn="ctr"/>
+            <a:endParaRPr lang="ko-KR" altLang="en-US"/>
+          </a:p>
+        </p:txBody>
+      </p:sp>
+      <p:sp>
+        <p:nvSpPr>
+          <p:cNvPr id="14" name="화살표: 아래쪽 13">
+            <a:extLst>
+              <a:ext uri="{FF2B5EF4-FFF2-40B4-BE49-F238E27FC236}">
+                <a16:creationId xmlns:a16="http://schemas.microsoft.com/office/drawing/2014/main" id="{5BB53BAA-BB8E-49AC-AF67-486BE119BDBA}"/>
+              </a:ext>
+            </a:extLst>
+          </p:cNvPr>
+          <p:cNvSpPr/>
+          <p:nvPr/>
+        </p:nvSpPr>
+        <p:spPr>
+          <a:xfrm>
+            <a:off x="9960220" y="4760401"/>
+            <a:ext cx="110197" cy="1213973"/>
+          </a:xfrm>
+          <a:prstGeom prst="downArrow">
+            <a:avLst/>
+          </a:prstGeom>
+        </p:spPr>
+        <p:style>
+          <a:lnRef idx="2">
+            <a:schemeClr val="accent1">
+              <a:shade val="50000"/>
+            </a:schemeClr>
+          </a:lnRef>
+          <a:fillRef idx="1">
+            <a:schemeClr val="accent1"/>
+          </a:fillRef>
+          <a:effectRef idx="0">
+            <a:schemeClr val="accent1"/>
+          </a:effectRef>
+          <a:fontRef idx="minor">
+            <a:schemeClr val="lt1"/>
+          </a:fontRef>
+        </p:style>
+        <p:txBody>
+          <a:bodyPr rtlCol="0" anchor="ctr"/>
+          <a:lstStyle/>
+          <a:p>
+            <a:pPr algn="ctr"/>
+            <a:endParaRPr lang="ko-KR" altLang="en-US"/>
+          </a:p>
+        </p:txBody>
+      </p:sp>
+      <p:sp>
+        <p:nvSpPr>
+          <p:cNvPr id="15" name="직사각형 14">
+            <a:extLst>
+              <a:ext uri="{FF2B5EF4-FFF2-40B4-BE49-F238E27FC236}">
+                <a16:creationId xmlns:a16="http://schemas.microsoft.com/office/drawing/2014/main" id="{3C00BB09-1286-4653-AA31-39352FD3209D}"/>
+              </a:ext>
+            </a:extLst>
+          </p:cNvPr>
+          <p:cNvSpPr/>
+          <p:nvPr/>
+        </p:nvSpPr>
+        <p:spPr>
+          <a:xfrm>
+            <a:off x="9552843" y="141375"/>
+            <a:ext cx="2089638" cy="461665"/>
+          </a:xfrm>
+          <a:prstGeom prst="rect">
+            <a:avLst/>
+          </a:prstGeom>
+        </p:spPr>
+        <p:txBody>
+          <a:bodyPr wrap="square">
+            <a:spAutoFit/>
+          </a:bodyPr>
+          <a:lstStyle/>
+          <a:p>
+            <a:pPr fontAlgn="ctr"/>
+            <a:r>
+              <a:rPr lang="en-US" altLang="ko-KR" sz="1200" dirty="0"/>
+              <a:t>Artificial Intelligence 1950</a:t>
+            </a:r>
+          </a:p>
+          <a:p>
+            <a:pPr fontAlgn="ctr"/>
+            <a:r>
+              <a:rPr lang="en-US" altLang="ko-KR" sz="1200" dirty="0"/>
+              <a:t>Machine learning</a:t>
+            </a:r>
+            <a:endParaRPr lang="ko-KR" altLang="ko-KR" sz="1200" dirty="0"/>
+          </a:p>
+        </p:txBody>
+      </p:sp>
+      <p:sp>
+        <p:nvSpPr>
+          <p:cNvPr id="16" name="직사각형 15">
+            <a:extLst>
+              <a:ext uri="{FF2B5EF4-FFF2-40B4-BE49-F238E27FC236}">
+                <a16:creationId xmlns:a16="http://schemas.microsoft.com/office/drawing/2014/main" id="{E830D79E-A797-4A05-8B8B-BC871E442459}"/>
+              </a:ext>
+            </a:extLst>
+          </p:cNvPr>
+          <p:cNvSpPr/>
+          <p:nvPr/>
+        </p:nvSpPr>
+        <p:spPr>
+          <a:xfrm>
+            <a:off x="517282" y="141374"/>
+            <a:ext cx="1485900" cy="646331"/>
+          </a:xfrm>
+          <a:prstGeom prst="rect">
+            <a:avLst/>
+          </a:prstGeom>
+        </p:spPr>
+        <p:txBody>
+          <a:bodyPr wrap="square">
+            <a:spAutoFit/>
+          </a:bodyPr>
+          <a:lstStyle/>
+          <a:p>
+            <a:pPr fontAlgn="ctr"/>
+            <a:r>
+              <a:rPr lang="en-US" altLang="ko-KR" sz="1200" dirty="0"/>
+              <a:t>Perceptron 1957</a:t>
+            </a:r>
+          </a:p>
+          <a:p>
+            <a:pPr fontAlgn="ctr"/>
+            <a:r>
+              <a:rPr lang="en-US" altLang="ko-KR" sz="1200" dirty="0"/>
+              <a:t>Neural Networks</a:t>
+            </a:r>
+          </a:p>
+          <a:p>
+            <a:pPr fontAlgn="ctr"/>
+            <a:r>
+              <a:rPr lang="en-US" altLang="ko-KR" sz="1200" dirty="0"/>
+              <a:t>Deep Learning</a:t>
+            </a:r>
+            <a:endParaRPr lang="ko-KR" altLang="ko-KR" sz="1200" dirty="0"/>
+          </a:p>
+        </p:txBody>
+      </p:sp>
+      <p:sp>
+        <p:nvSpPr>
+          <p:cNvPr id="17" name="직사각형 16">
+            <a:extLst>
+              <a:ext uri="{FF2B5EF4-FFF2-40B4-BE49-F238E27FC236}">
+                <a16:creationId xmlns:a16="http://schemas.microsoft.com/office/drawing/2014/main" id="{7EC89886-ED40-4857-BB29-0AB80DB7038F}"/>
+              </a:ext>
+            </a:extLst>
+          </p:cNvPr>
+          <p:cNvSpPr/>
+          <p:nvPr/>
+        </p:nvSpPr>
+        <p:spPr>
+          <a:xfrm>
+            <a:off x="4831374" y="1116619"/>
+            <a:ext cx="2089638" cy="276999"/>
+          </a:xfrm>
+          <a:prstGeom prst="rect">
+            <a:avLst/>
+          </a:prstGeom>
+        </p:spPr>
+        <p:txBody>
+          <a:bodyPr wrap="square">
+            <a:spAutoFit/>
+          </a:bodyPr>
+          <a:lstStyle/>
+          <a:p>
+            <a:pPr fontAlgn="ctr"/>
+            <a:r>
+              <a:rPr lang="en-US" altLang="ko-KR" sz="1200" dirty="0"/>
+              <a:t>2010</a:t>
+            </a:r>
+            <a:endParaRPr lang="ko-KR" altLang="ko-KR" sz="1200" dirty="0"/>
+          </a:p>
+        </p:txBody>
+      </p:sp>
+      <p:sp>
+        <p:nvSpPr>
+          <p:cNvPr id="18" name="직사각형 17">
+            <a:extLst>
+              <a:ext uri="{FF2B5EF4-FFF2-40B4-BE49-F238E27FC236}">
+                <a16:creationId xmlns:a16="http://schemas.microsoft.com/office/drawing/2014/main" id="{D34D4612-5C2F-4C32-B23A-F4337EBAC3D4}"/>
+              </a:ext>
+            </a:extLst>
+          </p:cNvPr>
+          <p:cNvSpPr/>
+          <p:nvPr/>
+        </p:nvSpPr>
+        <p:spPr>
+          <a:xfrm>
+            <a:off x="7824107" y="3506604"/>
+            <a:ext cx="2089638" cy="276999"/>
+          </a:xfrm>
+          <a:prstGeom prst="rect">
+            <a:avLst/>
+          </a:prstGeom>
+        </p:spPr>
+        <p:txBody>
+          <a:bodyPr wrap="square">
+            <a:spAutoFit/>
+          </a:bodyPr>
+          <a:lstStyle/>
+          <a:p>
+            <a:pPr fontAlgn="ctr"/>
+            <a:r>
+              <a:rPr lang="en-US" altLang="ko-KR" sz="1200" dirty="0"/>
+              <a:t>2015 Elon Musk</a:t>
+            </a:r>
+            <a:endParaRPr lang="ko-KR" altLang="ko-KR" sz="1200" dirty="0"/>
+          </a:p>
+        </p:txBody>
+      </p:sp>
+      <p:cxnSp>
+        <p:nvCxnSpPr>
+          <p:cNvPr id="21" name="직선 화살표 연결선 20">
+            <a:extLst>
+              <a:ext uri="{FF2B5EF4-FFF2-40B4-BE49-F238E27FC236}">
+                <a16:creationId xmlns:a16="http://schemas.microsoft.com/office/drawing/2014/main" id="{4DD736BC-91DD-4B3A-A874-7D45FA6A0896}"/>
+              </a:ext>
+            </a:extLst>
+          </p:cNvPr>
+          <p:cNvCxnSpPr/>
+          <p:nvPr/>
+        </p:nvCxnSpPr>
+        <p:spPr>
+          <a:xfrm>
+            <a:off x="1800959" y="668215"/>
+            <a:ext cx="1301261" cy="448404"/>
+          </a:xfrm>
+          <a:prstGeom prst="straightConnector1">
+            <a:avLst/>
+          </a:prstGeom>
+          <a:ln>
+            <a:tailEnd type="triangle"/>
+          </a:ln>
+        </p:spPr>
+        <p:style>
+          <a:lnRef idx="1">
+            <a:schemeClr val="accent1"/>
+          </a:lnRef>
+          <a:fillRef idx="0">
+            <a:schemeClr val="accent1"/>
+          </a:fillRef>
+          <a:effectRef idx="0">
+            <a:schemeClr val="accent1"/>
+          </a:effectRef>
+          <a:fontRef idx="minor">
+            <a:schemeClr val="tx1"/>
+          </a:fontRef>
+        </p:style>
+      </p:cxnSp>
+      <p:cxnSp>
+        <p:nvCxnSpPr>
+          <p:cNvPr id="23" name="직선 화살표 연결선 22">
+            <a:extLst>
+              <a:ext uri="{FF2B5EF4-FFF2-40B4-BE49-F238E27FC236}">
+                <a16:creationId xmlns:a16="http://schemas.microsoft.com/office/drawing/2014/main" id="{5A7A9F46-158B-498A-BB4C-0C874FF01FA6}"/>
+              </a:ext>
+            </a:extLst>
+          </p:cNvPr>
+          <p:cNvCxnSpPr/>
+          <p:nvPr/>
+        </p:nvCxnSpPr>
+        <p:spPr>
+          <a:xfrm flipH="1">
+            <a:off x="5370636" y="372207"/>
+            <a:ext cx="4097215" cy="882911"/>
+          </a:xfrm>
+          <a:prstGeom prst="straightConnector1">
+            <a:avLst/>
+          </a:prstGeom>
+          <a:ln>
+            <a:tailEnd type="triangle"/>
+          </a:ln>
+        </p:spPr>
+        <p:style>
+          <a:lnRef idx="1">
+            <a:schemeClr val="accent1"/>
+          </a:lnRef>
+          <a:fillRef idx="0">
+            <a:schemeClr val="accent1"/>
+          </a:fillRef>
+          <a:effectRef idx="0">
+            <a:schemeClr val="accent1"/>
+          </a:effectRef>
+          <a:fontRef idx="minor">
+            <a:schemeClr val="tx1"/>
+          </a:fontRef>
+        </p:style>
+      </p:cxnSp>
+      <p:cxnSp>
+        <p:nvCxnSpPr>
+          <p:cNvPr id="25" name="직선 화살표 연결선 24">
+            <a:extLst>
+              <a:ext uri="{FF2B5EF4-FFF2-40B4-BE49-F238E27FC236}">
+                <a16:creationId xmlns:a16="http://schemas.microsoft.com/office/drawing/2014/main" id="{68A9CB02-02DE-4919-BBE2-B56B18653480}"/>
+              </a:ext>
+            </a:extLst>
+          </p:cNvPr>
+          <p:cNvCxnSpPr>
+            <a:cxnSpLocks/>
+          </p:cNvCxnSpPr>
+          <p:nvPr/>
+        </p:nvCxnSpPr>
+        <p:spPr>
+          <a:xfrm flipH="1">
+            <a:off x="7217559" y="372207"/>
+            <a:ext cx="2250293" cy="3116542"/>
+          </a:xfrm>
+          <a:prstGeom prst="straightConnector1">
+            <a:avLst/>
+          </a:prstGeom>
+          <a:ln>
+            <a:tailEnd type="triangle"/>
+          </a:ln>
+        </p:spPr>
+        <p:style>
+          <a:lnRef idx="1">
+            <a:schemeClr val="accent1"/>
+          </a:lnRef>
+          <a:fillRef idx="0">
+            <a:schemeClr val="accent1"/>
+          </a:fillRef>
+          <a:effectRef idx="0">
+            <a:schemeClr val="accent1"/>
+          </a:effectRef>
+          <a:fontRef idx="minor">
+            <a:schemeClr val="tx1"/>
+          </a:fontRef>
+        </p:style>
+      </p:cxnSp>
+      <p:cxnSp>
+        <p:nvCxnSpPr>
+          <p:cNvPr id="27" name="직선 화살표 연결선 26">
+            <a:extLst>
+              <a:ext uri="{FF2B5EF4-FFF2-40B4-BE49-F238E27FC236}">
+                <a16:creationId xmlns:a16="http://schemas.microsoft.com/office/drawing/2014/main" id="{0700923C-D9AA-448F-99ED-A1B07805DCA9}"/>
+              </a:ext>
+            </a:extLst>
+          </p:cNvPr>
+          <p:cNvCxnSpPr>
+            <a:cxnSpLocks/>
+          </p:cNvCxnSpPr>
+          <p:nvPr/>
+        </p:nvCxnSpPr>
+        <p:spPr>
+          <a:xfrm flipH="1">
+            <a:off x="2451589" y="1179660"/>
+            <a:ext cx="1781798" cy="1434367"/>
+          </a:xfrm>
+          <a:prstGeom prst="straightConnector1">
+            <a:avLst/>
+          </a:prstGeom>
+          <a:ln>
+            <a:tailEnd type="triangle"/>
+          </a:ln>
+        </p:spPr>
+        <p:style>
+          <a:lnRef idx="1">
+            <a:schemeClr val="accent1"/>
+          </a:lnRef>
+          <a:fillRef idx="0">
+            <a:schemeClr val="accent1"/>
+          </a:fillRef>
+          <a:effectRef idx="0">
+            <a:schemeClr val="accent1"/>
+          </a:effectRef>
+          <a:fontRef idx="minor">
+            <a:schemeClr val="tx1"/>
+          </a:fontRef>
+        </p:style>
+      </p:cxnSp>
+      <p:sp>
+        <p:nvSpPr>
+          <p:cNvPr id="28" name="직사각형 27">
+            <a:extLst>
+              <a:ext uri="{FF2B5EF4-FFF2-40B4-BE49-F238E27FC236}">
+                <a16:creationId xmlns:a16="http://schemas.microsoft.com/office/drawing/2014/main" id="{8977EC8D-1637-4A5F-945D-EAB04B0F25F5}"/>
+              </a:ext>
+            </a:extLst>
+          </p:cNvPr>
+          <p:cNvSpPr/>
+          <p:nvPr/>
+        </p:nvSpPr>
+        <p:spPr>
+          <a:xfrm>
+            <a:off x="3300434" y="2614027"/>
+            <a:ext cx="2089638" cy="276999"/>
+          </a:xfrm>
+          <a:prstGeom prst="rect">
+            <a:avLst/>
+          </a:prstGeom>
+        </p:spPr>
+        <p:txBody>
+          <a:bodyPr wrap="square">
+            <a:spAutoFit/>
+          </a:bodyPr>
+          <a:lstStyle/>
+          <a:p>
+            <a:pPr fontAlgn="ctr"/>
+            <a:r>
+              <a:rPr lang="en-US" altLang="ko-KR" sz="1200" dirty="0"/>
+              <a:t>2014</a:t>
+            </a:r>
+            <a:endParaRPr lang="ko-KR" altLang="ko-KR" sz="1200" dirty="0"/>
+          </a:p>
+        </p:txBody>
+      </p:sp>
+      <p:cxnSp>
+        <p:nvCxnSpPr>
+          <p:cNvPr id="31" name="직선 화살표 연결선 30">
+            <a:extLst>
+              <a:ext uri="{FF2B5EF4-FFF2-40B4-BE49-F238E27FC236}">
+                <a16:creationId xmlns:a16="http://schemas.microsoft.com/office/drawing/2014/main" id="{0E810A58-7F50-47E8-A343-D97CF574995D}"/>
+              </a:ext>
+            </a:extLst>
+          </p:cNvPr>
+          <p:cNvCxnSpPr>
+            <a:cxnSpLocks/>
+          </p:cNvCxnSpPr>
+          <p:nvPr/>
+        </p:nvCxnSpPr>
+        <p:spPr>
+          <a:xfrm flipH="1">
+            <a:off x="5968931" y="4111435"/>
+            <a:ext cx="746374" cy="961857"/>
+          </a:xfrm>
+          <a:prstGeom prst="straightConnector1">
+            <a:avLst/>
+          </a:prstGeom>
+          <a:ln>
+            <a:tailEnd type="triangle"/>
+          </a:ln>
+        </p:spPr>
+        <p:style>
+          <a:lnRef idx="1">
+            <a:schemeClr val="accent1"/>
+          </a:lnRef>
+          <a:fillRef idx="0">
+            <a:schemeClr val="accent1"/>
+          </a:fillRef>
+          <a:effectRef idx="0">
+            <a:schemeClr val="accent1"/>
+          </a:effectRef>
+          <a:fontRef idx="minor">
+            <a:schemeClr val="tx1"/>
+          </a:fontRef>
+        </p:style>
+      </p:cxnSp>
+      <p:sp>
+        <p:nvSpPr>
+          <p:cNvPr id="37" name="직사각형 36">
+            <a:extLst>
+              <a:ext uri="{FF2B5EF4-FFF2-40B4-BE49-F238E27FC236}">
+                <a16:creationId xmlns:a16="http://schemas.microsoft.com/office/drawing/2014/main" id="{F83B3876-916C-460C-9D11-CBAB94DA5B33}"/>
+              </a:ext>
+            </a:extLst>
+          </p:cNvPr>
+          <p:cNvSpPr/>
+          <p:nvPr/>
+        </p:nvSpPr>
+        <p:spPr>
+          <a:xfrm>
+            <a:off x="787622" y="3929332"/>
+            <a:ext cx="1485899" cy="646331"/>
+          </a:xfrm>
+          <a:prstGeom prst="rect">
+            <a:avLst/>
+          </a:prstGeom>
+        </p:spPr>
+        <p:txBody>
+          <a:bodyPr wrap="square">
+            <a:spAutoFit/>
+          </a:bodyPr>
+          <a:lstStyle/>
+          <a:p>
+            <a:pPr algn="r" fontAlgn="ctr"/>
+            <a:r>
+              <a:rPr lang="en-US" altLang="ko-KR" sz="1200" dirty="0"/>
+              <a:t>AlphaGo 2016</a:t>
+            </a:r>
+          </a:p>
+          <a:p>
+            <a:pPr algn="r" fontAlgn="ctr"/>
+            <a:r>
+              <a:rPr lang="en-US" altLang="ko-KR" sz="1200" dirty="0" err="1"/>
+              <a:t>AlphaZero</a:t>
+            </a:r>
+            <a:r>
+              <a:rPr lang="en-US" altLang="ko-KR" sz="1200" dirty="0"/>
+              <a:t> 2017</a:t>
+            </a:r>
+          </a:p>
+          <a:p>
+            <a:pPr algn="r" fontAlgn="ctr"/>
+            <a:endParaRPr lang="en-US" altLang="ko-KR" sz="1200" dirty="0"/>
+          </a:p>
+        </p:txBody>
+      </p:sp>
+      <p:cxnSp>
+        <p:nvCxnSpPr>
+          <p:cNvPr id="39" name="직선 화살표 연결선 38">
+            <a:extLst>
+              <a:ext uri="{FF2B5EF4-FFF2-40B4-BE49-F238E27FC236}">
+                <a16:creationId xmlns:a16="http://schemas.microsoft.com/office/drawing/2014/main" id="{9B062B3C-FC24-43BA-9029-6D61C690D5AE}"/>
+              </a:ext>
+            </a:extLst>
+          </p:cNvPr>
+          <p:cNvCxnSpPr>
+            <a:cxnSpLocks/>
+          </p:cNvCxnSpPr>
+          <p:nvPr/>
+        </p:nvCxnSpPr>
+        <p:spPr>
+          <a:xfrm flipV="1">
+            <a:off x="3637149" y="4838266"/>
+            <a:ext cx="2410912" cy="3074"/>
+          </a:xfrm>
+          <a:prstGeom prst="straightConnector1">
+            <a:avLst/>
+          </a:prstGeom>
+          <a:ln>
+            <a:tailEnd type="triangle"/>
+          </a:ln>
+        </p:spPr>
+        <p:style>
+          <a:lnRef idx="1">
+            <a:schemeClr val="accent1"/>
+          </a:lnRef>
+          <a:fillRef idx="0">
+            <a:schemeClr val="accent1"/>
+          </a:fillRef>
+          <a:effectRef idx="0">
+            <a:schemeClr val="accent1"/>
+          </a:effectRef>
+          <a:fontRef idx="minor">
+            <a:schemeClr val="tx1"/>
+          </a:fontRef>
+        </p:style>
+      </p:cxnSp>
+      <p:sp>
+        <p:nvSpPr>
+          <p:cNvPr id="40" name="직사각형 39">
+            <a:extLst>
+              <a:ext uri="{FF2B5EF4-FFF2-40B4-BE49-F238E27FC236}">
+                <a16:creationId xmlns:a16="http://schemas.microsoft.com/office/drawing/2014/main" id="{825166AF-0B64-462F-BCF9-201E29A6571A}"/>
+              </a:ext>
+            </a:extLst>
+          </p:cNvPr>
+          <p:cNvSpPr/>
+          <p:nvPr/>
+        </p:nvSpPr>
+        <p:spPr>
+          <a:xfrm>
+            <a:off x="5144966" y="6069621"/>
+            <a:ext cx="1776046" cy="465993"/>
+          </a:xfrm>
+          <a:prstGeom prst="rect">
+            <a:avLst/>
+          </a:prstGeom>
+        </p:spPr>
+        <p:style>
+          <a:lnRef idx="2">
+            <a:schemeClr val="accent6">
+              <a:shade val="50000"/>
+            </a:schemeClr>
+          </a:lnRef>
+          <a:fillRef idx="1">
+            <a:schemeClr val="accent6"/>
+          </a:fillRef>
+          <a:effectRef idx="0">
+            <a:schemeClr val="accent6"/>
+          </a:effectRef>
+          <a:fontRef idx="minor">
+            <a:schemeClr val="lt1"/>
+          </a:fontRef>
+        </p:style>
+        <p:txBody>
+          <a:bodyPr rtlCol="0" anchor="ctr"/>
+          <a:lstStyle/>
+          <a:p>
+            <a:pPr algn="ctr"/>
+            <a:r>
+              <a:rPr lang="en-US" altLang="ko-KR" dirty="0"/>
+              <a:t>chat GPT</a:t>
+            </a:r>
+            <a:endParaRPr lang="ko-KR" altLang="en-US" dirty="0"/>
+          </a:p>
+        </p:txBody>
+      </p:sp>
+      <p:sp>
+        <p:nvSpPr>
+          <p:cNvPr id="42" name="직사각형 41">
+            <a:extLst>
+              <a:ext uri="{FF2B5EF4-FFF2-40B4-BE49-F238E27FC236}">
+                <a16:creationId xmlns:a16="http://schemas.microsoft.com/office/drawing/2014/main" id="{8202A562-20DB-43B3-93EC-CC2969CAA740}"/>
+              </a:ext>
+            </a:extLst>
+          </p:cNvPr>
+          <p:cNvSpPr/>
+          <p:nvPr/>
+        </p:nvSpPr>
+        <p:spPr>
+          <a:xfrm>
+            <a:off x="3286046" y="6063263"/>
+            <a:ext cx="595489" cy="277000"/>
+          </a:xfrm>
+          <a:prstGeom prst="rect">
+            <a:avLst/>
+          </a:prstGeom>
+        </p:spPr>
+        <p:txBody>
+          <a:bodyPr wrap="square">
+            <a:spAutoFit/>
+          </a:bodyPr>
+          <a:lstStyle/>
+          <a:p>
+            <a:pPr fontAlgn="ctr"/>
+            <a:r>
+              <a:rPr lang="en-US" altLang="ko-KR" sz="1200" dirty="0"/>
+              <a:t>2023</a:t>
+            </a:r>
+            <a:endParaRPr lang="ko-KR" altLang="ko-KR" sz="1200" dirty="0"/>
+          </a:p>
+        </p:txBody>
+      </p:sp>
+      <p:cxnSp>
+        <p:nvCxnSpPr>
+          <p:cNvPr id="51" name="직선 화살표 연결선 50">
+            <a:extLst>
+              <a:ext uri="{FF2B5EF4-FFF2-40B4-BE49-F238E27FC236}">
+                <a16:creationId xmlns:a16="http://schemas.microsoft.com/office/drawing/2014/main" id="{49C9CCF0-7756-4A04-B369-EA4D4AD2BB62}"/>
+              </a:ext>
+            </a:extLst>
+          </p:cNvPr>
+          <p:cNvCxnSpPr>
+            <a:cxnSpLocks/>
+          </p:cNvCxnSpPr>
+          <p:nvPr/>
+        </p:nvCxnSpPr>
+        <p:spPr>
+          <a:xfrm>
+            <a:off x="9127295" y="3744961"/>
+            <a:ext cx="888023" cy="377399"/>
+          </a:xfrm>
+          <a:prstGeom prst="straightConnector1">
+            <a:avLst/>
+          </a:prstGeom>
+          <a:ln>
+            <a:tailEnd type="triangle"/>
+          </a:ln>
+        </p:spPr>
+        <p:style>
+          <a:lnRef idx="1">
+            <a:schemeClr val="accent1"/>
+          </a:lnRef>
+          <a:fillRef idx="0">
+            <a:schemeClr val="accent1"/>
+          </a:fillRef>
+          <a:effectRef idx="0">
+            <a:schemeClr val="accent1"/>
+          </a:effectRef>
+          <a:fontRef idx="minor">
+            <a:schemeClr val="tx1"/>
+          </a:fontRef>
+        </p:style>
+      </p:cxnSp>
+      <p:sp>
+        <p:nvSpPr>
+          <p:cNvPr id="52" name="직사각형 51">
+            <a:extLst>
+              <a:ext uri="{FF2B5EF4-FFF2-40B4-BE49-F238E27FC236}">
+                <a16:creationId xmlns:a16="http://schemas.microsoft.com/office/drawing/2014/main" id="{955EF9FE-3CB4-43A5-BDEA-5613EF01D8F8}"/>
+              </a:ext>
+            </a:extLst>
+          </p:cNvPr>
+          <p:cNvSpPr/>
+          <p:nvPr/>
+        </p:nvSpPr>
+        <p:spPr>
+          <a:xfrm>
+            <a:off x="2209745" y="4702465"/>
+            <a:ext cx="1404231" cy="276999"/>
+          </a:xfrm>
+          <a:prstGeom prst="rect">
+            <a:avLst/>
+          </a:prstGeom>
+        </p:spPr>
+        <p:txBody>
+          <a:bodyPr wrap="none">
+            <a:spAutoFit/>
+          </a:bodyPr>
+          <a:lstStyle/>
+          <a:p>
+            <a:pPr algn="r" fontAlgn="ctr"/>
+            <a:r>
+              <a:rPr lang="en-US" altLang="ko-KR" sz="1200" dirty="0">
+                <a:effectLst>
+                  <a:outerShdw blurRad="38100" dist="38100" dir="2700000" algn="tl">
+                    <a:srgbClr val="000000">
+                      <a:alpha val="43137"/>
+                    </a:srgbClr>
+                  </a:outerShdw>
+                </a:effectLst>
+              </a:rPr>
+              <a:t>Transformer 2018</a:t>
+            </a:r>
+            <a:endParaRPr lang="ko-KR" altLang="ko-KR" sz="1200" dirty="0">
+              <a:effectLst>
+                <a:outerShdw blurRad="38100" dist="38100" dir="2700000" algn="tl">
+                  <a:srgbClr val="000000">
+                    <a:alpha val="43137"/>
+                  </a:srgbClr>
+                </a:outerShdw>
+              </a:effectLst>
+            </a:endParaRPr>
+          </a:p>
+        </p:txBody>
+      </p:sp>
+      <p:sp>
+        <p:nvSpPr>
+          <p:cNvPr id="65" name="직사각형 64">
+            <a:extLst>
+              <a:ext uri="{FF2B5EF4-FFF2-40B4-BE49-F238E27FC236}">
+                <a16:creationId xmlns:a16="http://schemas.microsoft.com/office/drawing/2014/main" id="{9F17BBE1-DB2B-4F29-8BC5-135C4159FB8A}"/>
+              </a:ext>
+            </a:extLst>
+          </p:cNvPr>
+          <p:cNvSpPr/>
+          <p:nvPr/>
+        </p:nvSpPr>
+        <p:spPr>
+          <a:xfrm>
+            <a:off x="3241610" y="1868186"/>
+            <a:ext cx="2007281" cy="276999"/>
+          </a:xfrm>
+          <a:prstGeom prst="rect">
+            <a:avLst/>
+          </a:prstGeom>
+        </p:spPr>
+        <p:txBody>
+          <a:bodyPr wrap="none">
+            <a:spAutoFit/>
+          </a:bodyPr>
+          <a:lstStyle/>
+          <a:p>
+            <a:r>
+              <a:rPr lang="en-US" altLang="ko-KR" sz="1200" dirty="0"/>
+              <a:t>ImageNet Challenge 2012</a:t>
+            </a:r>
+            <a:endParaRPr lang="ko-KR" altLang="en-US" sz="1200" dirty="0"/>
+          </a:p>
+        </p:txBody>
+      </p:sp>
+      <p:sp>
+        <p:nvSpPr>
+          <p:cNvPr id="32" name="직사각형 31">
+            <a:extLst>
+              <a:ext uri="{FF2B5EF4-FFF2-40B4-BE49-F238E27FC236}">
+                <a16:creationId xmlns:a16="http://schemas.microsoft.com/office/drawing/2014/main" id="{2388F914-7DF8-410C-BB50-B4EA486C2634}"/>
+              </a:ext>
+            </a:extLst>
+          </p:cNvPr>
+          <p:cNvSpPr/>
+          <p:nvPr/>
+        </p:nvSpPr>
+        <p:spPr>
+          <a:xfrm>
+            <a:off x="6833958" y="5073292"/>
+            <a:ext cx="2089638" cy="276999"/>
+          </a:xfrm>
+          <a:prstGeom prst="rect">
+            <a:avLst/>
+          </a:prstGeom>
+        </p:spPr>
+        <p:txBody>
+          <a:bodyPr wrap="square">
+            <a:spAutoFit/>
+          </a:bodyPr>
+          <a:lstStyle/>
+          <a:p>
+            <a:pPr fontAlgn="ctr"/>
+            <a:r>
+              <a:rPr lang="en-US" altLang="ko-KR" sz="1200" dirty="0"/>
+              <a:t>2019</a:t>
+            </a:r>
+            <a:endParaRPr lang="ko-KR" altLang="ko-KR" sz="1200" dirty="0"/>
+          </a:p>
+        </p:txBody>
+      </p:sp>
+      <p:sp>
+        <p:nvSpPr>
+          <p:cNvPr id="36" name="직사각형 35">
+            <a:extLst>
+              <a:ext uri="{FF2B5EF4-FFF2-40B4-BE49-F238E27FC236}">
+                <a16:creationId xmlns:a16="http://schemas.microsoft.com/office/drawing/2014/main" id="{F15E46D8-D6D3-428B-8C6C-EDE6070DCF18}"/>
+              </a:ext>
+            </a:extLst>
+          </p:cNvPr>
+          <p:cNvSpPr/>
+          <p:nvPr/>
+        </p:nvSpPr>
+        <p:spPr>
+          <a:xfrm>
+            <a:off x="2238276" y="3550747"/>
+            <a:ext cx="1352165" cy="276999"/>
+          </a:xfrm>
+          <a:prstGeom prst="rect">
+            <a:avLst/>
+          </a:prstGeom>
+        </p:spPr>
+        <p:txBody>
+          <a:bodyPr wrap="none">
+            <a:spAutoFit/>
+          </a:bodyPr>
+          <a:lstStyle/>
+          <a:p>
+            <a:pPr algn="r" fontAlgn="ctr"/>
+            <a:r>
+              <a:rPr lang="en-US" altLang="ko-KR" sz="1200" dirty="0">
+                <a:effectLst>
+                  <a:outerShdw blurRad="38100" dist="38100" dir="2700000" algn="tl">
+                    <a:srgbClr val="000000">
+                      <a:alpha val="43137"/>
+                    </a:srgbClr>
+                  </a:outerShdw>
+                </a:effectLst>
+              </a:rPr>
+              <a:t>TensorFlow 2015</a:t>
+            </a:r>
+            <a:endParaRPr lang="ko-KR" altLang="ko-KR" sz="1200" dirty="0">
+              <a:effectLst>
+                <a:outerShdw blurRad="38100" dist="38100" dir="2700000" algn="tl">
+                  <a:srgbClr val="000000">
+                    <a:alpha val="43137"/>
+                  </a:srgbClr>
+                </a:outerShdw>
+              </a:effectLst>
+            </a:endParaRPr>
+          </a:p>
+        </p:txBody>
+      </p:sp>
+      <p:sp>
+        <p:nvSpPr>
+          <p:cNvPr id="43" name="직사각형 42">
+            <a:extLst>
+              <a:ext uri="{FF2B5EF4-FFF2-40B4-BE49-F238E27FC236}">
+                <a16:creationId xmlns:a16="http://schemas.microsoft.com/office/drawing/2014/main" id="{5B47F0F9-5A22-4381-A238-6C4747582A2D}"/>
+              </a:ext>
+            </a:extLst>
+          </p:cNvPr>
+          <p:cNvSpPr/>
+          <p:nvPr/>
+        </p:nvSpPr>
+        <p:spPr>
+          <a:xfrm>
+            <a:off x="10903341" y="4169402"/>
+            <a:ext cx="595489" cy="276999"/>
+          </a:xfrm>
+          <a:prstGeom prst="rect">
+            <a:avLst/>
+          </a:prstGeom>
+        </p:spPr>
+        <p:txBody>
+          <a:bodyPr wrap="square">
+            <a:spAutoFit/>
+          </a:bodyPr>
+          <a:lstStyle/>
+          <a:p>
+            <a:pPr fontAlgn="ctr"/>
+            <a:r>
+              <a:rPr lang="en-US" altLang="ko-KR" sz="1200" dirty="0"/>
+              <a:t>2021</a:t>
+            </a:r>
+            <a:endParaRPr lang="ko-KR" altLang="ko-KR" sz="1200" dirty="0"/>
+          </a:p>
+        </p:txBody>
+      </p:sp>
+      <p:sp>
+        <p:nvSpPr>
+          <p:cNvPr id="44" name="직사각형 43">
+            <a:extLst>
+              <a:ext uri="{FF2B5EF4-FFF2-40B4-BE49-F238E27FC236}">
+                <a16:creationId xmlns:a16="http://schemas.microsoft.com/office/drawing/2014/main" id="{AC19CD2C-CC17-49C6-9F88-D16CF4F93BD6}"/>
+              </a:ext>
+            </a:extLst>
+          </p:cNvPr>
+          <p:cNvSpPr/>
+          <p:nvPr/>
+        </p:nvSpPr>
+        <p:spPr>
+          <a:xfrm>
+            <a:off x="10980846" y="6025617"/>
+            <a:ext cx="595489" cy="277000"/>
+          </a:xfrm>
+          <a:prstGeom prst="rect">
+            <a:avLst/>
+          </a:prstGeom>
+        </p:spPr>
+        <p:txBody>
+          <a:bodyPr wrap="square">
+            <a:spAutoFit/>
+          </a:bodyPr>
+          <a:lstStyle/>
+          <a:p>
+            <a:pPr fontAlgn="ctr"/>
+            <a:r>
+              <a:rPr lang="en-US" altLang="ko-KR" sz="1200" dirty="0"/>
+              <a:t>2023</a:t>
+            </a:r>
+            <a:endParaRPr lang="ko-KR" altLang="ko-KR" sz="1200" dirty="0"/>
+          </a:p>
+        </p:txBody>
+      </p:sp>
+      <p:sp>
+        <p:nvSpPr>
+          <p:cNvPr id="45" name="직사각형 44">
+            <a:extLst>
+              <a:ext uri="{FF2B5EF4-FFF2-40B4-BE49-F238E27FC236}">
+                <a16:creationId xmlns:a16="http://schemas.microsoft.com/office/drawing/2014/main" id="{1A57F181-8FB9-4176-A058-C6F4E09C78B9}"/>
+              </a:ext>
+            </a:extLst>
+          </p:cNvPr>
+          <p:cNvSpPr/>
+          <p:nvPr/>
+        </p:nvSpPr>
+        <p:spPr>
+          <a:xfrm>
+            <a:off x="6933453" y="6025617"/>
+            <a:ext cx="2089638" cy="276999"/>
+          </a:xfrm>
+          <a:prstGeom prst="rect">
+            <a:avLst/>
+          </a:prstGeom>
+        </p:spPr>
+        <p:txBody>
+          <a:bodyPr wrap="square">
+            <a:spAutoFit/>
+          </a:bodyPr>
+          <a:lstStyle/>
+          <a:p>
+            <a:pPr fontAlgn="ctr"/>
+            <a:r>
+              <a:rPr lang="en-US" altLang="ko-KR" sz="1200" dirty="0"/>
+              <a:t>2018~</a:t>
+            </a:r>
+            <a:endParaRPr lang="ko-KR" altLang="ko-KR" sz="1200" dirty="0"/>
+          </a:p>
+        </p:txBody>
+      </p:sp>
+      <p:cxnSp>
+        <p:nvCxnSpPr>
+          <p:cNvPr id="29" name="직선 화살표 연결선 28">
+            <a:extLst>
+              <a:ext uri="{FF2B5EF4-FFF2-40B4-BE49-F238E27FC236}">
+                <a16:creationId xmlns:a16="http://schemas.microsoft.com/office/drawing/2014/main" id="{E7B1D185-59CB-4F9F-AA9B-D807A7C14FEC}"/>
+              </a:ext>
+            </a:extLst>
+          </p:cNvPr>
+          <p:cNvCxnSpPr>
+            <a:cxnSpLocks/>
+          </p:cNvCxnSpPr>
+          <p:nvPr/>
+        </p:nvCxnSpPr>
+        <p:spPr>
+          <a:xfrm>
+            <a:off x="5144966" y="2145185"/>
+            <a:ext cx="1570339" cy="1283815"/>
+          </a:xfrm>
+          <a:prstGeom prst="straightConnector1">
+            <a:avLst/>
+          </a:prstGeom>
+          <a:ln>
+            <a:gradFill>
+              <a:gsLst>
+                <a:gs pos="41000">
+                  <a:srgbClr val="DAE3F3"/>
+                </a:gs>
+                <a:gs pos="0">
+                  <a:schemeClr val="accent1">
+                    <a:lumMod val="5000"/>
+                    <a:lumOff val="95000"/>
+                  </a:schemeClr>
+                </a:gs>
+                <a:gs pos="74000">
+                  <a:schemeClr val="accent1">
+                    <a:lumMod val="45000"/>
+                    <a:lumOff val="55000"/>
+                  </a:schemeClr>
+                </a:gs>
+                <a:gs pos="83000">
+                  <a:schemeClr val="accent1">
+                    <a:lumMod val="45000"/>
+                    <a:lumOff val="55000"/>
+                  </a:schemeClr>
+                </a:gs>
+                <a:gs pos="100000">
+                  <a:schemeClr val="accent1">
+                    <a:lumMod val="30000"/>
+                    <a:lumOff val="70000"/>
+                  </a:schemeClr>
+                </a:gs>
+              </a:gsLst>
+              <a:lin ang="5400000" scaled="1"/>
+            </a:gradFill>
+            <a:tailEnd type="triangle"/>
+          </a:ln>
+        </p:spPr>
+        <p:style>
+          <a:lnRef idx="1">
+            <a:schemeClr val="accent1"/>
+          </a:lnRef>
+          <a:fillRef idx="0">
+            <a:schemeClr val="accent1"/>
+          </a:fillRef>
+          <a:effectRef idx="0">
+            <a:schemeClr val="accent1"/>
+          </a:effectRef>
+          <a:fontRef idx="minor">
+            <a:schemeClr val="tx1"/>
+          </a:fontRef>
+        </p:style>
+      </p:cxnSp>
+    </p:spTree>
+    <p:extLst>
+      <p:ext uri="{BB962C8B-B14F-4D97-AF65-F5344CB8AC3E}">
+        <p14:creationId xmlns:p14="http://schemas.microsoft.com/office/powerpoint/2010/main" val="4109791516"/>
+      </p:ext>
+    </p:extLst>
+  </p:cSld>
+  <p:clrMapOvr>
+    <a:masterClrMapping/>
+  </p:clrMapOvr>
+</p:sld>
+</file>
+
+<file path=ppt/slides/slide20.xml><?xml version="1.0" encoding="utf-8"?>
 <p:sld xmlns:a="http://schemas.openxmlformats.org/drawingml/2006/main" xmlns:r="http://schemas.openxmlformats.org/officeDocument/2006/relationships" xmlns:p="http://schemas.openxmlformats.org/presentationml/2006/main">
   <p:cSld>
     <p:spTree>
@@ -7811,7 +11947,7 @@
 </p:sld>
 </file>
 
-<file path=ppt/slides/slide16.xml><?xml version="1.0" encoding="utf-8"?>
+<file path=ppt/slides/slide21.xml><?xml version="1.0" encoding="utf-8"?>
 <p:sld xmlns:a="http://schemas.openxmlformats.org/drawingml/2006/main" xmlns:r="http://schemas.openxmlformats.org/officeDocument/2006/relationships" xmlns:p="http://schemas.openxmlformats.org/presentationml/2006/main">
   <p:cSld>
     <p:spTree>
@@ -9571,7 +13707,7 @@
 </p:sld>
 </file>
 
-<file path=ppt/slides/slide2.xml><?xml version="1.0" encoding="utf-8"?>
+<file path=ppt/slides/slide3.xml><?xml version="1.0" encoding="utf-8"?>
 <p:sld xmlns:a="http://schemas.openxmlformats.org/drawingml/2006/main" xmlns:r="http://schemas.openxmlformats.org/officeDocument/2006/relationships" xmlns:p="http://schemas.openxmlformats.org/presentationml/2006/main">
   <p:cSld>
     <p:spTree>
@@ -9919,7 +14055,7 @@
 </p:sld>
 </file>
 
-<file path=ppt/slides/slide3.xml><?xml version="1.0" encoding="utf-8"?>
+<file path=ppt/slides/slide4.xml><?xml version="1.0" encoding="utf-8"?>
 <p:sld xmlns:a="http://schemas.openxmlformats.org/drawingml/2006/main" xmlns:r="http://schemas.openxmlformats.org/officeDocument/2006/relationships" xmlns:p="http://schemas.openxmlformats.org/presentationml/2006/main">
   <p:cSld>
     <p:spTree>
@@ -10028,7 +14164,7 @@
 </p:sld>
 </file>
 
-<file path=ppt/slides/slide4.xml><?xml version="1.0" encoding="utf-8"?>
+<file path=ppt/slides/slide5.xml><?xml version="1.0" encoding="utf-8"?>
 <p:sld xmlns:a="http://schemas.openxmlformats.org/drawingml/2006/main" xmlns:r="http://schemas.openxmlformats.org/officeDocument/2006/relationships" xmlns:p="http://schemas.openxmlformats.org/presentationml/2006/main">
   <p:cSld>
     <p:spTree>
@@ -10136,7 +14272,7 @@
 </p:sld>
 </file>
 
-<file path=ppt/slides/slide5.xml><?xml version="1.0" encoding="utf-8"?>
+<file path=ppt/slides/slide6.xml><?xml version="1.0" encoding="utf-8"?>
 <p:sld xmlns:a="http://schemas.openxmlformats.org/drawingml/2006/main" xmlns:r="http://schemas.openxmlformats.org/officeDocument/2006/relationships" xmlns:p="http://schemas.openxmlformats.org/presentationml/2006/main">
   <p:cSld>
     <p:spTree>
@@ -10461,7 +14597,7 @@
 </p:sld>
 </file>
 
-<file path=ppt/slides/slide6.xml><?xml version="1.0" encoding="utf-8"?>
+<file path=ppt/slides/slide7.xml><?xml version="1.0" encoding="utf-8"?>
 <p:sld xmlns:a="http://schemas.openxmlformats.org/drawingml/2006/main" xmlns:r="http://schemas.openxmlformats.org/officeDocument/2006/relationships" xmlns:p="http://schemas.openxmlformats.org/presentationml/2006/main">
   <p:cSld>
     <p:spTree>
@@ -10617,7 +14753,7 @@
 </p:sld>
 </file>
 
-<file path=ppt/slides/slide7.xml><?xml version="1.0" encoding="utf-8"?>
+<file path=ppt/slides/slide8.xml><?xml version="1.0" encoding="utf-8"?>
 <p:sld xmlns:a="http://schemas.openxmlformats.org/drawingml/2006/main" xmlns:r="http://schemas.openxmlformats.org/officeDocument/2006/relationships" xmlns:p="http://schemas.openxmlformats.org/presentationml/2006/main">
   <p:cSld>
     <p:spTree>
@@ -11266,7 +15402,7 @@
 </p:sld>
 </file>
 
-<file path=ppt/slides/slide8.xml><?xml version="1.0" encoding="utf-8"?>
+<file path=ppt/slides/slide9.xml><?xml version="1.0" encoding="utf-8"?>
 <p:sld xmlns:a="http://schemas.openxmlformats.org/drawingml/2006/main" xmlns:r="http://schemas.openxmlformats.org/officeDocument/2006/relationships" xmlns:p="http://schemas.openxmlformats.org/presentationml/2006/main">
   <p:cSld>
     <p:spTree>
@@ -11573,85 +15709,6 @@
     <p:extLst>
       <p:ext uri="{BB962C8B-B14F-4D97-AF65-F5344CB8AC3E}">
         <p14:creationId xmlns:p14="http://schemas.microsoft.com/office/powerpoint/2010/main" val="1709399085"/>
-      </p:ext>
-    </p:extLst>
-  </p:cSld>
-  <p:clrMapOvr>
-    <a:masterClrMapping/>
-  </p:clrMapOvr>
-</p:sld>
-</file>
-
-<file path=ppt/slides/slide9.xml><?xml version="1.0" encoding="utf-8"?>
-<p:sld xmlns:a="http://schemas.openxmlformats.org/drawingml/2006/main" xmlns:r="http://schemas.openxmlformats.org/officeDocument/2006/relationships" xmlns:p="http://schemas.openxmlformats.org/presentationml/2006/main">
-  <p:cSld>
-    <p:spTree>
-      <p:nvGrpSpPr>
-        <p:cNvPr id="1" name=""/>
-        <p:cNvGrpSpPr/>
-        <p:nvPr/>
-      </p:nvGrpSpPr>
-      <p:grpSpPr>
-        <a:xfrm>
-          <a:off x="0" y="0"/>
-          <a:ext cx="0" cy="0"/>
-          <a:chOff x="0" y="0"/>
-          <a:chExt cx="0" cy="0"/>
-        </a:xfrm>
-      </p:grpSpPr>
-      <p:pic>
-        <p:nvPicPr>
-          <p:cNvPr id="2050" name="Picture 2" descr="Definition &#10;Example &#10;Autologous &#10;Refers to the process involving the use of &#10;a person's own tissues or cells. It's &#10;commonly used in medical procedures &#10;like autologous transfusions or grafts, &#10;where the donor and recipient are the &#10;same person. &#10;Mostly used in medical and biological &#10;contexts. &#10;An autologous blood transfusion is a &#10;procedure where a person receives their &#10;own blood, reducing the risk of many &#10;infectious complications associated with &#10;allogenic (from a different person) blood &#10;transfusions. &#10;Refers to a process or device that &#10;operates independently with little or no &#10;human control. It's commonly used in the &#10;context of machines, systems or &#10;processes that can operate without direct &#10;human intervention. &#10;Broadly used in technology, engineering, &#10;computing, and other fields where &#10;machinery and processes can function &#10;independently. &#10;An automatic door is a door that opens &#10;automatically when a person approaches &#10;it and closes once the person has passed &#10;through. ">
-            <a:extLst>
-              <a:ext uri="{FF2B5EF4-FFF2-40B4-BE49-F238E27FC236}">
-                <a16:creationId xmlns:a16="http://schemas.microsoft.com/office/drawing/2014/main" id="{8E0A50F0-9B27-4D75-BD82-CC8DB52C8038}"/>
-              </a:ext>
-            </a:extLst>
-          </p:cNvPr>
-          <p:cNvPicPr>
-            <a:picLocks noGrp="1" noChangeAspect="1" noChangeArrowheads="1"/>
-          </p:cNvPicPr>
-          <p:nvPr>
-            <p:ph idx="1"/>
-          </p:nvPr>
-        </p:nvPicPr>
-        <p:blipFill>
-          <a:blip r:embed="rId2">
-            <a:extLst>
-              <a:ext uri="{28A0092B-C50C-407E-A947-70E740481C1C}">
-                <a14:useLocalDpi xmlns:a14="http://schemas.microsoft.com/office/drawing/2010/main" val="0"/>
-              </a:ext>
-            </a:extLst>
-          </a:blip>
-          <a:srcRect/>
-          <a:stretch>
-            <a:fillRect/>
-          </a:stretch>
-        </p:blipFill>
-        <p:spPr bwMode="auto">
-          <a:xfrm>
-            <a:off x="1125464" y="365125"/>
-            <a:ext cx="9646000" cy="6450466"/>
-          </a:xfrm>
-          <a:prstGeom prst="rect">
-            <a:avLst/>
-          </a:prstGeom>
-          <a:noFill/>
-          <a:extLst>
-            <a:ext uri="{909E8E84-426E-40DD-AFC4-6F175D3DCCD1}">
-              <a14:hiddenFill xmlns:a14="http://schemas.microsoft.com/office/drawing/2010/main">
-                <a:solidFill>
-                  <a:srgbClr val="FFFFFF"/>
-                </a:solidFill>
-              </a14:hiddenFill>
-            </a:ext>
-          </a:extLst>
-        </p:spPr>
-      </p:pic>
-    </p:spTree>
-    <p:extLst>
-      <p:ext uri="{BB962C8B-B14F-4D97-AF65-F5344CB8AC3E}">
-        <p14:creationId xmlns:p14="http://schemas.microsoft.com/office/powerpoint/2010/main" val="2511391791"/>
       </p:ext>
     </p:extLst>
   </p:cSld>

--- a/AI_01_Introduction_A_terminology.pptx
+++ b/AI_01_Introduction_A_terminology.pptx
@@ -20,12 +20,13 @@
     <p:sldId id="342" r:id="rId14"/>
     <p:sldId id="345" r:id="rId15"/>
     <p:sldId id="343" r:id="rId16"/>
-    <p:sldId id="346" r:id="rId17"/>
-    <p:sldId id="357" r:id="rId18"/>
-    <p:sldId id="363" r:id="rId19"/>
-    <p:sldId id="364" r:id="rId20"/>
-    <p:sldId id="344" r:id="rId21"/>
-    <p:sldId id="260" r:id="rId22"/>
+    <p:sldId id="365" r:id="rId17"/>
+    <p:sldId id="346" r:id="rId18"/>
+    <p:sldId id="357" r:id="rId19"/>
+    <p:sldId id="363" r:id="rId20"/>
+    <p:sldId id="364" r:id="rId21"/>
+    <p:sldId id="344" r:id="rId22"/>
+    <p:sldId id="260" r:id="rId23"/>
   </p:sldIdLst>
   <p:sldSz cx="12192000" cy="6858000"/>
   <p:notesSz cx="6858000" cy="9144000"/>
@@ -279,7 +280,7 @@
           <a:p>
             <a:fld id="{676C8480-AC08-4ADD-91BB-93FB44DD4096}" type="datetimeFigureOut">
               <a:rPr lang="ko-KR" altLang="en-US" smtClean="0"/>
-              <a:t>2023-07-20</a:t>
+              <a:t>2023-07-23</a:t>
             </a:fld>
             <a:endParaRPr lang="ko-KR" altLang="en-US"/>
           </a:p>
@@ -477,7 +478,7 @@
           <a:p>
             <a:fld id="{676C8480-AC08-4ADD-91BB-93FB44DD4096}" type="datetimeFigureOut">
               <a:rPr lang="ko-KR" altLang="en-US" smtClean="0"/>
-              <a:t>2023-07-20</a:t>
+              <a:t>2023-07-23</a:t>
             </a:fld>
             <a:endParaRPr lang="ko-KR" altLang="en-US"/>
           </a:p>
@@ -685,7 +686,7 @@
           <a:p>
             <a:fld id="{676C8480-AC08-4ADD-91BB-93FB44DD4096}" type="datetimeFigureOut">
               <a:rPr lang="ko-KR" altLang="en-US" smtClean="0"/>
-              <a:t>2023-07-20</a:t>
+              <a:t>2023-07-23</a:t>
             </a:fld>
             <a:endParaRPr lang="ko-KR" altLang="en-US"/>
           </a:p>
@@ -883,7 +884,7 @@
           <a:p>
             <a:fld id="{676C8480-AC08-4ADD-91BB-93FB44DD4096}" type="datetimeFigureOut">
               <a:rPr lang="ko-KR" altLang="en-US" smtClean="0"/>
-              <a:t>2023-07-20</a:t>
+              <a:t>2023-07-23</a:t>
             </a:fld>
             <a:endParaRPr lang="ko-KR" altLang="en-US"/>
           </a:p>
@@ -1158,7 +1159,7 @@
           <a:p>
             <a:fld id="{676C8480-AC08-4ADD-91BB-93FB44DD4096}" type="datetimeFigureOut">
               <a:rPr lang="ko-KR" altLang="en-US" smtClean="0"/>
-              <a:t>2023-07-20</a:t>
+              <a:t>2023-07-23</a:t>
             </a:fld>
             <a:endParaRPr lang="ko-KR" altLang="en-US"/>
           </a:p>
@@ -1423,7 +1424,7 @@
           <a:p>
             <a:fld id="{676C8480-AC08-4ADD-91BB-93FB44DD4096}" type="datetimeFigureOut">
               <a:rPr lang="ko-KR" altLang="en-US" smtClean="0"/>
-              <a:t>2023-07-20</a:t>
+              <a:t>2023-07-23</a:t>
             </a:fld>
             <a:endParaRPr lang="ko-KR" altLang="en-US"/>
           </a:p>
@@ -1835,7 +1836,7 @@
           <a:p>
             <a:fld id="{676C8480-AC08-4ADD-91BB-93FB44DD4096}" type="datetimeFigureOut">
               <a:rPr lang="ko-KR" altLang="en-US" smtClean="0"/>
-              <a:t>2023-07-20</a:t>
+              <a:t>2023-07-23</a:t>
             </a:fld>
             <a:endParaRPr lang="ko-KR" altLang="en-US"/>
           </a:p>
@@ -1976,7 +1977,7 @@
           <a:p>
             <a:fld id="{676C8480-AC08-4ADD-91BB-93FB44DD4096}" type="datetimeFigureOut">
               <a:rPr lang="ko-KR" altLang="en-US" smtClean="0"/>
-              <a:t>2023-07-20</a:t>
+              <a:t>2023-07-23</a:t>
             </a:fld>
             <a:endParaRPr lang="ko-KR" altLang="en-US"/>
           </a:p>
@@ -2089,7 +2090,7 @@
           <a:p>
             <a:fld id="{676C8480-AC08-4ADD-91BB-93FB44DD4096}" type="datetimeFigureOut">
               <a:rPr lang="ko-KR" altLang="en-US" smtClean="0"/>
-              <a:t>2023-07-20</a:t>
+              <a:t>2023-07-23</a:t>
             </a:fld>
             <a:endParaRPr lang="ko-KR" altLang="en-US"/>
           </a:p>
@@ -2400,7 +2401,7 @@
           <a:p>
             <a:fld id="{676C8480-AC08-4ADD-91BB-93FB44DD4096}" type="datetimeFigureOut">
               <a:rPr lang="ko-KR" altLang="en-US" smtClean="0"/>
-              <a:t>2023-07-20</a:t>
+              <a:t>2023-07-23</a:t>
             </a:fld>
             <a:endParaRPr lang="ko-KR" altLang="en-US"/>
           </a:p>
@@ -2688,7 +2689,7 @@
           <a:p>
             <a:fld id="{676C8480-AC08-4ADD-91BB-93FB44DD4096}" type="datetimeFigureOut">
               <a:rPr lang="ko-KR" altLang="en-US" smtClean="0"/>
-              <a:t>2023-07-20</a:t>
+              <a:t>2023-07-23</a:t>
             </a:fld>
             <a:endParaRPr lang="ko-KR" altLang="en-US"/>
           </a:p>
@@ -2929,7 +2930,7 @@
           <a:p>
             <a:fld id="{676C8480-AC08-4ADD-91BB-93FB44DD4096}" type="datetimeFigureOut">
               <a:rPr lang="ko-KR" altLang="en-US" smtClean="0"/>
-              <a:t>2023-07-20</a:t>
+              <a:t>2023-07-23</a:t>
             </a:fld>
             <a:endParaRPr lang="ko-KR" altLang="en-US"/>
           </a:p>
@@ -7588,6 +7589,135 @@
           <a:chExt cx="0" cy="0"/>
         </a:xfrm>
       </p:grpSpPr>
+      <p:sp>
+        <p:nvSpPr>
+          <p:cNvPr id="2" name="제목 1">
+            <a:extLst>
+              <a:ext uri="{FF2B5EF4-FFF2-40B4-BE49-F238E27FC236}">
+                <a16:creationId xmlns:a16="http://schemas.microsoft.com/office/drawing/2014/main" id="{AB855CA6-4B66-4609-9861-6810B30599AD}"/>
+              </a:ext>
+            </a:extLst>
+          </p:cNvPr>
+          <p:cNvSpPr>
+            <a:spLocks noGrp="1"/>
+          </p:cNvSpPr>
+          <p:nvPr>
+            <p:ph type="title"/>
+          </p:nvPr>
+        </p:nvSpPr>
+        <p:spPr/>
+        <p:txBody>
+          <a:bodyPr/>
+          <a:lstStyle/>
+          <a:p>
+            <a:r>
+              <a:rPr lang="en-US" altLang="ko-KR" dirty="0"/>
+              <a:t>singularity</a:t>
+            </a:r>
+            <a:endParaRPr lang="ko-KR" altLang="en-US" dirty="0"/>
+          </a:p>
+        </p:txBody>
+      </p:sp>
+      <p:sp>
+        <p:nvSpPr>
+          <p:cNvPr id="3" name="내용 개체 틀 2">
+            <a:extLst>
+              <a:ext uri="{FF2B5EF4-FFF2-40B4-BE49-F238E27FC236}">
+                <a16:creationId xmlns:a16="http://schemas.microsoft.com/office/drawing/2014/main" id="{1B9795ED-68C4-42FC-8FC5-EF99F8A19F93}"/>
+              </a:ext>
+            </a:extLst>
+          </p:cNvPr>
+          <p:cNvSpPr>
+            <a:spLocks noGrp="1"/>
+          </p:cNvSpPr>
+          <p:nvPr>
+            <p:ph idx="1"/>
+          </p:nvPr>
+        </p:nvSpPr>
+        <p:spPr/>
+        <p:txBody>
+          <a:bodyPr/>
+          <a:lstStyle/>
+          <a:p>
+            <a:r>
+              <a:rPr lang="ko-KR" altLang="en-US" dirty="0"/>
+              <a:t>양적 팽창을 하다가 질적인 도약을 하는 특정 시점을 말한다</a:t>
+            </a:r>
+            <a:r>
+              <a:rPr lang="en-US" altLang="ko-KR" dirty="0"/>
+              <a:t>. </a:t>
+            </a:r>
+          </a:p>
+          <a:p>
+            <a:endParaRPr lang="en-US" altLang="ko-KR" dirty="0"/>
+          </a:p>
+          <a:p>
+            <a:r>
+              <a:rPr lang="ko-KR" altLang="en-US" dirty="0"/>
+              <a:t>인공지능</a:t>
+            </a:r>
+            <a:r>
+              <a:rPr lang="en-US" altLang="ko-KR" dirty="0"/>
+              <a:t>(AI)</a:t>
+            </a:r>
+            <a:r>
+              <a:rPr lang="ko-KR" altLang="en-US" dirty="0"/>
+              <a:t>이 비약적으로 발전을 해서 인류의 지능을 초월해 스스로 진화해 가는 기점</a:t>
+            </a:r>
+            <a:r>
+              <a:rPr lang="en-US" altLang="ko-KR" dirty="0"/>
+              <a:t>(</a:t>
+            </a:r>
+            <a:r>
+              <a:rPr lang="ko-KR" altLang="en-US" dirty="0"/>
+              <a:t>기술적 특이점</a:t>
+            </a:r>
+            <a:r>
+              <a:rPr lang="en-US" altLang="ko-KR" dirty="0"/>
+              <a:t>)</a:t>
+            </a:r>
+            <a:r>
+              <a:rPr lang="ko-KR" altLang="en-US" dirty="0"/>
+              <a:t>을 뜻하기도 한다</a:t>
+            </a:r>
+            <a:r>
+              <a:rPr lang="en-US" altLang="ko-KR" dirty="0"/>
+              <a:t>.</a:t>
+            </a:r>
+            <a:endParaRPr lang="ko-KR" altLang="en-US" dirty="0"/>
+          </a:p>
+        </p:txBody>
+      </p:sp>
+    </p:spTree>
+    <p:extLst>
+      <p:ext uri="{BB962C8B-B14F-4D97-AF65-F5344CB8AC3E}">
+        <p14:creationId xmlns:p14="http://schemas.microsoft.com/office/powerpoint/2010/main" val="182522797"/>
+      </p:ext>
+    </p:extLst>
+  </p:cSld>
+  <p:clrMapOvr>
+    <a:masterClrMapping/>
+  </p:clrMapOvr>
+</p:sld>
+</file>
+
+<file path=ppt/slides/slide17.xml><?xml version="1.0" encoding="utf-8"?>
+<p:sld xmlns:a="http://schemas.openxmlformats.org/drawingml/2006/main" xmlns:r="http://schemas.openxmlformats.org/officeDocument/2006/relationships" xmlns:p="http://schemas.openxmlformats.org/presentationml/2006/main">
+  <p:cSld>
+    <p:spTree>
+      <p:nvGrpSpPr>
+        <p:cNvPr id="1" name=""/>
+        <p:cNvGrpSpPr/>
+        <p:nvPr/>
+      </p:nvGrpSpPr>
+      <p:grpSpPr>
+        <a:xfrm>
+          <a:off x="0" y="0"/>
+          <a:ext cx="0" cy="0"/>
+          <a:chOff x="0" y="0"/>
+          <a:chExt cx="0" cy="0"/>
+        </a:xfrm>
+      </p:grpSpPr>
       <p:graphicFrame>
         <p:nvGraphicFramePr>
           <p:cNvPr id="4" name="표 3">
@@ -7603,14 +7733,14 @@
           <p:nvPr>
             <p:extLst>
               <p:ext uri="{D42A27DB-BD31-4B8C-83A1-F6EECF244321}">
-                <p14:modId xmlns:p14="http://schemas.microsoft.com/office/powerpoint/2010/main" val="3275206579"/>
+                <p14:modId xmlns:p14="http://schemas.microsoft.com/office/powerpoint/2010/main" val="1852427240"/>
               </p:ext>
             </p:extLst>
           </p:nvPr>
         </p:nvGraphicFramePr>
         <p:xfrm>
-          <a:off x="1149292" y="897621"/>
-          <a:ext cx="10307209" cy="4940809"/>
+          <a:off x="942395" y="2098039"/>
+          <a:ext cx="10307209" cy="2055049"/>
         </p:xfrm>
         <a:graphic>
           <a:graphicData uri="http://schemas.openxmlformats.org/drawingml/2006/table">
@@ -7639,7 +7769,7 @@
                   </a:extLst>
                 </a:gridCol>
               </a:tblGrid>
-              <a:tr h="533646">
+              <a:tr h="0">
                 <a:tc>
                   <a:txBody>
                     <a:bodyPr/>
@@ -7765,13 +7895,16 @@
                     <a:p>
                       <a:pPr algn="ctr" rtl="0" fontAlgn="b"/>
                       <a:r>
-                        <a:rPr lang="en-US" sz="1400" dirty="0">
+                        <a:rPr lang="en-US" sz="2000" dirty="0">
                           <a:solidFill>
-                            <a:schemeClr val="tx1"/>
+                            <a:schemeClr val="bg1"/>
                           </a:solidFill>
                           <a:effectLst/>
+                          <a:highlight>
+                            <a:srgbClr val="0000FF"/>
+                          </a:highlight>
                         </a:rPr>
-                        <a:t>Tuning</a:t>
+                        <a:t>…Tuning…</a:t>
                       </a:r>
                     </a:p>
                   </a:txBody>
@@ -7820,7 +7953,7 @@
                   </a:ext>
                 </a:extLst>
               </a:tr>
-              <a:tr h="909262">
+              <a:tr h="838302">
                 <a:tc>
                   <a:txBody>
                     <a:bodyPr/>
@@ -7954,18 +8087,18 @@
                     <a:p>
                       <a:pPr rtl="0" fontAlgn="b"/>
                       <a:r>
-                        <a:rPr lang="en-US" sz="1400" dirty="0">
+                        <a:rPr lang="en-US" sz="1800" dirty="0">
                           <a:effectLst/>
                         </a:rPr>
                         <a:t>Sub-</a:t>
                       </a:r>
                       <a:r>
-                        <a:rPr lang="en-US" sz="1400" dirty="0" err="1">
+                        <a:rPr lang="en-US" sz="1800" dirty="0" err="1">
                           <a:effectLst/>
                         </a:rPr>
                         <a:t>speciality</a:t>
                       </a:r>
-                      <a:endParaRPr lang="en-US" sz="1400" dirty="0">
+                      <a:endParaRPr lang="en-US" sz="1800" dirty="0">
                         <a:effectLst/>
                       </a:endParaRPr>
                     </a:p>
@@ -8015,7 +8148,7 @@
                   </a:ext>
                 </a:extLst>
               </a:tr>
-              <a:tr h="947956">
+              <a:tr h="873977">
                 <a:tc>
                   <a:txBody>
                     <a:bodyPr/>
@@ -8166,7 +8299,7 @@
                     <a:p>
                       <a:pPr rtl="0" fontAlgn="b"/>
                       <a:r>
-                        <a:rPr lang="en-US" sz="1400" b="0" dirty="0">
+                        <a:rPr lang="en-US" sz="1800" b="0" dirty="0">
                           <a:solidFill>
                             <a:srgbClr val="1F1F1F"/>
                           </a:solidFill>
@@ -8225,741 +8358,6 @@
                   </a:ext>
                 </a:extLst>
               </a:tr>
-              <a:tr h="689257">
-                <a:tc>
-                  <a:txBody>
-                    <a:bodyPr/>
-                    <a:lstStyle/>
-                    <a:p>
-                      <a:pPr rtl="0" fontAlgn="b"/>
-                      <a:endParaRPr lang="ko-KR" altLang="en-US" sz="1800">
-                        <a:effectLst/>
-                      </a:endParaRPr>
-                    </a:p>
-                  </a:txBody>
-                  <a:tcPr marL="28477" marR="28477" marT="18985" marB="18985" anchor="b">
-                    <a:lnL w="9525" cap="flat" cmpd="sng" algn="ctr">
-                      <a:solidFill>
-                        <a:srgbClr val="CCCCCC"/>
-                      </a:solidFill>
-                      <a:prstDash val="solid"/>
-                      <a:round/>
-                      <a:headEnd type="none" w="med" len="med"/>
-                      <a:tailEnd type="none" w="med" len="med"/>
-                    </a:lnL>
-                    <a:lnR w="9525" cap="flat" cmpd="sng" algn="ctr">
-                      <a:solidFill>
-                        <a:srgbClr val="CCCCCC"/>
-                      </a:solidFill>
-                      <a:prstDash val="solid"/>
-                      <a:round/>
-                      <a:headEnd type="none" w="med" len="med"/>
-                      <a:tailEnd type="none" w="med" len="med"/>
-                    </a:lnR>
-                    <a:lnT w="9525" cap="flat" cmpd="sng" algn="ctr">
-                      <a:solidFill>
-                        <a:srgbClr val="CCCCCC"/>
-                      </a:solidFill>
-                      <a:prstDash val="solid"/>
-                      <a:round/>
-                      <a:headEnd type="none" w="med" len="med"/>
-                      <a:tailEnd type="none" w="med" len="med"/>
-                    </a:lnT>
-                    <a:lnB w="9525" cap="flat" cmpd="sng" algn="ctr">
-                      <a:solidFill>
-                        <a:srgbClr val="D04BC0"/>
-                      </a:solidFill>
-                      <a:prstDash val="solid"/>
-                      <a:round/>
-                      <a:headEnd type="none" w="med" len="med"/>
-                      <a:tailEnd type="none" w="med" len="med"/>
-                    </a:lnB>
-                  </a:tcPr>
-                </a:tc>
-                <a:tc>
-                  <a:txBody>
-                    <a:bodyPr/>
-                    <a:lstStyle/>
-                    <a:p>
-                      <a:pPr rtl="0" fontAlgn="b"/>
-                      <a:endParaRPr lang="ko-KR" altLang="en-US" sz="1800" dirty="0">
-                        <a:effectLst/>
-                      </a:endParaRPr>
-                    </a:p>
-                  </a:txBody>
-                  <a:tcPr marL="28477" marR="28477" marT="18985" marB="18985" anchor="b">
-                    <a:lnL w="9525" cap="flat" cmpd="sng" algn="ctr">
-                      <a:solidFill>
-                        <a:srgbClr val="CCCCCC"/>
-                      </a:solidFill>
-                      <a:prstDash val="solid"/>
-                      <a:round/>
-                      <a:headEnd type="none" w="med" len="med"/>
-                      <a:tailEnd type="none" w="med" len="med"/>
-                    </a:lnL>
-                    <a:lnR w="9525" cap="flat" cmpd="sng" algn="ctr">
-                      <a:solidFill>
-                        <a:srgbClr val="CCCCCC"/>
-                      </a:solidFill>
-                      <a:prstDash val="solid"/>
-                      <a:round/>
-                      <a:headEnd type="none" w="med" len="med"/>
-                      <a:tailEnd type="none" w="med" len="med"/>
-                    </a:lnR>
-                    <a:lnT w="9525" cap="flat" cmpd="sng" algn="ctr">
-                      <a:solidFill>
-                        <a:srgbClr val="CCCCCC"/>
-                      </a:solidFill>
-                      <a:prstDash val="solid"/>
-                      <a:round/>
-                      <a:headEnd type="none" w="med" len="med"/>
-                      <a:tailEnd type="none" w="med" len="med"/>
-                    </a:lnT>
-                    <a:lnB w="9525" cap="flat" cmpd="sng" algn="ctr">
-                      <a:solidFill>
-                        <a:srgbClr val="304DC0"/>
-                      </a:solidFill>
-                      <a:prstDash val="solid"/>
-                      <a:round/>
-                      <a:headEnd type="none" w="med" len="med"/>
-                      <a:tailEnd type="none" w="med" len="med"/>
-                    </a:lnB>
-                  </a:tcPr>
-                </a:tc>
-                <a:tc>
-                  <a:txBody>
-                    <a:bodyPr/>
-                    <a:lstStyle/>
-                    <a:p>
-                      <a:pPr rtl="0" fontAlgn="b"/>
-                      <a:endParaRPr lang="ko-KR" altLang="en-US" sz="1800" dirty="0">
-                        <a:effectLst/>
-                      </a:endParaRPr>
-                    </a:p>
-                  </a:txBody>
-                  <a:tcPr marL="28477" marR="28477" marT="18985" marB="18985" anchor="b">
-                    <a:lnL w="9525" cap="flat" cmpd="sng" algn="ctr">
-                      <a:solidFill>
-                        <a:srgbClr val="CCCCCC"/>
-                      </a:solidFill>
-                      <a:prstDash val="solid"/>
-                      <a:round/>
-                      <a:headEnd type="none" w="med" len="med"/>
-                      <a:tailEnd type="none" w="med" len="med"/>
-                    </a:lnL>
-                    <a:lnR w="9525" cap="flat" cmpd="sng" algn="ctr">
-                      <a:solidFill>
-                        <a:srgbClr val="CCCCCC"/>
-                      </a:solidFill>
-                      <a:prstDash val="solid"/>
-                      <a:round/>
-                      <a:headEnd type="none" w="med" len="med"/>
-                      <a:tailEnd type="none" w="med" len="med"/>
-                    </a:lnR>
-                    <a:lnT w="9525" cap="flat" cmpd="sng" algn="ctr">
-                      <a:solidFill>
-                        <a:srgbClr val="CCCCCC"/>
-                      </a:solidFill>
-                      <a:prstDash val="solid"/>
-                      <a:round/>
-                      <a:headEnd type="none" w="med" len="med"/>
-                      <a:tailEnd type="none" w="med" len="med"/>
-                    </a:lnT>
-                    <a:lnB w="9525" cap="flat" cmpd="sng" algn="ctr">
-                      <a:solidFill>
-                        <a:srgbClr val="3052C0"/>
-                      </a:solidFill>
-                      <a:prstDash val="solid"/>
-                      <a:round/>
-                      <a:headEnd type="none" w="med" len="med"/>
-                      <a:tailEnd type="none" w="med" len="med"/>
-                    </a:lnB>
-                  </a:tcPr>
-                </a:tc>
-                <a:extLst>
-                  <a:ext uri="{0D108BD9-81ED-4DB2-BD59-A6C34878D82A}">
-                    <a16:rowId xmlns:a16="http://schemas.microsoft.com/office/drawing/2014/main" val="2685815603"/>
-                  </a:ext>
-                </a:extLst>
-              </a:tr>
-              <a:tr h="436227">
-                <a:tc gridSpan="3">
-                  <a:txBody>
-                    <a:bodyPr/>
-                    <a:lstStyle/>
-                    <a:p>
-                      <a:pPr rtl="0" fontAlgn="b"/>
-                      <a:r>
-                        <a:rPr lang="en-US" sz="900" dirty="0">
-                          <a:effectLst/>
-                        </a:rPr>
-                        <a:t>learning is all about equipping a person to tackle not just today’s issues, but preparing him/her to creatively come up with ways to tackle tomorrow’s issues.</a:t>
-                      </a:r>
-                    </a:p>
-                  </a:txBody>
-                  <a:tcPr marL="28477" marR="28477" marT="18985" marB="18985" anchor="b">
-                    <a:lnL w="9525" cap="flat" cmpd="sng" algn="ctr">
-                      <a:solidFill>
-                        <a:srgbClr val="D04BC0"/>
-                      </a:solidFill>
-                      <a:prstDash val="solid"/>
-                      <a:round/>
-                      <a:headEnd type="none" w="med" len="med"/>
-                      <a:tailEnd type="none" w="med" len="med"/>
-                    </a:lnL>
-                    <a:lnR w="9525" cap="flat" cmpd="sng" algn="ctr">
-                      <a:solidFill>
-                        <a:srgbClr val="3052C0"/>
-                      </a:solidFill>
-                      <a:prstDash val="solid"/>
-                      <a:round/>
-                      <a:headEnd type="none" w="med" len="med"/>
-                      <a:tailEnd type="none" w="med" len="med"/>
-                    </a:lnR>
-                    <a:lnT w="9525" cap="flat" cmpd="sng" algn="ctr">
-                      <a:solidFill>
-                        <a:srgbClr val="D04BC0"/>
-                      </a:solidFill>
-                      <a:prstDash val="solid"/>
-                      <a:round/>
-                      <a:headEnd type="none" w="med" len="med"/>
-                      <a:tailEnd type="none" w="med" len="med"/>
-                    </a:lnT>
-                    <a:lnB w="9525" cap="flat" cmpd="sng" algn="ctr">
-                      <a:solidFill>
-                        <a:srgbClr val="B058C0"/>
-                      </a:solidFill>
-                      <a:prstDash val="solid"/>
-                      <a:round/>
-                      <a:headEnd type="none" w="med" len="med"/>
-                      <a:tailEnd type="none" w="med" len="med"/>
-                    </a:lnB>
-                  </a:tcPr>
-                </a:tc>
-                <a:tc hMerge="1">
-                  <a:txBody>
-                    <a:bodyPr/>
-                    <a:lstStyle/>
-                    <a:p>
-                      <a:pPr rtl="0" fontAlgn="b"/>
-                      <a:endParaRPr lang="ko-KR" altLang="en-US" sz="1800" dirty="0">
-                        <a:effectLst/>
-                      </a:endParaRPr>
-                    </a:p>
-                  </a:txBody>
-                  <a:tcPr marL="28477" marR="28477" marT="18985" marB="18985" anchor="b">
-                    <a:lnL w="9525" cap="flat" cmpd="sng" algn="ctr">
-                      <a:solidFill>
-                        <a:srgbClr val="304DC0"/>
-                      </a:solidFill>
-                      <a:prstDash val="solid"/>
-                      <a:round/>
-                      <a:headEnd type="none" w="med" len="med"/>
-                      <a:tailEnd type="none" w="med" len="med"/>
-                    </a:lnL>
-                    <a:lnR w="9525" cap="flat" cmpd="sng" algn="ctr">
-                      <a:solidFill>
-                        <a:srgbClr val="3052C0"/>
-                      </a:solidFill>
-                      <a:prstDash val="solid"/>
-                      <a:round/>
-                      <a:headEnd type="none" w="med" len="med"/>
-                      <a:tailEnd type="none" w="med" len="med"/>
-                    </a:lnR>
-                    <a:lnT w="9525" cap="flat" cmpd="sng" algn="ctr">
-                      <a:solidFill>
-                        <a:srgbClr val="304DC0"/>
-                      </a:solidFill>
-                      <a:prstDash val="solid"/>
-                      <a:round/>
-                      <a:headEnd type="none" w="med" len="med"/>
-                      <a:tailEnd type="none" w="med" len="med"/>
-                    </a:lnT>
-                    <a:lnB w="9525" cap="flat" cmpd="sng" algn="ctr">
-                      <a:solidFill>
-                        <a:srgbClr val="80CDBD"/>
-                      </a:solidFill>
-                      <a:prstDash val="solid"/>
-                      <a:round/>
-                      <a:headEnd type="none" w="med" len="med"/>
-                      <a:tailEnd type="none" w="med" len="med"/>
-                    </a:lnB>
-                  </a:tcPr>
-                </a:tc>
-                <a:tc hMerge="1">
-                  <a:txBody>
-                    <a:bodyPr/>
-                    <a:lstStyle/>
-                    <a:p>
-                      <a:pPr rtl="0" fontAlgn="b"/>
-                      <a:endParaRPr lang="ko-KR" altLang="en-US" sz="1800" dirty="0">
-                        <a:effectLst/>
-                      </a:endParaRPr>
-                    </a:p>
-                  </a:txBody>
-                  <a:tcPr marL="28477" marR="28477" marT="18985" marB="18985" anchor="b">
-                    <a:lnL w="9525" cap="flat" cmpd="sng" algn="ctr">
-                      <a:solidFill>
-                        <a:srgbClr val="3052C0"/>
-                      </a:solidFill>
-                      <a:prstDash val="solid"/>
-                      <a:round/>
-                      <a:headEnd type="none" w="med" len="med"/>
-                      <a:tailEnd type="none" w="med" len="med"/>
-                    </a:lnL>
-                    <a:lnR w="9525" cap="flat" cmpd="sng" algn="ctr">
-                      <a:solidFill>
-                        <a:srgbClr val="3052C0"/>
-                      </a:solidFill>
-                      <a:prstDash val="solid"/>
-                      <a:round/>
-                      <a:headEnd type="none" w="med" len="med"/>
-                      <a:tailEnd type="none" w="med" len="med"/>
-                    </a:lnR>
-                    <a:lnT w="9525" cap="flat" cmpd="sng" algn="ctr">
-                      <a:solidFill>
-                        <a:srgbClr val="3052C0"/>
-                      </a:solidFill>
-                      <a:prstDash val="solid"/>
-                      <a:round/>
-                      <a:headEnd type="none" w="med" len="med"/>
-                      <a:tailEnd type="none" w="med" len="med"/>
-                    </a:lnT>
-                    <a:lnB w="9525" cap="flat" cmpd="sng" algn="ctr">
-                      <a:solidFill>
-                        <a:srgbClr val="CCCCCC"/>
-                      </a:solidFill>
-                      <a:prstDash val="solid"/>
-                      <a:round/>
-                      <a:headEnd type="none" w="med" len="med"/>
-                      <a:tailEnd type="none" w="med" len="med"/>
-                    </a:lnB>
-                  </a:tcPr>
-                </a:tc>
-                <a:extLst>
-                  <a:ext uri="{0D108BD9-81ED-4DB2-BD59-A6C34878D82A}">
-                    <a16:rowId xmlns:a16="http://schemas.microsoft.com/office/drawing/2014/main" val="4009742421"/>
-                  </a:ext>
-                </a:extLst>
-              </a:tr>
-              <a:tr h="436229">
-                <a:tc gridSpan="3">
-                  <a:txBody>
-                    <a:bodyPr/>
-                    <a:lstStyle/>
-                    <a:p>
-                      <a:pPr rtl="0" fontAlgn="b"/>
-                      <a:r>
-                        <a:rPr lang="en-US" sz="900" b="0" dirty="0">
-                          <a:solidFill>
-                            <a:srgbClr val="212529"/>
-                          </a:solidFill>
-                          <a:effectLst/>
-                          <a:latin typeface="Roboto Slab"/>
-                        </a:rPr>
-                        <a:t>Training, on the other hand, focuses more on the development of new skills or skill sets that will be used.</a:t>
-                      </a:r>
-                    </a:p>
-                  </a:txBody>
-                  <a:tcPr marL="0" marR="0" marT="18985" marB="18985" anchor="b">
-                    <a:lnL w="9525" cap="flat" cmpd="sng" algn="ctr">
-                      <a:solidFill>
-                        <a:srgbClr val="B058C0"/>
-                      </a:solidFill>
-                      <a:prstDash val="solid"/>
-                      <a:round/>
-                      <a:headEnd type="none" w="med" len="med"/>
-                      <a:tailEnd type="none" w="med" len="med"/>
-                    </a:lnL>
-                    <a:lnR w="9525" cap="flat" cmpd="sng" algn="ctr">
-                      <a:solidFill>
-                        <a:srgbClr val="CCCCCC"/>
-                      </a:solidFill>
-                      <a:prstDash val="solid"/>
-                      <a:round/>
-                      <a:headEnd type="none" w="med" len="med"/>
-                      <a:tailEnd type="none" w="med" len="med"/>
-                    </a:lnR>
-                    <a:lnT w="9525" cap="flat" cmpd="sng" algn="ctr">
-                      <a:solidFill>
-                        <a:srgbClr val="B058C0"/>
-                      </a:solidFill>
-                      <a:prstDash val="solid"/>
-                      <a:round/>
-                      <a:headEnd type="none" w="med" len="med"/>
-                      <a:tailEnd type="none" w="med" len="med"/>
-                    </a:lnT>
-                    <a:lnB w="9525" cap="flat" cmpd="sng" algn="ctr">
-                      <a:solidFill>
-                        <a:srgbClr val="40C9BD"/>
-                      </a:solidFill>
-                      <a:prstDash val="solid"/>
-                      <a:round/>
-                      <a:headEnd type="none" w="med" len="med"/>
-                      <a:tailEnd type="none" w="med" len="med"/>
-                    </a:lnB>
-                    <a:solidFill>
-                      <a:srgbClr val="FFFFFF"/>
-                    </a:solidFill>
-                  </a:tcPr>
-                </a:tc>
-                <a:tc hMerge="1">
-                  <a:txBody>
-                    <a:bodyPr/>
-                    <a:lstStyle/>
-                    <a:p>
-                      <a:pPr rtl="0" fontAlgn="b"/>
-                      <a:endParaRPr lang="ko-KR" altLang="en-US" sz="1800" dirty="0">
-                        <a:effectLst/>
-                      </a:endParaRPr>
-                    </a:p>
-                  </a:txBody>
-                  <a:tcPr marL="28477" marR="28477" marT="18985" marB="18985" anchor="b">
-                    <a:lnL w="9525" cap="flat" cmpd="sng" algn="ctr">
-                      <a:solidFill>
-                        <a:srgbClr val="80CDBD"/>
-                      </a:solidFill>
-                      <a:prstDash val="solid"/>
-                      <a:round/>
-                      <a:headEnd type="none" w="med" len="med"/>
-                      <a:tailEnd type="none" w="med" len="med"/>
-                    </a:lnL>
-                    <a:lnR w="9525" cap="flat" cmpd="sng" algn="ctr">
-                      <a:solidFill>
-                        <a:srgbClr val="CCCCCC"/>
-                      </a:solidFill>
-                      <a:prstDash val="solid"/>
-                      <a:round/>
-                      <a:headEnd type="none" w="med" len="med"/>
-                      <a:tailEnd type="none" w="med" len="med"/>
-                    </a:lnR>
-                    <a:lnT w="9525" cap="flat" cmpd="sng" algn="ctr">
-                      <a:solidFill>
-                        <a:srgbClr val="80CDBD"/>
-                      </a:solidFill>
-                      <a:prstDash val="solid"/>
-                      <a:round/>
-                      <a:headEnd type="none" w="med" len="med"/>
-                      <a:tailEnd type="none" w="med" len="med"/>
-                    </a:lnT>
-                    <a:lnB w="9525" cap="flat" cmpd="sng" algn="ctr">
-                      <a:solidFill>
-                        <a:srgbClr val="C0CEBD"/>
-                      </a:solidFill>
-                      <a:prstDash val="solid"/>
-                      <a:round/>
-                      <a:headEnd type="none" w="med" len="med"/>
-                      <a:tailEnd type="none" w="med" len="med"/>
-                    </a:lnB>
-                  </a:tcPr>
-                </a:tc>
-                <a:tc hMerge="1">
-                  <a:txBody>
-                    <a:bodyPr/>
-                    <a:lstStyle/>
-                    <a:p>
-                      <a:pPr rtl="0" fontAlgn="b"/>
-                      <a:endParaRPr lang="ko-KR" altLang="en-US" sz="1800" dirty="0">
-                        <a:effectLst/>
-                      </a:endParaRPr>
-                    </a:p>
-                  </a:txBody>
-                  <a:tcPr marL="28477" marR="28477" marT="18985" marB="18985" anchor="b">
-                    <a:lnL w="9525" cap="flat" cmpd="sng" algn="ctr">
-                      <a:solidFill>
-                        <a:srgbClr val="CCCCCC"/>
-                      </a:solidFill>
-                      <a:prstDash val="solid"/>
-                      <a:round/>
-                      <a:headEnd type="none" w="med" len="med"/>
-                      <a:tailEnd type="none" w="med" len="med"/>
-                    </a:lnL>
-                    <a:lnR w="9525" cap="flat" cmpd="sng" algn="ctr">
-                      <a:solidFill>
-                        <a:srgbClr val="CCCCCC"/>
-                      </a:solidFill>
-                      <a:prstDash val="solid"/>
-                      <a:round/>
-                      <a:headEnd type="none" w="med" len="med"/>
-                      <a:tailEnd type="none" w="med" len="med"/>
-                    </a:lnR>
-                    <a:lnT w="9525" cap="flat" cmpd="sng" algn="ctr">
-                      <a:solidFill>
-                        <a:srgbClr val="CCCCCC"/>
-                      </a:solidFill>
-                      <a:prstDash val="solid"/>
-                      <a:round/>
-                      <a:headEnd type="none" w="med" len="med"/>
-                      <a:tailEnd type="none" w="med" len="med"/>
-                    </a:lnT>
-                    <a:lnB w="9525" cap="flat" cmpd="sng" algn="ctr">
-                      <a:solidFill>
-                        <a:srgbClr val="E0D5BD"/>
-                      </a:solidFill>
-                      <a:prstDash val="solid"/>
-                      <a:round/>
-                      <a:headEnd type="none" w="med" len="med"/>
-                      <a:tailEnd type="none" w="med" len="med"/>
-                    </a:lnB>
-                  </a:tcPr>
-                </a:tc>
-                <a:extLst>
-                  <a:ext uri="{0D108BD9-81ED-4DB2-BD59-A6C34878D82A}">
-                    <a16:rowId xmlns:a16="http://schemas.microsoft.com/office/drawing/2014/main" val="2008205409"/>
-                  </a:ext>
-                </a:extLst>
-              </a:tr>
-              <a:tr h="494116">
-                <a:tc gridSpan="3">
-                  <a:txBody>
-                    <a:bodyPr/>
-                    <a:lstStyle/>
-                    <a:p>
-                      <a:pPr rtl="0" fontAlgn="b"/>
-                      <a:r>
-                        <a:rPr lang="en-US" sz="900" dirty="0">
-                          <a:solidFill>
-                            <a:srgbClr val="282829"/>
-                          </a:solidFill>
-                          <a:effectLst/>
-                        </a:rPr>
-                        <a:t>tuning is for the training of hyper parameters of a model, parameters that somehow can't or are not efficient to be optimized for with the optimization algorithm used for training.</a:t>
-                      </a:r>
-                    </a:p>
-                  </a:txBody>
-                  <a:tcPr marL="0" marR="0" marT="18985" marB="18985" anchor="b">
-                    <a:lnL w="9525" cap="flat" cmpd="sng" algn="ctr">
-                      <a:solidFill>
-                        <a:srgbClr val="40C9BD"/>
-                      </a:solidFill>
-                      <a:prstDash val="solid"/>
-                      <a:round/>
-                      <a:headEnd type="none" w="med" len="med"/>
-                      <a:tailEnd type="none" w="med" len="med"/>
-                    </a:lnL>
-                    <a:lnR w="9525" cap="flat" cmpd="sng" algn="ctr">
-                      <a:solidFill>
-                        <a:srgbClr val="E0D5BD"/>
-                      </a:solidFill>
-                      <a:prstDash val="solid"/>
-                      <a:round/>
-                      <a:headEnd type="none" w="med" len="med"/>
-                      <a:tailEnd type="none" w="med" len="med"/>
-                    </a:lnR>
-                    <a:lnT w="9525" cap="flat" cmpd="sng" algn="ctr">
-                      <a:solidFill>
-                        <a:srgbClr val="40C9BD"/>
-                      </a:solidFill>
-                      <a:prstDash val="solid"/>
-                      <a:round/>
-                      <a:headEnd type="none" w="med" len="med"/>
-                      <a:tailEnd type="none" w="med" len="med"/>
-                    </a:lnT>
-                    <a:lnB w="9525" cap="flat" cmpd="sng" algn="ctr">
-                      <a:solidFill>
-                        <a:srgbClr val="40C9BD"/>
-                      </a:solidFill>
-                      <a:prstDash val="solid"/>
-                      <a:round/>
-                      <a:headEnd type="none" w="med" len="med"/>
-                      <a:tailEnd type="none" w="med" len="med"/>
-                    </a:lnB>
-                    <a:solidFill>
-                      <a:srgbClr val="FFFFFF"/>
-                    </a:solidFill>
-                  </a:tcPr>
-                </a:tc>
-                <a:tc hMerge="1">
-                  <a:txBody>
-                    <a:bodyPr/>
-                    <a:lstStyle/>
-                    <a:p>
-                      <a:pPr rtl="0" fontAlgn="b"/>
-                      <a:endParaRPr lang="ko-KR" altLang="en-US" sz="1800" dirty="0">
-                        <a:effectLst/>
-                      </a:endParaRPr>
-                    </a:p>
-                  </a:txBody>
-                  <a:tcPr marL="28477" marR="28477" marT="18985" marB="18985" anchor="b">
-                    <a:lnL w="9525" cap="flat" cmpd="sng" algn="ctr">
-                      <a:solidFill>
-                        <a:srgbClr val="C0CEBD"/>
-                      </a:solidFill>
-                      <a:prstDash val="solid"/>
-                      <a:round/>
-                      <a:headEnd type="none" w="med" len="med"/>
-                      <a:tailEnd type="none" w="med" len="med"/>
-                    </a:lnL>
-                    <a:lnR w="9525" cap="flat" cmpd="sng" algn="ctr">
-                      <a:solidFill>
-                        <a:srgbClr val="E0D5BD"/>
-                      </a:solidFill>
-                      <a:prstDash val="solid"/>
-                      <a:round/>
-                      <a:headEnd type="none" w="med" len="med"/>
-                      <a:tailEnd type="none" w="med" len="med"/>
-                    </a:lnR>
-                    <a:lnT w="9525" cap="flat" cmpd="sng" algn="ctr">
-                      <a:solidFill>
-                        <a:srgbClr val="C0CEBD"/>
-                      </a:solidFill>
-                      <a:prstDash val="solid"/>
-                      <a:round/>
-                      <a:headEnd type="none" w="med" len="med"/>
-                      <a:tailEnd type="none" w="med" len="med"/>
-                    </a:lnT>
-                    <a:lnB w="9525" cap="flat" cmpd="sng" algn="ctr">
-                      <a:solidFill>
-                        <a:srgbClr val="C0CEBD"/>
-                      </a:solidFill>
-                      <a:prstDash val="solid"/>
-                      <a:round/>
-                      <a:headEnd type="none" w="med" len="med"/>
-                      <a:tailEnd type="none" w="med" len="med"/>
-                    </a:lnB>
-                  </a:tcPr>
-                </a:tc>
-                <a:tc hMerge="1">
-                  <a:txBody>
-                    <a:bodyPr/>
-                    <a:lstStyle/>
-                    <a:p>
-                      <a:pPr rtl="0" fontAlgn="b"/>
-                      <a:endParaRPr lang="ko-KR" altLang="en-US" sz="1800" dirty="0">
-                        <a:effectLst/>
-                      </a:endParaRPr>
-                    </a:p>
-                  </a:txBody>
-                  <a:tcPr marL="28477" marR="28477" marT="18985" marB="18985" anchor="b">
-                    <a:lnL w="9525" cap="flat" cmpd="sng" algn="ctr">
-                      <a:solidFill>
-                        <a:srgbClr val="E0D5BD"/>
-                      </a:solidFill>
-                      <a:prstDash val="solid"/>
-                      <a:round/>
-                      <a:headEnd type="none" w="med" len="med"/>
-                      <a:tailEnd type="none" w="med" len="med"/>
-                    </a:lnL>
-                    <a:lnR w="9525" cap="flat" cmpd="sng" algn="ctr">
-                      <a:solidFill>
-                        <a:srgbClr val="E0D5BD"/>
-                      </a:solidFill>
-                      <a:prstDash val="solid"/>
-                      <a:round/>
-                      <a:headEnd type="none" w="med" len="med"/>
-                      <a:tailEnd type="none" w="med" len="med"/>
-                    </a:lnR>
-                    <a:lnT w="9525" cap="flat" cmpd="sng" algn="ctr">
-                      <a:solidFill>
-                        <a:srgbClr val="E0D5BD"/>
-                      </a:solidFill>
-                      <a:prstDash val="solid"/>
-                      <a:round/>
-                      <a:headEnd type="none" w="med" len="med"/>
-                      <a:tailEnd type="none" w="med" len="med"/>
-                    </a:lnT>
-                    <a:lnB w="9525" cap="flat" cmpd="sng" algn="ctr">
-                      <a:solidFill>
-                        <a:srgbClr val="E0D5BD"/>
-                      </a:solidFill>
-                      <a:prstDash val="solid"/>
-                      <a:round/>
-                      <a:headEnd type="none" w="med" len="med"/>
-                      <a:tailEnd type="none" w="med" len="med"/>
-                    </a:lnB>
-                  </a:tcPr>
-                </a:tc>
-                <a:extLst>
-                  <a:ext uri="{0D108BD9-81ED-4DB2-BD59-A6C34878D82A}">
-                    <a16:rowId xmlns:a16="http://schemas.microsoft.com/office/drawing/2014/main" val="1561102119"/>
-                  </a:ext>
-                </a:extLst>
-              </a:tr>
-              <a:tr h="494116">
-                <a:tc gridSpan="3">
-                  <a:txBody>
-                    <a:bodyPr/>
-                    <a:lstStyle/>
-                    <a:p>
-                      <a:pPr rtl="0" fontAlgn="b"/>
-                      <a:endParaRPr lang="en-US" sz="900" dirty="0">
-                        <a:solidFill>
-                          <a:srgbClr val="282829"/>
-                        </a:solidFill>
-                        <a:effectLst/>
-                      </a:endParaRPr>
-                    </a:p>
-                  </a:txBody>
-                  <a:tcPr marL="0" marR="0" marT="18985" marB="18985" anchor="b">
-                    <a:lnL w="9525" cap="flat" cmpd="sng" algn="ctr">
-                      <a:solidFill>
-                        <a:srgbClr val="40C9BD"/>
-                      </a:solidFill>
-                      <a:prstDash val="solid"/>
-                      <a:round/>
-                      <a:headEnd type="none" w="med" len="med"/>
-                      <a:tailEnd type="none" w="med" len="med"/>
-                    </a:lnL>
-                    <a:lnR w="9525" cap="flat" cmpd="sng" algn="ctr">
-                      <a:solidFill>
-                        <a:srgbClr val="E0D5BD"/>
-                      </a:solidFill>
-                      <a:prstDash val="solid"/>
-                      <a:round/>
-                      <a:headEnd type="none" w="med" len="med"/>
-                      <a:tailEnd type="none" w="med" len="med"/>
-                    </a:lnR>
-                    <a:lnT w="9525" cap="flat" cmpd="sng" algn="ctr">
-                      <a:solidFill>
-                        <a:srgbClr val="40C9BD"/>
-                      </a:solidFill>
-                      <a:prstDash val="solid"/>
-                      <a:round/>
-                      <a:headEnd type="none" w="med" len="med"/>
-                      <a:tailEnd type="none" w="med" len="med"/>
-                    </a:lnT>
-                    <a:lnB w="9525" cap="flat" cmpd="sng" algn="ctr">
-                      <a:solidFill>
-                        <a:srgbClr val="40C9BD"/>
-                      </a:solidFill>
-                      <a:prstDash val="solid"/>
-                      <a:round/>
-                      <a:headEnd type="none" w="med" len="med"/>
-                      <a:tailEnd type="none" w="med" len="med"/>
-                    </a:lnB>
-                    <a:solidFill>
-                      <a:srgbClr val="FFFFFF"/>
-                    </a:solidFill>
-                  </a:tcPr>
-                </a:tc>
-                <a:tc hMerge="1">
-                  <a:txBody>
-                    <a:bodyPr/>
-                    <a:lstStyle/>
-                    <a:p>
-                      <a:pPr latinLnBrk="1"/>
-                      <a:endParaRPr lang="ko-KR" altLang="en-US"/>
-                    </a:p>
-                  </a:txBody>
-                  <a:tcPr/>
-                </a:tc>
-                <a:tc hMerge="1">
-                  <a:txBody>
-                    <a:bodyPr/>
-                    <a:lstStyle/>
-                    <a:p>
-                      <a:pPr latinLnBrk="1"/>
-                      <a:endParaRPr lang="ko-KR" altLang="en-US"/>
-                    </a:p>
-                  </a:txBody>
-                  <a:tcPr/>
-                </a:tc>
-                <a:extLst>
-                  <a:ext uri="{0D108BD9-81ED-4DB2-BD59-A6C34878D82A}">
-                    <a16:rowId xmlns:a16="http://schemas.microsoft.com/office/drawing/2014/main" val="2451662151"/>
-                  </a:ext>
-                </a:extLst>
-              </a:tr>
             </a:tbl>
           </a:graphicData>
         </a:graphic>
@@ -8977,7 +8375,7 @@
 </p:sld>
 </file>
 
-<file path=ppt/slides/slide17.xml><?xml version="1.0" encoding="utf-8"?>
+<file path=ppt/slides/slide18.xml><?xml version="1.0" encoding="utf-8"?>
 <p:sld xmlns:a="http://schemas.openxmlformats.org/drawingml/2006/main" xmlns:r="http://schemas.openxmlformats.org/officeDocument/2006/relationships" xmlns:p="http://schemas.openxmlformats.org/presentationml/2006/main">
   <p:cSld>
     <p:spTree>
@@ -9085,7 +8483,7 @@
 </p:sld>
 </file>
 
-<file path=ppt/slides/slide18.xml><?xml version="1.0" encoding="utf-8"?>
+<file path=ppt/slides/slide19.xml><?xml version="1.0" encoding="utf-8"?>
 <p:sld xmlns:a="http://schemas.openxmlformats.org/drawingml/2006/main" xmlns:r="http://schemas.openxmlformats.org/officeDocument/2006/relationships" xmlns:p="http://schemas.openxmlformats.org/presentationml/2006/main">
   <p:cSld>
     <p:spTree>
@@ -9494,7 +8892,1501 @@
 </p:sld>
 </file>
 
-<file path=ppt/slides/slide19.xml><?xml version="1.0" encoding="utf-8"?>
+<file path=ppt/slides/slide2.xml><?xml version="1.0" encoding="utf-8"?>
+<p:sld xmlns:a="http://schemas.openxmlformats.org/drawingml/2006/main" xmlns:r="http://schemas.openxmlformats.org/officeDocument/2006/relationships" xmlns:p="http://schemas.openxmlformats.org/presentationml/2006/main">
+  <p:cSld>
+    <p:spTree>
+      <p:nvGrpSpPr>
+        <p:cNvPr id="1" name=""/>
+        <p:cNvGrpSpPr/>
+        <p:nvPr/>
+      </p:nvGrpSpPr>
+      <p:grpSpPr>
+        <a:xfrm>
+          <a:off x="0" y="0"/>
+          <a:ext cx="0" cy="0"/>
+          <a:chOff x="0" y="0"/>
+          <a:chExt cx="0" cy="0"/>
+        </a:xfrm>
+      </p:grpSpPr>
+      <p:sp>
+        <p:nvSpPr>
+          <p:cNvPr id="4" name="직사각형 3">
+            <a:extLst>
+              <a:ext uri="{FF2B5EF4-FFF2-40B4-BE49-F238E27FC236}">
+                <a16:creationId xmlns:a16="http://schemas.microsoft.com/office/drawing/2014/main" id="{03369733-1D7A-413E-ACA1-18D6B4C2A308}"/>
+              </a:ext>
+            </a:extLst>
+          </p:cNvPr>
+          <p:cNvSpPr/>
+          <p:nvPr/>
+        </p:nvSpPr>
+        <p:spPr>
+          <a:xfrm>
+            <a:off x="3102220" y="1138601"/>
+            <a:ext cx="1776046" cy="465993"/>
+          </a:xfrm>
+          <a:prstGeom prst="rect">
+            <a:avLst/>
+          </a:prstGeom>
+        </p:spPr>
+        <p:style>
+          <a:lnRef idx="2">
+            <a:schemeClr val="accent1">
+              <a:shade val="50000"/>
+            </a:schemeClr>
+          </a:lnRef>
+          <a:fillRef idx="1">
+            <a:schemeClr val="accent1"/>
+          </a:fillRef>
+          <a:effectRef idx="0">
+            <a:schemeClr val="accent1"/>
+          </a:effectRef>
+          <a:fontRef idx="minor">
+            <a:schemeClr val="lt1"/>
+          </a:fontRef>
+        </p:style>
+        <p:txBody>
+          <a:bodyPr rtlCol="0" anchor="ctr"/>
+          <a:lstStyle/>
+          <a:p>
+            <a:pPr algn="ctr"/>
+            <a:r>
+              <a:rPr lang="en-US" altLang="ko-KR" dirty="0"/>
+              <a:t>DeepMind</a:t>
+            </a:r>
+            <a:endParaRPr lang="ko-KR" altLang="en-US" dirty="0"/>
+          </a:p>
+        </p:txBody>
+      </p:sp>
+      <p:sp>
+        <p:nvSpPr>
+          <p:cNvPr id="5" name="직사각형 4">
+            <a:extLst>
+              <a:ext uri="{FF2B5EF4-FFF2-40B4-BE49-F238E27FC236}">
+                <a16:creationId xmlns:a16="http://schemas.microsoft.com/office/drawing/2014/main" id="{245D836C-C39E-4F72-B375-9C83FAF66733}"/>
+              </a:ext>
+            </a:extLst>
+          </p:cNvPr>
+          <p:cNvSpPr/>
+          <p:nvPr/>
+        </p:nvSpPr>
+        <p:spPr>
+          <a:xfrm>
+            <a:off x="6048061" y="3550607"/>
+            <a:ext cx="1776046" cy="465993"/>
+          </a:xfrm>
+          <a:prstGeom prst="rect">
+            <a:avLst/>
+          </a:prstGeom>
+        </p:spPr>
+        <p:style>
+          <a:lnRef idx="2">
+            <a:schemeClr val="accent1">
+              <a:shade val="50000"/>
+            </a:schemeClr>
+          </a:lnRef>
+          <a:fillRef idx="1">
+            <a:schemeClr val="accent1"/>
+          </a:fillRef>
+          <a:effectRef idx="0">
+            <a:schemeClr val="accent1"/>
+          </a:effectRef>
+          <a:fontRef idx="minor">
+            <a:schemeClr val="lt1"/>
+          </a:fontRef>
+        </p:style>
+        <p:txBody>
+          <a:bodyPr rtlCol="0" anchor="ctr"/>
+          <a:lstStyle/>
+          <a:p>
+            <a:pPr algn="ctr"/>
+            <a:r>
+              <a:rPr lang="en-US" altLang="ko-KR" dirty="0" err="1"/>
+              <a:t>OpenAI</a:t>
+            </a:r>
+            <a:endParaRPr lang="ko-KR" altLang="en-US" dirty="0"/>
+          </a:p>
+        </p:txBody>
+      </p:sp>
+      <p:sp>
+        <p:nvSpPr>
+          <p:cNvPr id="6" name="직사각형 5">
+            <a:extLst>
+              <a:ext uri="{FF2B5EF4-FFF2-40B4-BE49-F238E27FC236}">
+                <a16:creationId xmlns:a16="http://schemas.microsoft.com/office/drawing/2014/main" id="{FBA80506-C03E-4F5E-AE7A-6E84588FC2BB}"/>
+              </a:ext>
+            </a:extLst>
+          </p:cNvPr>
+          <p:cNvSpPr/>
+          <p:nvPr/>
+        </p:nvSpPr>
+        <p:spPr>
+          <a:xfrm>
+            <a:off x="1337066" y="2696348"/>
+            <a:ext cx="2003236" cy="465993"/>
+          </a:xfrm>
+          <a:prstGeom prst="rect">
+            <a:avLst/>
+          </a:prstGeom>
+        </p:spPr>
+        <p:style>
+          <a:lnRef idx="2">
+            <a:schemeClr val="accent1">
+              <a:shade val="50000"/>
+            </a:schemeClr>
+          </a:lnRef>
+          <a:fillRef idx="1">
+            <a:schemeClr val="accent1"/>
+          </a:fillRef>
+          <a:effectRef idx="0">
+            <a:schemeClr val="accent1"/>
+          </a:effectRef>
+          <a:fontRef idx="minor">
+            <a:schemeClr val="lt1"/>
+          </a:fontRef>
+        </p:style>
+        <p:txBody>
+          <a:bodyPr rtlCol="0" anchor="ctr"/>
+          <a:lstStyle/>
+          <a:p>
+            <a:pPr algn="ctr"/>
+            <a:r>
+              <a:rPr lang="en-US" altLang="ko-KR" dirty="0"/>
+              <a:t>Google</a:t>
+            </a:r>
+            <a:endParaRPr lang="ko-KR" altLang="en-US" dirty="0"/>
+          </a:p>
+        </p:txBody>
+      </p:sp>
+      <p:sp>
+        <p:nvSpPr>
+          <p:cNvPr id="7" name="직사각형 6">
+            <a:extLst>
+              <a:ext uri="{FF2B5EF4-FFF2-40B4-BE49-F238E27FC236}">
+                <a16:creationId xmlns:a16="http://schemas.microsoft.com/office/drawing/2014/main" id="{BDB979B4-8A25-4203-8101-D96E9A448E4C}"/>
+              </a:ext>
+            </a:extLst>
+          </p:cNvPr>
+          <p:cNvSpPr/>
+          <p:nvPr/>
+        </p:nvSpPr>
+        <p:spPr>
+          <a:xfrm>
+            <a:off x="9127295" y="4213406"/>
+            <a:ext cx="1776046" cy="465993"/>
+          </a:xfrm>
+          <a:prstGeom prst="rect">
+            <a:avLst/>
+          </a:prstGeom>
+        </p:spPr>
+        <p:style>
+          <a:lnRef idx="2">
+            <a:schemeClr val="accent1">
+              <a:shade val="50000"/>
+            </a:schemeClr>
+          </a:lnRef>
+          <a:fillRef idx="1">
+            <a:schemeClr val="accent1"/>
+          </a:fillRef>
+          <a:effectRef idx="0">
+            <a:schemeClr val="accent1"/>
+          </a:effectRef>
+          <a:fontRef idx="minor">
+            <a:schemeClr val="lt1"/>
+          </a:fontRef>
+        </p:style>
+        <p:txBody>
+          <a:bodyPr rtlCol="0" anchor="ctr"/>
+          <a:lstStyle/>
+          <a:p>
+            <a:pPr algn="ctr"/>
+            <a:r>
+              <a:rPr lang="en-US" altLang="ko-KR" dirty="0"/>
+              <a:t>Twitter</a:t>
+            </a:r>
+            <a:endParaRPr lang="ko-KR" altLang="en-US" dirty="0"/>
+          </a:p>
+        </p:txBody>
+      </p:sp>
+      <p:sp>
+        <p:nvSpPr>
+          <p:cNvPr id="8" name="직사각형 7">
+            <a:extLst>
+              <a:ext uri="{FF2B5EF4-FFF2-40B4-BE49-F238E27FC236}">
+                <a16:creationId xmlns:a16="http://schemas.microsoft.com/office/drawing/2014/main" id="{A498E37E-BB49-4460-B7EA-E28B30712481}"/>
+              </a:ext>
+            </a:extLst>
+          </p:cNvPr>
+          <p:cNvSpPr/>
+          <p:nvPr/>
+        </p:nvSpPr>
+        <p:spPr>
+          <a:xfrm>
+            <a:off x="5080908" y="5116703"/>
+            <a:ext cx="1776046" cy="465993"/>
+          </a:xfrm>
+          <a:prstGeom prst="rect">
+            <a:avLst/>
+          </a:prstGeom>
+        </p:spPr>
+        <p:style>
+          <a:lnRef idx="2">
+            <a:schemeClr val="accent1">
+              <a:shade val="50000"/>
+            </a:schemeClr>
+          </a:lnRef>
+          <a:fillRef idx="1">
+            <a:schemeClr val="accent1"/>
+          </a:fillRef>
+          <a:effectRef idx="0">
+            <a:schemeClr val="accent1"/>
+          </a:effectRef>
+          <a:fontRef idx="minor">
+            <a:schemeClr val="lt1"/>
+          </a:fontRef>
+        </p:style>
+        <p:txBody>
+          <a:bodyPr rtlCol="0" anchor="ctr"/>
+          <a:lstStyle/>
+          <a:p>
+            <a:pPr algn="ctr"/>
+            <a:r>
+              <a:rPr lang="en-US" altLang="ko-KR" dirty="0"/>
+              <a:t>Microsoft</a:t>
+            </a:r>
+            <a:endParaRPr lang="ko-KR" altLang="en-US" dirty="0"/>
+          </a:p>
+        </p:txBody>
+      </p:sp>
+      <p:sp>
+        <p:nvSpPr>
+          <p:cNvPr id="9" name="직사각형 8">
+            <a:extLst>
+              <a:ext uri="{FF2B5EF4-FFF2-40B4-BE49-F238E27FC236}">
+                <a16:creationId xmlns:a16="http://schemas.microsoft.com/office/drawing/2014/main" id="{5BE0D7D7-C452-4BC9-8AF6-BE4A4DF1FB4C}"/>
+              </a:ext>
+            </a:extLst>
+          </p:cNvPr>
+          <p:cNvSpPr/>
+          <p:nvPr/>
+        </p:nvSpPr>
+        <p:spPr>
+          <a:xfrm>
+            <a:off x="9192359" y="6069621"/>
+            <a:ext cx="1776046" cy="465993"/>
+          </a:xfrm>
+          <a:prstGeom prst="rect">
+            <a:avLst/>
+          </a:prstGeom>
+        </p:spPr>
+        <p:style>
+          <a:lnRef idx="2">
+            <a:schemeClr val="accent6">
+              <a:shade val="50000"/>
+            </a:schemeClr>
+          </a:lnRef>
+          <a:fillRef idx="1">
+            <a:schemeClr val="accent6"/>
+          </a:fillRef>
+          <a:effectRef idx="0">
+            <a:schemeClr val="accent6"/>
+          </a:effectRef>
+          <a:fontRef idx="minor">
+            <a:schemeClr val="lt1"/>
+          </a:fontRef>
+        </p:style>
+        <p:txBody>
+          <a:bodyPr rtlCol="0" anchor="ctr"/>
+          <a:lstStyle/>
+          <a:p>
+            <a:pPr algn="ctr"/>
+            <a:r>
+              <a:rPr lang="en-US" altLang="ko-KR" dirty="0"/>
+              <a:t>x.AI</a:t>
+            </a:r>
+            <a:endParaRPr lang="ko-KR" altLang="en-US" dirty="0"/>
+          </a:p>
+        </p:txBody>
+      </p:sp>
+      <p:sp>
+        <p:nvSpPr>
+          <p:cNvPr id="11" name="직사각형 10">
+            <a:extLst>
+              <a:ext uri="{FF2B5EF4-FFF2-40B4-BE49-F238E27FC236}">
+                <a16:creationId xmlns:a16="http://schemas.microsoft.com/office/drawing/2014/main" id="{49E4D080-F9BE-4251-B85A-35E27D82A95B}"/>
+              </a:ext>
+            </a:extLst>
+          </p:cNvPr>
+          <p:cNvSpPr/>
+          <p:nvPr/>
+        </p:nvSpPr>
+        <p:spPr>
+          <a:xfrm>
+            <a:off x="1282810" y="6069621"/>
+            <a:ext cx="2003236" cy="465993"/>
+          </a:xfrm>
+          <a:prstGeom prst="rect">
+            <a:avLst/>
+          </a:prstGeom>
+        </p:spPr>
+        <p:style>
+          <a:lnRef idx="2">
+            <a:schemeClr val="accent6">
+              <a:shade val="50000"/>
+            </a:schemeClr>
+          </a:lnRef>
+          <a:fillRef idx="1">
+            <a:schemeClr val="accent6"/>
+          </a:fillRef>
+          <a:effectRef idx="0">
+            <a:schemeClr val="accent6"/>
+          </a:effectRef>
+          <a:fontRef idx="minor">
+            <a:schemeClr val="lt1"/>
+          </a:fontRef>
+        </p:style>
+        <p:txBody>
+          <a:bodyPr rtlCol="0" anchor="ctr"/>
+          <a:lstStyle/>
+          <a:p>
+            <a:pPr algn="ctr"/>
+            <a:r>
+              <a:rPr lang="en-US" altLang="ko-KR" dirty="0"/>
+              <a:t>Bard</a:t>
+            </a:r>
+            <a:endParaRPr lang="ko-KR" altLang="en-US" dirty="0"/>
+          </a:p>
+        </p:txBody>
+      </p:sp>
+      <p:sp>
+        <p:nvSpPr>
+          <p:cNvPr id="12" name="화살표: 아래쪽 11">
+            <a:extLst>
+              <a:ext uri="{FF2B5EF4-FFF2-40B4-BE49-F238E27FC236}">
+                <a16:creationId xmlns:a16="http://schemas.microsoft.com/office/drawing/2014/main" id="{36325DDE-FD8F-4C26-A222-8EF91BA62528}"/>
+              </a:ext>
+            </a:extLst>
+          </p:cNvPr>
+          <p:cNvSpPr/>
+          <p:nvPr/>
+        </p:nvSpPr>
+        <p:spPr>
+          <a:xfrm>
+            <a:off x="2214392" y="3237724"/>
+            <a:ext cx="110196" cy="2714669"/>
+          </a:xfrm>
+          <a:prstGeom prst="downArrow">
+            <a:avLst/>
+          </a:prstGeom>
+        </p:spPr>
+        <p:style>
+          <a:lnRef idx="2">
+            <a:schemeClr val="accent1">
+              <a:shade val="50000"/>
+            </a:schemeClr>
+          </a:lnRef>
+          <a:fillRef idx="1">
+            <a:schemeClr val="accent1"/>
+          </a:fillRef>
+          <a:effectRef idx="0">
+            <a:schemeClr val="accent1"/>
+          </a:effectRef>
+          <a:fontRef idx="minor">
+            <a:schemeClr val="lt1"/>
+          </a:fontRef>
+        </p:style>
+        <p:txBody>
+          <a:bodyPr rtlCol="0" anchor="ctr"/>
+          <a:lstStyle/>
+          <a:p>
+            <a:pPr algn="ctr"/>
+            <a:endParaRPr lang="ko-KR" altLang="en-US"/>
+          </a:p>
+        </p:txBody>
+      </p:sp>
+      <p:sp>
+        <p:nvSpPr>
+          <p:cNvPr id="13" name="화살표: 아래쪽 12">
+            <a:extLst>
+              <a:ext uri="{FF2B5EF4-FFF2-40B4-BE49-F238E27FC236}">
+                <a16:creationId xmlns:a16="http://schemas.microsoft.com/office/drawing/2014/main" id="{07AE824B-2982-4608-9147-BE3EA27E4191}"/>
+              </a:ext>
+            </a:extLst>
+          </p:cNvPr>
+          <p:cNvSpPr/>
+          <p:nvPr/>
+        </p:nvSpPr>
+        <p:spPr>
+          <a:xfrm flipH="1">
+            <a:off x="5881824" y="5538811"/>
+            <a:ext cx="110195" cy="435563"/>
+          </a:xfrm>
+          <a:prstGeom prst="downArrow">
+            <a:avLst/>
+          </a:prstGeom>
+        </p:spPr>
+        <p:style>
+          <a:lnRef idx="2">
+            <a:schemeClr val="accent1">
+              <a:shade val="50000"/>
+            </a:schemeClr>
+          </a:lnRef>
+          <a:fillRef idx="1">
+            <a:schemeClr val="accent1"/>
+          </a:fillRef>
+          <a:effectRef idx="0">
+            <a:schemeClr val="accent1"/>
+          </a:effectRef>
+          <a:fontRef idx="minor">
+            <a:schemeClr val="lt1"/>
+          </a:fontRef>
+        </p:style>
+        <p:txBody>
+          <a:bodyPr rtlCol="0" anchor="ctr"/>
+          <a:lstStyle/>
+          <a:p>
+            <a:pPr algn="ctr"/>
+            <a:endParaRPr lang="ko-KR" altLang="en-US"/>
+          </a:p>
+        </p:txBody>
+      </p:sp>
+      <p:sp>
+        <p:nvSpPr>
+          <p:cNvPr id="14" name="화살표: 아래쪽 13">
+            <a:extLst>
+              <a:ext uri="{FF2B5EF4-FFF2-40B4-BE49-F238E27FC236}">
+                <a16:creationId xmlns:a16="http://schemas.microsoft.com/office/drawing/2014/main" id="{5BB53BAA-BB8E-49AC-AF67-486BE119BDBA}"/>
+              </a:ext>
+            </a:extLst>
+          </p:cNvPr>
+          <p:cNvSpPr/>
+          <p:nvPr/>
+        </p:nvSpPr>
+        <p:spPr>
+          <a:xfrm>
+            <a:off x="9960220" y="4760401"/>
+            <a:ext cx="110197" cy="1213973"/>
+          </a:xfrm>
+          <a:prstGeom prst="downArrow">
+            <a:avLst/>
+          </a:prstGeom>
+        </p:spPr>
+        <p:style>
+          <a:lnRef idx="2">
+            <a:schemeClr val="accent1">
+              <a:shade val="50000"/>
+            </a:schemeClr>
+          </a:lnRef>
+          <a:fillRef idx="1">
+            <a:schemeClr val="accent1"/>
+          </a:fillRef>
+          <a:effectRef idx="0">
+            <a:schemeClr val="accent1"/>
+          </a:effectRef>
+          <a:fontRef idx="minor">
+            <a:schemeClr val="lt1"/>
+          </a:fontRef>
+        </p:style>
+        <p:txBody>
+          <a:bodyPr rtlCol="0" anchor="ctr"/>
+          <a:lstStyle/>
+          <a:p>
+            <a:pPr algn="ctr"/>
+            <a:endParaRPr lang="ko-KR" altLang="en-US"/>
+          </a:p>
+        </p:txBody>
+      </p:sp>
+      <p:sp>
+        <p:nvSpPr>
+          <p:cNvPr id="15" name="직사각형 14">
+            <a:extLst>
+              <a:ext uri="{FF2B5EF4-FFF2-40B4-BE49-F238E27FC236}">
+                <a16:creationId xmlns:a16="http://schemas.microsoft.com/office/drawing/2014/main" id="{3C00BB09-1286-4653-AA31-39352FD3209D}"/>
+              </a:ext>
+            </a:extLst>
+          </p:cNvPr>
+          <p:cNvSpPr/>
+          <p:nvPr/>
+        </p:nvSpPr>
+        <p:spPr>
+          <a:xfrm>
+            <a:off x="9552843" y="141375"/>
+            <a:ext cx="2089638" cy="461665"/>
+          </a:xfrm>
+          <a:prstGeom prst="rect">
+            <a:avLst/>
+          </a:prstGeom>
+        </p:spPr>
+        <p:txBody>
+          <a:bodyPr wrap="square">
+            <a:spAutoFit/>
+          </a:bodyPr>
+          <a:lstStyle/>
+          <a:p>
+            <a:pPr fontAlgn="ctr"/>
+            <a:r>
+              <a:rPr lang="en-US" altLang="ko-KR" sz="1200" dirty="0"/>
+              <a:t>Artificial Intelligence 1950</a:t>
+            </a:r>
+          </a:p>
+          <a:p>
+            <a:pPr fontAlgn="ctr"/>
+            <a:r>
+              <a:rPr lang="en-US" altLang="ko-KR" sz="1200" dirty="0"/>
+              <a:t>Machine learning</a:t>
+            </a:r>
+            <a:endParaRPr lang="ko-KR" altLang="ko-KR" sz="1200" dirty="0"/>
+          </a:p>
+        </p:txBody>
+      </p:sp>
+      <p:sp>
+        <p:nvSpPr>
+          <p:cNvPr id="16" name="직사각형 15">
+            <a:extLst>
+              <a:ext uri="{FF2B5EF4-FFF2-40B4-BE49-F238E27FC236}">
+                <a16:creationId xmlns:a16="http://schemas.microsoft.com/office/drawing/2014/main" id="{E830D79E-A797-4A05-8B8B-BC871E442459}"/>
+              </a:ext>
+            </a:extLst>
+          </p:cNvPr>
+          <p:cNvSpPr/>
+          <p:nvPr/>
+        </p:nvSpPr>
+        <p:spPr>
+          <a:xfrm>
+            <a:off x="517282" y="141374"/>
+            <a:ext cx="1485900" cy="646331"/>
+          </a:xfrm>
+          <a:prstGeom prst="rect">
+            <a:avLst/>
+          </a:prstGeom>
+        </p:spPr>
+        <p:txBody>
+          <a:bodyPr wrap="square">
+            <a:spAutoFit/>
+          </a:bodyPr>
+          <a:lstStyle/>
+          <a:p>
+            <a:pPr fontAlgn="ctr"/>
+            <a:r>
+              <a:rPr lang="en-US" altLang="ko-KR" sz="1200" dirty="0"/>
+              <a:t>Perceptron 1957</a:t>
+            </a:r>
+          </a:p>
+          <a:p>
+            <a:pPr fontAlgn="ctr"/>
+            <a:r>
+              <a:rPr lang="en-US" altLang="ko-KR" sz="1200" dirty="0"/>
+              <a:t>Neural Networks</a:t>
+            </a:r>
+          </a:p>
+          <a:p>
+            <a:pPr fontAlgn="ctr"/>
+            <a:r>
+              <a:rPr lang="en-US" altLang="ko-KR" sz="1200" dirty="0"/>
+              <a:t>Deep Learning</a:t>
+            </a:r>
+            <a:endParaRPr lang="ko-KR" altLang="ko-KR" sz="1200" dirty="0"/>
+          </a:p>
+        </p:txBody>
+      </p:sp>
+      <p:sp>
+        <p:nvSpPr>
+          <p:cNvPr id="17" name="직사각형 16">
+            <a:extLst>
+              <a:ext uri="{FF2B5EF4-FFF2-40B4-BE49-F238E27FC236}">
+                <a16:creationId xmlns:a16="http://schemas.microsoft.com/office/drawing/2014/main" id="{7EC89886-ED40-4857-BB29-0AB80DB7038F}"/>
+              </a:ext>
+            </a:extLst>
+          </p:cNvPr>
+          <p:cNvSpPr/>
+          <p:nvPr/>
+        </p:nvSpPr>
+        <p:spPr>
+          <a:xfrm>
+            <a:off x="4831374" y="1116619"/>
+            <a:ext cx="2089638" cy="276999"/>
+          </a:xfrm>
+          <a:prstGeom prst="rect">
+            <a:avLst/>
+          </a:prstGeom>
+        </p:spPr>
+        <p:txBody>
+          <a:bodyPr wrap="square">
+            <a:spAutoFit/>
+          </a:bodyPr>
+          <a:lstStyle/>
+          <a:p>
+            <a:pPr fontAlgn="ctr"/>
+            <a:r>
+              <a:rPr lang="en-US" altLang="ko-KR" sz="1200" dirty="0"/>
+              <a:t>2010</a:t>
+            </a:r>
+            <a:endParaRPr lang="ko-KR" altLang="ko-KR" sz="1200" dirty="0"/>
+          </a:p>
+        </p:txBody>
+      </p:sp>
+      <p:sp>
+        <p:nvSpPr>
+          <p:cNvPr id="18" name="직사각형 17">
+            <a:extLst>
+              <a:ext uri="{FF2B5EF4-FFF2-40B4-BE49-F238E27FC236}">
+                <a16:creationId xmlns:a16="http://schemas.microsoft.com/office/drawing/2014/main" id="{D34D4612-5C2F-4C32-B23A-F4337EBAC3D4}"/>
+              </a:ext>
+            </a:extLst>
+          </p:cNvPr>
+          <p:cNvSpPr/>
+          <p:nvPr/>
+        </p:nvSpPr>
+        <p:spPr>
+          <a:xfrm>
+            <a:off x="7824107" y="3506604"/>
+            <a:ext cx="2089638" cy="276999"/>
+          </a:xfrm>
+          <a:prstGeom prst="rect">
+            <a:avLst/>
+          </a:prstGeom>
+        </p:spPr>
+        <p:txBody>
+          <a:bodyPr wrap="square">
+            <a:spAutoFit/>
+          </a:bodyPr>
+          <a:lstStyle/>
+          <a:p>
+            <a:pPr fontAlgn="ctr"/>
+            <a:r>
+              <a:rPr lang="en-US" altLang="ko-KR" sz="1200" dirty="0"/>
+              <a:t>2015 Elon Musk</a:t>
+            </a:r>
+            <a:endParaRPr lang="ko-KR" altLang="ko-KR" sz="1200" dirty="0"/>
+          </a:p>
+        </p:txBody>
+      </p:sp>
+      <p:cxnSp>
+        <p:nvCxnSpPr>
+          <p:cNvPr id="21" name="직선 화살표 연결선 20">
+            <a:extLst>
+              <a:ext uri="{FF2B5EF4-FFF2-40B4-BE49-F238E27FC236}">
+                <a16:creationId xmlns:a16="http://schemas.microsoft.com/office/drawing/2014/main" id="{4DD736BC-91DD-4B3A-A874-7D45FA6A0896}"/>
+              </a:ext>
+            </a:extLst>
+          </p:cNvPr>
+          <p:cNvCxnSpPr/>
+          <p:nvPr/>
+        </p:nvCxnSpPr>
+        <p:spPr>
+          <a:xfrm>
+            <a:off x="1800959" y="668215"/>
+            <a:ext cx="1301261" cy="448404"/>
+          </a:xfrm>
+          <a:prstGeom prst="straightConnector1">
+            <a:avLst/>
+          </a:prstGeom>
+          <a:ln>
+            <a:tailEnd type="triangle"/>
+          </a:ln>
+        </p:spPr>
+        <p:style>
+          <a:lnRef idx="1">
+            <a:schemeClr val="accent1"/>
+          </a:lnRef>
+          <a:fillRef idx="0">
+            <a:schemeClr val="accent1"/>
+          </a:fillRef>
+          <a:effectRef idx="0">
+            <a:schemeClr val="accent1"/>
+          </a:effectRef>
+          <a:fontRef idx="minor">
+            <a:schemeClr val="tx1"/>
+          </a:fontRef>
+        </p:style>
+      </p:cxnSp>
+      <p:cxnSp>
+        <p:nvCxnSpPr>
+          <p:cNvPr id="23" name="직선 화살표 연결선 22">
+            <a:extLst>
+              <a:ext uri="{FF2B5EF4-FFF2-40B4-BE49-F238E27FC236}">
+                <a16:creationId xmlns:a16="http://schemas.microsoft.com/office/drawing/2014/main" id="{5A7A9F46-158B-498A-BB4C-0C874FF01FA6}"/>
+              </a:ext>
+            </a:extLst>
+          </p:cNvPr>
+          <p:cNvCxnSpPr/>
+          <p:nvPr/>
+        </p:nvCxnSpPr>
+        <p:spPr>
+          <a:xfrm flipH="1">
+            <a:off x="5370636" y="372207"/>
+            <a:ext cx="4097215" cy="882911"/>
+          </a:xfrm>
+          <a:prstGeom prst="straightConnector1">
+            <a:avLst/>
+          </a:prstGeom>
+          <a:ln>
+            <a:tailEnd type="triangle"/>
+          </a:ln>
+        </p:spPr>
+        <p:style>
+          <a:lnRef idx="1">
+            <a:schemeClr val="accent1"/>
+          </a:lnRef>
+          <a:fillRef idx="0">
+            <a:schemeClr val="accent1"/>
+          </a:fillRef>
+          <a:effectRef idx="0">
+            <a:schemeClr val="accent1"/>
+          </a:effectRef>
+          <a:fontRef idx="minor">
+            <a:schemeClr val="tx1"/>
+          </a:fontRef>
+        </p:style>
+      </p:cxnSp>
+      <p:cxnSp>
+        <p:nvCxnSpPr>
+          <p:cNvPr id="25" name="직선 화살표 연결선 24">
+            <a:extLst>
+              <a:ext uri="{FF2B5EF4-FFF2-40B4-BE49-F238E27FC236}">
+                <a16:creationId xmlns:a16="http://schemas.microsoft.com/office/drawing/2014/main" id="{68A9CB02-02DE-4919-BBE2-B56B18653480}"/>
+              </a:ext>
+            </a:extLst>
+          </p:cNvPr>
+          <p:cNvCxnSpPr>
+            <a:cxnSpLocks/>
+          </p:cNvCxnSpPr>
+          <p:nvPr/>
+        </p:nvCxnSpPr>
+        <p:spPr>
+          <a:xfrm flipH="1">
+            <a:off x="7217559" y="372207"/>
+            <a:ext cx="2250293" cy="3116542"/>
+          </a:xfrm>
+          <a:prstGeom prst="straightConnector1">
+            <a:avLst/>
+          </a:prstGeom>
+          <a:ln>
+            <a:tailEnd type="triangle"/>
+          </a:ln>
+        </p:spPr>
+        <p:style>
+          <a:lnRef idx="1">
+            <a:schemeClr val="accent1"/>
+          </a:lnRef>
+          <a:fillRef idx="0">
+            <a:schemeClr val="accent1"/>
+          </a:fillRef>
+          <a:effectRef idx="0">
+            <a:schemeClr val="accent1"/>
+          </a:effectRef>
+          <a:fontRef idx="minor">
+            <a:schemeClr val="tx1"/>
+          </a:fontRef>
+        </p:style>
+      </p:cxnSp>
+      <p:cxnSp>
+        <p:nvCxnSpPr>
+          <p:cNvPr id="27" name="직선 화살표 연결선 26">
+            <a:extLst>
+              <a:ext uri="{FF2B5EF4-FFF2-40B4-BE49-F238E27FC236}">
+                <a16:creationId xmlns:a16="http://schemas.microsoft.com/office/drawing/2014/main" id="{0700923C-D9AA-448F-99ED-A1B07805DCA9}"/>
+              </a:ext>
+            </a:extLst>
+          </p:cNvPr>
+          <p:cNvCxnSpPr>
+            <a:cxnSpLocks/>
+          </p:cNvCxnSpPr>
+          <p:nvPr/>
+        </p:nvCxnSpPr>
+        <p:spPr>
+          <a:xfrm flipH="1">
+            <a:off x="2451589" y="1179660"/>
+            <a:ext cx="1781798" cy="1434367"/>
+          </a:xfrm>
+          <a:prstGeom prst="straightConnector1">
+            <a:avLst/>
+          </a:prstGeom>
+          <a:ln>
+            <a:tailEnd type="triangle"/>
+          </a:ln>
+        </p:spPr>
+        <p:style>
+          <a:lnRef idx="1">
+            <a:schemeClr val="accent1"/>
+          </a:lnRef>
+          <a:fillRef idx="0">
+            <a:schemeClr val="accent1"/>
+          </a:fillRef>
+          <a:effectRef idx="0">
+            <a:schemeClr val="accent1"/>
+          </a:effectRef>
+          <a:fontRef idx="minor">
+            <a:schemeClr val="tx1"/>
+          </a:fontRef>
+        </p:style>
+      </p:cxnSp>
+      <p:sp>
+        <p:nvSpPr>
+          <p:cNvPr id="28" name="직사각형 27">
+            <a:extLst>
+              <a:ext uri="{FF2B5EF4-FFF2-40B4-BE49-F238E27FC236}">
+                <a16:creationId xmlns:a16="http://schemas.microsoft.com/office/drawing/2014/main" id="{8977EC8D-1637-4A5F-945D-EAB04B0F25F5}"/>
+              </a:ext>
+            </a:extLst>
+          </p:cNvPr>
+          <p:cNvSpPr/>
+          <p:nvPr/>
+        </p:nvSpPr>
+        <p:spPr>
+          <a:xfrm>
+            <a:off x="3300434" y="2614027"/>
+            <a:ext cx="2089638" cy="276999"/>
+          </a:xfrm>
+          <a:prstGeom prst="rect">
+            <a:avLst/>
+          </a:prstGeom>
+        </p:spPr>
+        <p:txBody>
+          <a:bodyPr wrap="square">
+            <a:spAutoFit/>
+          </a:bodyPr>
+          <a:lstStyle/>
+          <a:p>
+            <a:pPr fontAlgn="ctr"/>
+            <a:r>
+              <a:rPr lang="en-US" altLang="ko-KR" sz="1200" dirty="0"/>
+              <a:t>2014</a:t>
+            </a:r>
+            <a:endParaRPr lang="ko-KR" altLang="ko-KR" sz="1200" dirty="0"/>
+          </a:p>
+        </p:txBody>
+      </p:sp>
+      <p:cxnSp>
+        <p:nvCxnSpPr>
+          <p:cNvPr id="31" name="직선 화살표 연결선 30">
+            <a:extLst>
+              <a:ext uri="{FF2B5EF4-FFF2-40B4-BE49-F238E27FC236}">
+                <a16:creationId xmlns:a16="http://schemas.microsoft.com/office/drawing/2014/main" id="{0E810A58-7F50-47E8-A343-D97CF574995D}"/>
+              </a:ext>
+            </a:extLst>
+          </p:cNvPr>
+          <p:cNvCxnSpPr>
+            <a:cxnSpLocks/>
+          </p:cNvCxnSpPr>
+          <p:nvPr/>
+        </p:nvCxnSpPr>
+        <p:spPr>
+          <a:xfrm flipH="1">
+            <a:off x="5968931" y="4111435"/>
+            <a:ext cx="746374" cy="961857"/>
+          </a:xfrm>
+          <a:prstGeom prst="straightConnector1">
+            <a:avLst/>
+          </a:prstGeom>
+          <a:ln>
+            <a:tailEnd type="triangle"/>
+          </a:ln>
+        </p:spPr>
+        <p:style>
+          <a:lnRef idx="1">
+            <a:schemeClr val="accent1"/>
+          </a:lnRef>
+          <a:fillRef idx="0">
+            <a:schemeClr val="accent1"/>
+          </a:fillRef>
+          <a:effectRef idx="0">
+            <a:schemeClr val="accent1"/>
+          </a:effectRef>
+          <a:fontRef idx="minor">
+            <a:schemeClr val="tx1"/>
+          </a:fontRef>
+        </p:style>
+      </p:cxnSp>
+      <p:sp>
+        <p:nvSpPr>
+          <p:cNvPr id="37" name="직사각형 36">
+            <a:extLst>
+              <a:ext uri="{FF2B5EF4-FFF2-40B4-BE49-F238E27FC236}">
+                <a16:creationId xmlns:a16="http://schemas.microsoft.com/office/drawing/2014/main" id="{F83B3876-916C-460C-9D11-CBAB94DA5B33}"/>
+              </a:ext>
+            </a:extLst>
+          </p:cNvPr>
+          <p:cNvSpPr/>
+          <p:nvPr/>
+        </p:nvSpPr>
+        <p:spPr>
+          <a:xfrm>
+            <a:off x="787622" y="3929332"/>
+            <a:ext cx="1485899" cy="646331"/>
+          </a:xfrm>
+          <a:prstGeom prst="rect">
+            <a:avLst/>
+          </a:prstGeom>
+        </p:spPr>
+        <p:txBody>
+          <a:bodyPr wrap="square">
+            <a:spAutoFit/>
+          </a:bodyPr>
+          <a:lstStyle/>
+          <a:p>
+            <a:pPr algn="r" fontAlgn="ctr"/>
+            <a:r>
+              <a:rPr lang="en-US" altLang="ko-KR" sz="1200" dirty="0"/>
+              <a:t>AlphaGo 2016</a:t>
+            </a:r>
+          </a:p>
+          <a:p>
+            <a:pPr algn="r" fontAlgn="ctr"/>
+            <a:r>
+              <a:rPr lang="en-US" altLang="ko-KR" sz="1200" dirty="0" err="1"/>
+              <a:t>AlphaZero</a:t>
+            </a:r>
+            <a:r>
+              <a:rPr lang="en-US" altLang="ko-KR" sz="1200" dirty="0"/>
+              <a:t> 2017</a:t>
+            </a:r>
+          </a:p>
+          <a:p>
+            <a:pPr algn="r" fontAlgn="ctr"/>
+            <a:endParaRPr lang="en-US" altLang="ko-KR" sz="1200" dirty="0"/>
+          </a:p>
+        </p:txBody>
+      </p:sp>
+      <p:cxnSp>
+        <p:nvCxnSpPr>
+          <p:cNvPr id="39" name="직선 화살표 연결선 38">
+            <a:extLst>
+              <a:ext uri="{FF2B5EF4-FFF2-40B4-BE49-F238E27FC236}">
+                <a16:creationId xmlns:a16="http://schemas.microsoft.com/office/drawing/2014/main" id="{9B062B3C-FC24-43BA-9029-6D61C690D5AE}"/>
+              </a:ext>
+            </a:extLst>
+          </p:cNvPr>
+          <p:cNvCxnSpPr>
+            <a:cxnSpLocks/>
+          </p:cNvCxnSpPr>
+          <p:nvPr/>
+        </p:nvCxnSpPr>
+        <p:spPr>
+          <a:xfrm flipV="1">
+            <a:off x="3637149" y="4838266"/>
+            <a:ext cx="2410912" cy="3074"/>
+          </a:xfrm>
+          <a:prstGeom prst="straightConnector1">
+            <a:avLst/>
+          </a:prstGeom>
+          <a:ln>
+            <a:tailEnd type="triangle"/>
+          </a:ln>
+        </p:spPr>
+        <p:style>
+          <a:lnRef idx="1">
+            <a:schemeClr val="accent1"/>
+          </a:lnRef>
+          <a:fillRef idx="0">
+            <a:schemeClr val="accent1"/>
+          </a:fillRef>
+          <a:effectRef idx="0">
+            <a:schemeClr val="accent1"/>
+          </a:effectRef>
+          <a:fontRef idx="minor">
+            <a:schemeClr val="tx1"/>
+          </a:fontRef>
+        </p:style>
+      </p:cxnSp>
+      <p:sp>
+        <p:nvSpPr>
+          <p:cNvPr id="40" name="직사각형 39">
+            <a:extLst>
+              <a:ext uri="{FF2B5EF4-FFF2-40B4-BE49-F238E27FC236}">
+                <a16:creationId xmlns:a16="http://schemas.microsoft.com/office/drawing/2014/main" id="{825166AF-0B64-462F-BCF9-201E29A6571A}"/>
+              </a:ext>
+            </a:extLst>
+          </p:cNvPr>
+          <p:cNvSpPr/>
+          <p:nvPr/>
+        </p:nvSpPr>
+        <p:spPr>
+          <a:xfrm>
+            <a:off x="5144966" y="6069621"/>
+            <a:ext cx="1776046" cy="465993"/>
+          </a:xfrm>
+          <a:prstGeom prst="rect">
+            <a:avLst/>
+          </a:prstGeom>
+        </p:spPr>
+        <p:style>
+          <a:lnRef idx="2">
+            <a:schemeClr val="accent6">
+              <a:shade val="50000"/>
+            </a:schemeClr>
+          </a:lnRef>
+          <a:fillRef idx="1">
+            <a:schemeClr val="accent6"/>
+          </a:fillRef>
+          <a:effectRef idx="0">
+            <a:schemeClr val="accent6"/>
+          </a:effectRef>
+          <a:fontRef idx="minor">
+            <a:schemeClr val="lt1"/>
+          </a:fontRef>
+        </p:style>
+        <p:txBody>
+          <a:bodyPr rtlCol="0" anchor="ctr"/>
+          <a:lstStyle/>
+          <a:p>
+            <a:pPr algn="ctr"/>
+            <a:r>
+              <a:rPr lang="en-US" altLang="ko-KR" dirty="0"/>
+              <a:t>chat GPT</a:t>
+            </a:r>
+            <a:endParaRPr lang="ko-KR" altLang="en-US" dirty="0"/>
+          </a:p>
+        </p:txBody>
+      </p:sp>
+      <p:sp>
+        <p:nvSpPr>
+          <p:cNvPr id="42" name="직사각형 41">
+            <a:extLst>
+              <a:ext uri="{FF2B5EF4-FFF2-40B4-BE49-F238E27FC236}">
+                <a16:creationId xmlns:a16="http://schemas.microsoft.com/office/drawing/2014/main" id="{8202A562-20DB-43B3-93EC-CC2969CAA740}"/>
+              </a:ext>
+            </a:extLst>
+          </p:cNvPr>
+          <p:cNvSpPr/>
+          <p:nvPr/>
+        </p:nvSpPr>
+        <p:spPr>
+          <a:xfrm>
+            <a:off x="3286046" y="6063263"/>
+            <a:ext cx="595489" cy="277000"/>
+          </a:xfrm>
+          <a:prstGeom prst="rect">
+            <a:avLst/>
+          </a:prstGeom>
+        </p:spPr>
+        <p:txBody>
+          <a:bodyPr wrap="square">
+            <a:spAutoFit/>
+          </a:bodyPr>
+          <a:lstStyle/>
+          <a:p>
+            <a:pPr fontAlgn="ctr"/>
+            <a:r>
+              <a:rPr lang="en-US" altLang="ko-KR" sz="1200" dirty="0"/>
+              <a:t>2023</a:t>
+            </a:r>
+            <a:endParaRPr lang="ko-KR" altLang="ko-KR" sz="1200" dirty="0"/>
+          </a:p>
+        </p:txBody>
+      </p:sp>
+      <p:cxnSp>
+        <p:nvCxnSpPr>
+          <p:cNvPr id="51" name="직선 화살표 연결선 50">
+            <a:extLst>
+              <a:ext uri="{FF2B5EF4-FFF2-40B4-BE49-F238E27FC236}">
+                <a16:creationId xmlns:a16="http://schemas.microsoft.com/office/drawing/2014/main" id="{49C9CCF0-7756-4A04-B369-EA4D4AD2BB62}"/>
+              </a:ext>
+            </a:extLst>
+          </p:cNvPr>
+          <p:cNvCxnSpPr>
+            <a:cxnSpLocks/>
+          </p:cNvCxnSpPr>
+          <p:nvPr/>
+        </p:nvCxnSpPr>
+        <p:spPr>
+          <a:xfrm>
+            <a:off x="9127295" y="3744961"/>
+            <a:ext cx="888023" cy="377399"/>
+          </a:xfrm>
+          <a:prstGeom prst="straightConnector1">
+            <a:avLst/>
+          </a:prstGeom>
+          <a:ln>
+            <a:tailEnd type="triangle"/>
+          </a:ln>
+        </p:spPr>
+        <p:style>
+          <a:lnRef idx="1">
+            <a:schemeClr val="accent1"/>
+          </a:lnRef>
+          <a:fillRef idx="0">
+            <a:schemeClr val="accent1"/>
+          </a:fillRef>
+          <a:effectRef idx="0">
+            <a:schemeClr val="accent1"/>
+          </a:effectRef>
+          <a:fontRef idx="minor">
+            <a:schemeClr val="tx1"/>
+          </a:fontRef>
+        </p:style>
+      </p:cxnSp>
+      <p:sp>
+        <p:nvSpPr>
+          <p:cNvPr id="52" name="직사각형 51">
+            <a:extLst>
+              <a:ext uri="{FF2B5EF4-FFF2-40B4-BE49-F238E27FC236}">
+                <a16:creationId xmlns:a16="http://schemas.microsoft.com/office/drawing/2014/main" id="{955EF9FE-3CB4-43A5-BDEA-5613EF01D8F8}"/>
+              </a:ext>
+            </a:extLst>
+          </p:cNvPr>
+          <p:cNvSpPr/>
+          <p:nvPr/>
+        </p:nvSpPr>
+        <p:spPr>
+          <a:xfrm>
+            <a:off x="2209745" y="4702465"/>
+            <a:ext cx="1404231" cy="276999"/>
+          </a:xfrm>
+          <a:prstGeom prst="rect">
+            <a:avLst/>
+          </a:prstGeom>
+        </p:spPr>
+        <p:txBody>
+          <a:bodyPr wrap="none">
+            <a:spAutoFit/>
+          </a:bodyPr>
+          <a:lstStyle/>
+          <a:p>
+            <a:pPr algn="r" fontAlgn="ctr"/>
+            <a:r>
+              <a:rPr lang="en-US" altLang="ko-KR" sz="1200" dirty="0">
+                <a:effectLst>
+                  <a:outerShdw blurRad="38100" dist="38100" dir="2700000" algn="tl">
+                    <a:srgbClr val="000000">
+                      <a:alpha val="43137"/>
+                    </a:srgbClr>
+                  </a:outerShdw>
+                </a:effectLst>
+              </a:rPr>
+              <a:t>Transformer 2018</a:t>
+            </a:r>
+            <a:endParaRPr lang="ko-KR" altLang="ko-KR" sz="1200" dirty="0">
+              <a:effectLst>
+                <a:outerShdw blurRad="38100" dist="38100" dir="2700000" algn="tl">
+                  <a:srgbClr val="000000">
+                    <a:alpha val="43137"/>
+                  </a:srgbClr>
+                </a:outerShdw>
+              </a:effectLst>
+            </a:endParaRPr>
+          </a:p>
+        </p:txBody>
+      </p:sp>
+      <p:sp>
+        <p:nvSpPr>
+          <p:cNvPr id="65" name="직사각형 64">
+            <a:extLst>
+              <a:ext uri="{FF2B5EF4-FFF2-40B4-BE49-F238E27FC236}">
+                <a16:creationId xmlns:a16="http://schemas.microsoft.com/office/drawing/2014/main" id="{9F17BBE1-DB2B-4F29-8BC5-135C4159FB8A}"/>
+              </a:ext>
+            </a:extLst>
+          </p:cNvPr>
+          <p:cNvSpPr/>
+          <p:nvPr/>
+        </p:nvSpPr>
+        <p:spPr>
+          <a:xfrm>
+            <a:off x="3241610" y="1868186"/>
+            <a:ext cx="2007281" cy="276999"/>
+          </a:xfrm>
+          <a:prstGeom prst="rect">
+            <a:avLst/>
+          </a:prstGeom>
+        </p:spPr>
+        <p:txBody>
+          <a:bodyPr wrap="none">
+            <a:spAutoFit/>
+          </a:bodyPr>
+          <a:lstStyle/>
+          <a:p>
+            <a:r>
+              <a:rPr lang="en-US" altLang="ko-KR" sz="1200" dirty="0"/>
+              <a:t>ImageNet Challenge 2012</a:t>
+            </a:r>
+            <a:endParaRPr lang="ko-KR" altLang="en-US" sz="1200" dirty="0"/>
+          </a:p>
+        </p:txBody>
+      </p:sp>
+      <p:sp>
+        <p:nvSpPr>
+          <p:cNvPr id="32" name="직사각형 31">
+            <a:extLst>
+              <a:ext uri="{FF2B5EF4-FFF2-40B4-BE49-F238E27FC236}">
+                <a16:creationId xmlns:a16="http://schemas.microsoft.com/office/drawing/2014/main" id="{2388F914-7DF8-410C-BB50-B4EA486C2634}"/>
+              </a:ext>
+            </a:extLst>
+          </p:cNvPr>
+          <p:cNvSpPr/>
+          <p:nvPr/>
+        </p:nvSpPr>
+        <p:spPr>
+          <a:xfrm>
+            <a:off x="6833958" y="5073292"/>
+            <a:ext cx="2089638" cy="276999"/>
+          </a:xfrm>
+          <a:prstGeom prst="rect">
+            <a:avLst/>
+          </a:prstGeom>
+        </p:spPr>
+        <p:txBody>
+          <a:bodyPr wrap="square">
+            <a:spAutoFit/>
+          </a:bodyPr>
+          <a:lstStyle/>
+          <a:p>
+            <a:pPr fontAlgn="ctr"/>
+            <a:r>
+              <a:rPr lang="en-US" altLang="ko-KR" sz="1200" dirty="0"/>
+              <a:t>2019</a:t>
+            </a:r>
+            <a:endParaRPr lang="ko-KR" altLang="ko-KR" sz="1200" dirty="0"/>
+          </a:p>
+        </p:txBody>
+      </p:sp>
+      <p:sp>
+        <p:nvSpPr>
+          <p:cNvPr id="36" name="직사각형 35">
+            <a:extLst>
+              <a:ext uri="{FF2B5EF4-FFF2-40B4-BE49-F238E27FC236}">
+                <a16:creationId xmlns:a16="http://schemas.microsoft.com/office/drawing/2014/main" id="{F15E46D8-D6D3-428B-8C6C-EDE6070DCF18}"/>
+              </a:ext>
+            </a:extLst>
+          </p:cNvPr>
+          <p:cNvSpPr/>
+          <p:nvPr/>
+        </p:nvSpPr>
+        <p:spPr>
+          <a:xfrm>
+            <a:off x="2238276" y="3550747"/>
+            <a:ext cx="1352165" cy="276999"/>
+          </a:xfrm>
+          <a:prstGeom prst="rect">
+            <a:avLst/>
+          </a:prstGeom>
+        </p:spPr>
+        <p:txBody>
+          <a:bodyPr wrap="none">
+            <a:spAutoFit/>
+          </a:bodyPr>
+          <a:lstStyle/>
+          <a:p>
+            <a:pPr algn="r" fontAlgn="ctr"/>
+            <a:r>
+              <a:rPr lang="en-US" altLang="ko-KR" sz="1200" dirty="0">
+                <a:effectLst>
+                  <a:outerShdw blurRad="38100" dist="38100" dir="2700000" algn="tl">
+                    <a:srgbClr val="000000">
+                      <a:alpha val="43137"/>
+                    </a:srgbClr>
+                  </a:outerShdw>
+                </a:effectLst>
+              </a:rPr>
+              <a:t>TensorFlow 2015</a:t>
+            </a:r>
+            <a:endParaRPr lang="ko-KR" altLang="ko-KR" sz="1200" dirty="0">
+              <a:effectLst>
+                <a:outerShdw blurRad="38100" dist="38100" dir="2700000" algn="tl">
+                  <a:srgbClr val="000000">
+                    <a:alpha val="43137"/>
+                  </a:srgbClr>
+                </a:outerShdw>
+              </a:effectLst>
+            </a:endParaRPr>
+          </a:p>
+        </p:txBody>
+      </p:sp>
+      <p:sp>
+        <p:nvSpPr>
+          <p:cNvPr id="43" name="직사각형 42">
+            <a:extLst>
+              <a:ext uri="{FF2B5EF4-FFF2-40B4-BE49-F238E27FC236}">
+                <a16:creationId xmlns:a16="http://schemas.microsoft.com/office/drawing/2014/main" id="{5B47F0F9-5A22-4381-A238-6C4747582A2D}"/>
+              </a:ext>
+            </a:extLst>
+          </p:cNvPr>
+          <p:cNvSpPr/>
+          <p:nvPr/>
+        </p:nvSpPr>
+        <p:spPr>
+          <a:xfrm>
+            <a:off x="10903341" y="4169402"/>
+            <a:ext cx="595489" cy="276999"/>
+          </a:xfrm>
+          <a:prstGeom prst="rect">
+            <a:avLst/>
+          </a:prstGeom>
+        </p:spPr>
+        <p:txBody>
+          <a:bodyPr wrap="square">
+            <a:spAutoFit/>
+          </a:bodyPr>
+          <a:lstStyle/>
+          <a:p>
+            <a:pPr fontAlgn="ctr"/>
+            <a:r>
+              <a:rPr lang="en-US" altLang="ko-KR" sz="1200" dirty="0"/>
+              <a:t>2021</a:t>
+            </a:r>
+            <a:endParaRPr lang="ko-KR" altLang="ko-KR" sz="1200" dirty="0"/>
+          </a:p>
+        </p:txBody>
+      </p:sp>
+      <p:sp>
+        <p:nvSpPr>
+          <p:cNvPr id="44" name="직사각형 43">
+            <a:extLst>
+              <a:ext uri="{FF2B5EF4-FFF2-40B4-BE49-F238E27FC236}">
+                <a16:creationId xmlns:a16="http://schemas.microsoft.com/office/drawing/2014/main" id="{AC19CD2C-CC17-49C6-9F88-D16CF4F93BD6}"/>
+              </a:ext>
+            </a:extLst>
+          </p:cNvPr>
+          <p:cNvSpPr/>
+          <p:nvPr/>
+        </p:nvSpPr>
+        <p:spPr>
+          <a:xfrm>
+            <a:off x="10980846" y="6025617"/>
+            <a:ext cx="595489" cy="277000"/>
+          </a:xfrm>
+          <a:prstGeom prst="rect">
+            <a:avLst/>
+          </a:prstGeom>
+        </p:spPr>
+        <p:txBody>
+          <a:bodyPr wrap="square">
+            <a:spAutoFit/>
+          </a:bodyPr>
+          <a:lstStyle/>
+          <a:p>
+            <a:pPr fontAlgn="ctr"/>
+            <a:r>
+              <a:rPr lang="en-US" altLang="ko-KR" sz="1200" dirty="0"/>
+              <a:t>2023</a:t>
+            </a:r>
+            <a:endParaRPr lang="ko-KR" altLang="ko-KR" sz="1200" dirty="0"/>
+          </a:p>
+        </p:txBody>
+      </p:sp>
+      <p:sp>
+        <p:nvSpPr>
+          <p:cNvPr id="45" name="직사각형 44">
+            <a:extLst>
+              <a:ext uri="{FF2B5EF4-FFF2-40B4-BE49-F238E27FC236}">
+                <a16:creationId xmlns:a16="http://schemas.microsoft.com/office/drawing/2014/main" id="{1A57F181-8FB9-4176-A058-C6F4E09C78B9}"/>
+              </a:ext>
+            </a:extLst>
+          </p:cNvPr>
+          <p:cNvSpPr/>
+          <p:nvPr/>
+        </p:nvSpPr>
+        <p:spPr>
+          <a:xfrm>
+            <a:off x="6933453" y="6025617"/>
+            <a:ext cx="2089638" cy="276999"/>
+          </a:xfrm>
+          <a:prstGeom prst="rect">
+            <a:avLst/>
+          </a:prstGeom>
+        </p:spPr>
+        <p:txBody>
+          <a:bodyPr wrap="square">
+            <a:spAutoFit/>
+          </a:bodyPr>
+          <a:lstStyle/>
+          <a:p>
+            <a:pPr fontAlgn="ctr"/>
+            <a:r>
+              <a:rPr lang="en-US" altLang="ko-KR" sz="1200" dirty="0"/>
+              <a:t>2018~</a:t>
+            </a:r>
+            <a:endParaRPr lang="ko-KR" altLang="ko-KR" sz="1200" dirty="0"/>
+          </a:p>
+        </p:txBody>
+      </p:sp>
+      <p:cxnSp>
+        <p:nvCxnSpPr>
+          <p:cNvPr id="29" name="직선 화살표 연결선 28">
+            <a:extLst>
+              <a:ext uri="{FF2B5EF4-FFF2-40B4-BE49-F238E27FC236}">
+                <a16:creationId xmlns:a16="http://schemas.microsoft.com/office/drawing/2014/main" id="{E7B1D185-59CB-4F9F-AA9B-D807A7C14FEC}"/>
+              </a:ext>
+            </a:extLst>
+          </p:cNvPr>
+          <p:cNvCxnSpPr>
+            <a:cxnSpLocks/>
+          </p:cNvCxnSpPr>
+          <p:nvPr/>
+        </p:nvCxnSpPr>
+        <p:spPr>
+          <a:xfrm>
+            <a:off x="5144966" y="2145185"/>
+            <a:ext cx="1570339" cy="1283815"/>
+          </a:xfrm>
+          <a:prstGeom prst="straightConnector1">
+            <a:avLst/>
+          </a:prstGeom>
+          <a:ln>
+            <a:gradFill>
+              <a:gsLst>
+                <a:gs pos="41000">
+                  <a:srgbClr val="DAE3F3"/>
+                </a:gs>
+                <a:gs pos="0">
+                  <a:schemeClr val="accent1">
+                    <a:lumMod val="5000"/>
+                    <a:lumOff val="95000"/>
+                  </a:schemeClr>
+                </a:gs>
+                <a:gs pos="74000">
+                  <a:schemeClr val="accent1">
+                    <a:lumMod val="45000"/>
+                    <a:lumOff val="55000"/>
+                  </a:schemeClr>
+                </a:gs>
+                <a:gs pos="83000">
+                  <a:schemeClr val="accent1">
+                    <a:lumMod val="45000"/>
+                    <a:lumOff val="55000"/>
+                  </a:schemeClr>
+                </a:gs>
+                <a:gs pos="100000">
+                  <a:schemeClr val="accent1">
+                    <a:lumMod val="30000"/>
+                    <a:lumOff val="70000"/>
+                  </a:schemeClr>
+                </a:gs>
+              </a:gsLst>
+              <a:lin ang="5400000" scaled="1"/>
+            </a:gradFill>
+            <a:tailEnd type="triangle"/>
+          </a:ln>
+        </p:spPr>
+        <p:style>
+          <a:lnRef idx="1">
+            <a:schemeClr val="accent1"/>
+          </a:lnRef>
+          <a:fillRef idx="0">
+            <a:schemeClr val="accent1"/>
+          </a:fillRef>
+          <a:effectRef idx="0">
+            <a:schemeClr val="accent1"/>
+          </a:effectRef>
+          <a:fontRef idx="minor">
+            <a:schemeClr val="tx1"/>
+          </a:fontRef>
+        </p:style>
+      </p:cxnSp>
+    </p:spTree>
+    <p:extLst>
+      <p:ext uri="{BB962C8B-B14F-4D97-AF65-F5344CB8AC3E}">
+        <p14:creationId xmlns:p14="http://schemas.microsoft.com/office/powerpoint/2010/main" val="4109791516"/>
+      </p:ext>
+    </p:extLst>
+  </p:cSld>
+  <p:clrMapOvr>
+    <a:masterClrMapping/>
+  </p:clrMapOvr>
+</p:sld>
+</file>
+
+<file path=ppt/slides/slide20.xml><?xml version="1.0" encoding="utf-8"?>
 <p:sld xmlns:a="http://schemas.openxmlformats.org/drawingml/2006/main" xmlns:r="http://schemas.openxmlformats.org/officeDocument/2006/relationships" xmlns:p="http://schemas.openxmlformats.org/presentationml/2006/main">
   <p:cSld>
     <p:spTree>
@@ -10124,1501 +11016,7 @@
 </p:sld>
 </file>
 
-<file path=ppt/slides/slide2.xml><?xml version="1.0" encoding="utf-8"?>
-<p:sld xmlns:a="http://schemas.openxmlformats.org/drawingml/2006/main" xmlns:r="http://schemas.openxmlformats.org/officeDocument/2006/relationships" xmlns:p="http://schemas.openxmlformats.org/presentationml/2006/main">
-  <p:cSld>
-    <p:spTree>
-      <p:nvGrpSpPr>
-        <p:cNvPr id="1" name=""/>
-        <p:cNvGrpSpPr/>
-        <p:nvPr/>
-      </p:nvGrpSpPr>
-      <p:grpSpPr>
-        <a:xfrm>
-          <a:off x="0" y="0"/>
-          <a:ext cx="0" cy="0"/>
-          <a:chOff x="0" y="0"/>
-          <a:chExt cx="0" cy="0"/>
-        </a:xfrm>
-      </p:grpSpPr>
-      <p:sp>
-        <p:nvSpPr>
-          <p:cNvPr id="4" name="직사각형 3">
-            <a:extLst>
-              <a:ext uri="{FF2B5EF4-FFF2-40B4-BE49-F238E27FC236}">
-                <a16:creationId xmlns:a16="http://schemas.microsoft.com/office/drawing/2014/main" id="{03369733-1D7A-413E-ACA1-18D6B4C2A308}"/>
-              </a:ext>
-            </a:extLst>
-          </p:cNvPr>
-          <p:cNvSpPr/>
-          <p:nvPr/>
-        </p:nvSpPr>
-        <p:spPr>
-          <a:xfrm>
-            <a:off x="3102220" y="1138601"/>
-            <a:ext cx="1776046" cy="465993"/>
-          </a:xfrm>
-          <a:prstGeom prst="rect">
-            <a:avLst/>
-          </a:prstGeom>
-        </p:spPr>
-        <p:style>
-          <a:lnRef idx="2">
-            <a:schemeClr val="accent1">
-              <a:shade val="50000"/>
-            </a:schemeClr>
-          </a:lnRef>
-          <a:fillRef idx="1">
-            <a:schemeClr val="accent1"/>
-          </a:fillRef>
-          <a:effectRef idx="0">
-            <a:schemeClr val="accent1"/>
-          </a:effectRef>
-          <a:fontRef idx="minor">
-            <a:schemeClr val="lt1"/>
-          </a:fontRef>
-        </p:style>
-        <p:txBody>
-          <a:bodyPr rtlCol="0" anchor="ctr"/>
-          <a:lstStyle/>
-          <a:p>
-            <a:pPr algn="ctr"/>
-            <a:r>
-              <a:rPr lang="en-US" altLang="ko-KR" dirty="0"/>
-              <a:t>DeepMind</a:t>
-            </a:r>
-            <a:endParaRPr lang="ko-KR" altLang="en-US" dirty="0"/>
-          </a:p>
-        </p:txBody>
-      </p:sp>
-      <p:sp>
-        <p:nvSpPr>
-          <p:cNvPr id="5" name="직사각형 4">
-            <a:extLst>
-              <a:ext uri="{FF2B5EF4-FFF2-40B4-BE49-F238E27FC236}">
-                <a16:creationId xmlns:a16="http://schemas.microsoft.com/office/drawing/2014/main" id="{245D836C-C39E-4F72-B375-9C83FAF66733}"/>
-              </a:ext>
-            </a:extLst>
-          </p:cNvPr>
-          <p:cNvSpPr/>
-          <p:nvPr/>
-        </p:nvSpPr>
-        <p:spPr>
-          <a:xfrm>
-            <a:off x="6048061" y="3550607"/>
-            <a:ext cx="1776046" cy="465993"/>
-          </a:xfrm>
-          <a:prstGeom prst="rect">
-            <a:avLst/>
-          </a:prstGeom>
-        </p:spPr>
-        <p:style>
-          <a:lnRef idx="2">
-            <a:schemeClr val="accent1">
-              <a:shade val="50000"/>
-            </a:schemeClr>
-          </a:lnRef>
-          <a:fillRef idx="1">
-            <a:schemeClr val="accent1"/>
-          </a:fillRef>
-          <a:effectRef idx="0">
-            <a:schemeClr val="accent1"/>
-          </a:effectRef>
-          <a:fontRef idx="minor">
-            <a:schemeClr val="lt1"/>
-          </a:fontRef>
-        </p:style>
-        <p:txBody>
-          <a:bodyPr rtlCol="0" anchor="ctr"/>
-          <a:lstStyle/>
-          <a:p>
-            <a:pPr algn="ctr"/>
-            <a:r>
-              <a:rPr lang="en-US" altLang="ko-KR" dirty="0" err="1"/>
-              <a:t>OpenAI</a:t>
-            </a:r>
-            <a:endParaRPr lang="ko-KR" altLang="en-US" dirty="0"/>
-          </a:p>
-        </p:txBody>
-      </p:sp>
-      <p:sp>
-        <p:nvSpPr>
-          <p:cNvPr id="6" name="직사각형 5">
-            <a:extLst>
-              <a:ext uri="{FF2B5EF4-FFF2-40B4-BE49-F238E27FC236}">
-                <a16:creationId xmlns:a16="http://schemas.microsoft.com/office/drawing/2014/main" id="{FBA80506-C03E-4F5E-AE7A-6E84588FC2BB}"/>
-              </a:ext>
-            </a:extLst>
-          </p:cNvPr>
-          <p:cNvSpPr/>
-          <p:nvPr/>
-        </p:nvSpPr>
-        <p:spPr>
-          <a:xfrm>
-            <a:off x="1337066" y="2696348"/>
-            <a:ext cx="2003236" cy="465993"/>
-          </a:xfrm>
-          <a:prstGeom prst="rect">
-            <a:avLst/>
-          </a:prstGeom>
-        </p:spPr>
-        <p:style>
-          <a:lnRef idx="2">
-            <a:schemeClr val="accent1">
-              <a:shade val="50000"/>
-            </a:schemeClr>
-          </a:lnRef>
-          <a:fillRef idx="1">
-            <a:schemeClr val="accent1"/>
-          </a:fillRef>
-          <a:effectRef idx="0">
-            <a:schemeClr val="accent1"/>
-          </a:effectRef>
-          <a:fontRef idx="minor">
-            <a:schemeClr val="lt1"/>
-          </a:fontRef>
-        </p:style>
-        <p:txBody>
-          <a:bodyPr rtlCol="0" anchor="ctr"/>
-          <a:lstStyle/>
-          <a:p>
-            <a:pPr algn="ctr"/>
-            <a:r>
-              <a:rPr lang="en-US" altLang="ko-KR" dirty="0"/>
-              <a:t>Google</a:t>
-            </a:r>
-            <a:endParaRPr lang="ko-KR" altLang="en-US" dirty="0"/>
-          </a:p>
-        </p:txBody>
-      </p:sp>
-      <p:sp>
-        <p:nvSpPr>
-          <p:cNvPr id="7" name="직사각형 6">
-            <a:extLst>
-              <a:ext uri="{FF2B5EF4-FFF2-40B4-BE49-F238E27FC236}">
-                <a16:creationId xmlns:a16="http://schemas.microsoft.com/office/drawing/2014/main" id="{BDB979B4-8A25-4203-8101-D96E9A448E4C}"/>
-              </a:ext>
-            </a:extLst>
-          </p:cNvPr>
-          <p:cNvSpPr/>
-          <p:nvPr/>
-        </p:nvSpPr>
-        <p:spPr>
-          <a:xfrm>
-            <a:off x="9127295" y="4213406"/>
-            <a:ext cx="1776046" cy="465993"/>
-          </a:xfrm>
-          <a:prstGeom prst="rect">
-            <a:avLst/>
-          </a:prstGeom>
-        </p:spPr>
-        <p:style>
-          <a:lnRef idx="2">
-            <a:schemeClr val="accent1">
-              <a:shade val="50000"/>
-            </a:schemeClr>
-          </a:lnRef>
-          <a:fillRef idx="1">
-            <a:schemeClr val="accent1"/>
-          </a:fillRef>
-          <a:effectRef idx="0">
-            <a:schemeClr val="accent1"/>
-          </a:effectRef>
-          <a:fontRef idx="minor">
-            <a:schemeClr val="lt1"/>
-          </a:fontRef>
-        </p:style>
-        <p:txBody>
-          <a:bodyPr rtlCol="0" anchor="ctr"/>
-          <a:lstStyle/>
-          <a:p>
-            <a:pPr algn="ctr"/>
-            <a:r>
-              <a:rPr lang="en-US" altLang="ko-KR" dirty="0"/>
-              <a:t>Twitter</a:t>
-            </a:r>
-            <a:endParaRPr lang="ko-KR" altLang="en-US" dirty="0"/>
-          </a:p>
-        </p:txBody>
-      </p:sp>
-      <p:sp>
-        <p:nvSpPr>
-          <p:cNvPr id="8" name="직사각형 7">
-            <a:extLst>
-              <a:ext uri="{FF2B5EF4-FFF2-40B4-BE49-F238E27FC236}">
-                <a16:creationId xmlns:a16="http://schemas.microsoft.com/office/drawing/2014/main" id="{A498E37E-BB49-4460-B7EA-E28B30712481}"/>
-              </a:ext>
-            </a:extLst>
-          </p:cNvPr>
-          <p:cNvSpPr/>
-          <p:nvPr/>
-        </p:nvSpPr>
-        <p:spPr>
-          <a:xfrm>
-            <a:off x="5080908" y="5116703"/>
-            <a:ext cx="1776046" cy="465993"/>
-          </a:xfrm>
-          <a:prstGeom prst="rect">
-            <a:avLst/>
-          </a:prstGeom>
-        </p:spPr>
-        <p:style>
-          <a:lnRef idx="2">
-            <a:schemeClr val="accent1">
-              <a:shade val="50000"/>
-            </a:schemeClr>
-          </a:lnRef>
-          <a:fillRef idx="1">
-            <a:schemeClr val="accent1"/>
-          </a:fillRef>
-          <a:effectRef idx="0">
-            <a:schemeClr val="accent1"/>
-          </a:effectRef>
-          <a:fontRef idx="minor">
-            <a:schemeClr val="lt1"/>
-          </a:fontRef>
-        </p:style>
-        <p:txBody>
-          <a:bodyPr rtlCol="0" anchor="ctr"/>
-          <a:lstStyle/>
-          <a:p>
-            <a:pPr algn="ctr"/>
-            <a:r>
-              <a:rPr lang="en-US" altLang="ko-KR" dirty="0"/>
-              <a:t>Microsoft</a:t>
-            </a:r>
-            <a:endParaRPr lang="ko-KR" altLang="en-US" dirty="0"/>
-          </a:p>
-        </p:txBody>
-      </p:sp>
-      <p:sp>
-        <p:nvSpPr>
-          <p:cNvPr id="9" name="직사각형 8">
-            <a:extLst>
-              <a:ext uri="{FF2B5EF4-FFF2-40B4-BE49-F238E27FC236}">
-                <a16:creationId xmlns:a16="http://schemas.microsoft.com/office/drawing/2014/main" id="{5BE0D7D7-C452-4BC9-8AF6-BE4A4DF1FB4C}"/>
-              </a:ext>
-            </a:extLst>
-          </p:cNvPr>
-          <p:cNvSpPr/>
-          <p:nvPr/>
-        </p:nvSpPr>
-        <p:spPr>
-          <a:xfrm>
-            <a:off x="9192359" y="6069621"/>
-            <a:ext cx="1776046" cy="465993"/>
-          </a:xfrm>
-          <a:prstGeom prst="rect">
-            <a:avLst/>
-          </a:prstGeom>
-        </p:spPr>
-        <p:style>
-          <a:lnRef idx="2">
-            <a:schemeClr val="accent6">
-              <a:shade val="50000"/>
-            </a:schemeClr>
-          </a:lnRef>
-          <a:fillRef idx="1">
-            <a:schemeClr val="accent6"/>
-          </a:fillRef>
-          <a:effectRef idx="0">
-            <a:schemeClr val="accent6"/>
-          </a:effectRef>
-          <a:fontRef idx="minor">
-            <a:schemeClr val="lt1"/>
-          </a:fontRef>
-        </p:style>
-        <p:txBody>
-          <a:bodyPr rtlCol="0" anchor="ctr"/>
-          <a:lstStyle/>
-          <a:p>
-            <a:pPr algn="ctr"/>
-            <a:r>
-              <a:rPr lang="en-US" altLang="ko-KR" dirty="0"/>
-              <a:t>x.AI</a:t>
-            </a:r>
-            <a:endParaRPr lang="ko-KR" altLang="en-US" dirty="0"/>
-          </a:p>
-        </p:txBody>
-      </p:sp>
-      <p:sp>
-        <p:nvSpPr>
-          <p:cNvPr id="11" name="직사각형 10">
-            <a:extLst>
-              <a:ext uri="{FF2B5EF4-FFF2-40B4-BE49-F238E27FC236}">
-                <a16:creationId xmlns:a16="http://schemas.microsoft.com/office/drawing/2014/main" id="{49E4D080-F9BE-4251-B85A-35E27D82A95B}"/>
-              </a:ext>
-            </a:extLst>
-          </p:cNvPr>
-          <p:cNvSpPr/>
-          <p:nvPr/>
-        </p:nvSpPr>
-        <p:spPr>
-          <a:xfrm>
-            <a:off x="1282810" y="6069621"/>
-            <a:ext cx="2003236" cy="465993"/>
-          </a:xfrm>
-          <a:prstGeom prst="rect">
-            <a:avLst/>
-          </a:prstGeom>
-        </p:spPr>
-        <p:style>
-          <a:lnRef idx="2">
-            <a:schemeClr val="accent6">
-              <a:shade val="50000"/>
-            </a:schemeClr>
-          </a:lnRef>
-          <a:fillRef idx="1">
-            <a:schemeClr val="accent6"/>
-          </a:fillRef>
-          <a:effectRef idx="0">
-            <a:schemeClr val="accent6"/>
-          </a:effectRef>
-          <a:fontRef idx="minor">
-            <a:schemeClr val="lt1"/>
-          </a:fontRef>
-        </p:style>
-        <p:txBody>
-          <a:bodyPr rtlCol="0" anchor="ctr"/>
-          <a:lstStyle/>
-          <a:p>
-            <a:pPr algn="ctr"/>
-            <a:r>
-              <a:rPr lang="en-US" altLang="ko-KR" dirty="0"/>
-              <a:t>Bard</a:t>
-            </a:r>
-            <a:endParaRPr lang="ko-KR" altLang="en-US" dirty="0"/>
-          </a:p>
-        </p:txBody>
-      </p:sp>
-      <p:sp>
-        <p:nvSpPr>
-          <p:cNvPr id="12" name="화살표: 아래쪽 11">
-            <a:extLst>
-              <a:ext uri="{FF2B5EF4-FFF2-40B4-BE49-F238E27FC236}">
-                <a16:creationId xmlns:a16="http://schemas.microsoft.com/office/drawing/2014/main" id="{36325DDE-FD8F-4C26-A222-8EF91BA62528}"/>
-              </a:ext>
-            </a:extLst>
-          </p:cNvPr>
-          <p:cNvSpPr/>
-          <p:nvPr/>
-        </p:nvSpPr>
-        <p:spPr>
-          <a:xfrm>
-            <a:off x="2214392" y="3237724"/>
-            <a:ext cx="110196" cy="2714669"/>
-          </a:xfrm>
-          <a:prstGeom prst="downArrow">
-            <a:avLst/>
-          </a:prstGeom>
-        </p:spPr>
-        <p:style>
-          <a:lnRef idx="2">
-            <a:schemeClr val="accent1">
-              <a:shade val="50000"/>
-            </a:schemeClr>
-          </a:lnRef>
-          <a:fillRef idx="1">
-            <a:schemeClr val="accent1"/>
-          </a:fillRef>
-          <a:effectRef idx="0">
-            <a:schemeClr val="accent1"/>
-          </a:effectRef>
-          <a:fontRef idx="minor">
-            <a:schemeClr val="lt1"/>
-          </a:fontRef>
-        </p:style>
-        <p:txBody>
-          <a:bodyPr rtlCol="0" anchor="ctr"/>
-          <a:lstStyle/>
-          <a:p>
-            <a:pPr algn="ctr"/>
-            <a:endParaRPr lang="ko-KR" altLang="en-US"/>
-          </a:p>
-        </p:txBody>
-      </p:sp>
-      <p:sp>
-        <p:nvSpPr>
-          <p:cNvPr id="13" name="화살표: 아래쪽 12">
-            <a:extLst>
-              <a:ext uri="{FF2B5EF4-FFF2-40B4-BE49-F238E27FC236}">
-                <a16:creationId xmlns:a16="http://schemas.microsoft.com/office/drawing/2014/main" id="{07AE824B-2982-4608-9147-BE3EA27E4191}"/>
-              </a:ext>
-            </a:extLst>
-          </p:cNvPr>
-          <p:cNvSpPr/>
-          <p:nvPr/>
-        </p:nvSpPr>
-        <p:spPr>
-          <a:xfrm flipH="1">
-            <a:off x="5881824" y="5538811"/>
-            <a:ext cx="110195" cy="435563"/>
-          </a:xfrm>
-          <a:prstGeom prst="downArrow">
-            <a:avLst/>
-          </a:prstGeom>
-        </p:spPr>
-        <p:style>
-          <a:lnRef idx="2">
-            <a:schemeClr val="accent1">
-              <a:shade val="50000"/>
-            </a:schemeClr>
-          </a:lnRef>
-          <a:fillRef idx="1">
-            <a:schemeClr val="accent1"/>
-          </a:fillRef>
-          <a:effectRef idx="0">
-            <a:schemeClr val="accent1"/>
-          </a:effectRef>
-          <a:fontRef idx="minor">
-            <a:schemeClr val="lt1"/>
-          </a:fontRef>
-        </p:style>
-        <p:txBody>
-          <a:bodyPr rtlCol="0" anchor="ctr"/>
-          <a:lstStyle/>
-          <a:p>
-            <a:pPr algn="ctr"/>
-            <a:endParaRPr lang="ko-KR" altLang="en-US"/>
-          </a:p>
-        </p:txBody>
-      </p:sp>
-      <p:sp>
-        <p:nvSpPr>
-          <p:cNvPr id="14" name="화살표: 아래쪽 13">
-            <a:extLst>
-              <a:ext uri="{FF2B5EF4-FFF2-40B4-BE49-F238E27FC236}">
-                <a16:creationId xmlns:a16="http://schemas.microsoft.com/office/drawing/2014/main" id="{5BB53BAA-BB8E-49AC-AF67-486BE119BDBA}"/>
-              </a:ext>
-            </a:extLst>
-          </p:cNvPr>
-          <p:cNvSpPr/>
-          <p:nvPr/>
-        </p:nvSpPr>
-        <p:spPr>
-          <a:xfrm>
-            <a:off x="9960220" y="4760401"/>
-            <a:ext cx="110197" cy="1213973"/>
-          </a:xfrm>
-          <a:prstGeom prst="downArrow">
-            <a:avLst/>
-          </a:prstGeom>
-        </p:spPr>
-        <p:style>
-          <a:lnRef idx="2">
-            <a:schemeClr val="accent1">
-              <a:shade val="50000"/>
-            </a:schemeClr>
-          </a:lnRef>
-          <a:fillRef idx="1">
-            <a:schemeClr val="accent1"/>
-          </a:fillRef>
-          <a:effectRef idx="0">
-            <a:schemeClr val="accent1"/>
-          </a:effectRef>
-          <a:fontRef idx="minor">
-            <a:schemeClr val="lt1"/>
-          </a:fontRef>
-        </p:style>
-        <p:txBody>
-          <a:bodyPr rtlCol="0" anchor="ctr"/>
-          <a:lstStyle/>
-          <a:p>
-            <a:pPr algn="ctr"/>
-            <a:endParaRPr lang="ko-KR" altLang="en-US"/>
-          </a:p>
-        </p:txBody>
-      </p:sp>
-      <p:sp>
-        <p:nvSpPr>
-          <p:cNvPr id="15" name="직사각형 14">
-            <a:extLst>
-              <a:ext uri="{FF2B5EF4-FFF2-40B4-BE49-F238E27FC236}">
-                <a16:creationId xmlns:a16="http://schemas.microsoft.com/office/drawing/2014/main" id="{3C00BB09-1286-4653-AA31-39352FD3209D}"/>
-              </a:ext>
-            </a:extLst>
-          </p:cNvPr>
-          <p:cNvSpPr/>
-          <p:nvPr/>
-        </p:nvSpPr>
-        <p:spPr>
-          <a:xfrm>
-            <a:off x="9552843" y="141375"/>
-            <a:ext cx="2089638" cy="461665"/>
-          </a:xfrm>
-          <a:prstGeom prst="rect">
-            <a:avLst/>
-          </a:prstGeom>
-        </p:spPr>
-        <p:txBody>
-          <a:bodyPr wrap="square">
-            <a:spAutoFit/>
-          </a:bodyPr>
-          <a:lstStyle/>
-          <a:p>
-            <a:pPr fontAlgn="ctr"/>
-            <a:r>
-              <a:rPr lang="en-US" altLang="ko-KR" sz="1200" dirty="0"/>
-              <a:t>Artificial Intelligence 1950</a:t>
-            </a:r>
-          </a:p>
-          <a:p>
-            <a:pPr fontAlgn="ctr"/>
-            <a:r>
-              <a:rPr lang="en-US" altLang="ko-KR" sz="1200" dirty="0"/>
-              <a:t>Machine learning</a:t>
-            </a:r>
-            <a:endParaRPr lang="ko-KR" altLang="ko-KR" sz="1200" dirty="0"/>
-          </a:p>
-        </p:txBody>
-      </p:sp>
-      <p:sp>
-        <p:nvSpPr>
-          <p:cNvPr id="16" name="직사각형 15">
-            <a:extLst>
-              <a:ext uri="{FF2B5EF4-FFF2-40B4-BE49-F238E27FC236}">
-                <a16:creationId xmlns:a16="http://schemas.microsoft.com/office/drawing/2014/main" id="{E830D79E-A797-4A05-8B8B-BC871E442459}"/>
-              </a:ext>
-            </a:extLst>
-          </p:cNvPr>
-          <p:cNvSpPr/>
-          <p:nvPr/>
-        </p:nvSpPr>
-        <p:spPr>
-          <a:xfrm>
-            <a:off x="517282" y="141374"/>
-            <a:ext cx="1485900" cy="646331"/>
-          </a:xfrm>
-          <a:prstGeom prst="rect">
-            <a:avLst/>
-          </a:prstGeom>
-        </p:spPr>
-        <p:txBody>
-          <a:bodyPr wrap="square">
-            <a:spAutoFit/>
-          </a:bodyPr>
-          <a:lstStyle/>
-          <a:p>
-            <a:pPr fontAlgn="ctr"/>
-            <a:r>
-              <a:rPr lang="en-US" altLang="ko-KR" sz="1200" dirty="0"/>
-              <a:t>Perceptron 1957</a:t>
-            </a:r>
-          </a:p>
-          <a:p>
-            <a:pPr fontAlgn="ctr"/>
-            <a:r>
-              <a:rPr lang="en-US" altLang="ko-KR" sz="1200" dirty="0"/>
-              <a:t>Neural Networks</a:t>
-            </a:r>
-          </a:p>
-          <a:p>
-            <a:pPr fontAlgn="ctr"/>
-            <a:r>
-              <a:rPr lang="en-US" altLang="ko-KR" sz="1200" dirty="0"/>
-              <a:t>Deep Learning</a:t>
-            </a:r>
-            <a:endParaRPr lang="ko-KR" altLang="ko-KR" sz="1200" dirty="0"/>
-          </a:p>
-        </p:txBody>
-      </p:sp>
-      <p:sp>
-        <p:nvSpPr>
-          <p:cNvPr id="17" name="직사각형 16">
-            <a:extLst>
-              <a:ext uri="{FF2B5EF4-FFF2-40B4-BE49-F238E27FC236}">
-                <a16:creationId xmlns:a16="http://schemas.microsoft.com/office/drawing/2014/main" id="{7EC89886-ED40-4857-BB29-0AB80DB7038F}"/>
-              </a:ext>
-            </a:extLst>
-          </p:cNvPr>
-          <p:cNvSpPr/>
-          <p:nvPr/>
-        </p:nvSpPr>
-        <p:spPr>
-          <a:xfrm>
-            <a:off x="4831374" y="1116619"/>
-            <a:ext cx="2089638" cy="276999"/>
-          </a:xfrm>
-          <a:prstGeom prst="rect">
-            <a:avLst/>
-          </a:prstGeom>
-        </p:spPr>
-        <p:txBody>
-          <a:bodyPr wrap="square">
-            <a:spAutoFit/>
-          </a:bodyPr>
-          <a:lstStyle/>
-          <a:p>
-            <a:pPr fontAlgn="ctr"/>
-            <a:r>
-              <a:rPr lang="en-US" altLang="ko-KR" sz="1200" dirty="0"/>
-              <a:t>2010</a:t>
-            </a:r>
-            <a:endParaRPr lang="ko-KR" altLang="ko-KR" sz="1200" dirty="0"/>
-          </a:p>
-        </p:txBody>
-      </p:sp>
-      <p:sp>
-        <p:nvSpPr>
-          <p:cNvPr id="18" name="직사각형 17">
-            <a:extLst>
-              <a:ext uri="{FF2B5EF4-FFF2-40B4-BE49-F238E27FC236}">
-                <a16:creationId xmlns:a16="http://schemas.microsoft.com/office/drawing/2014/main" id="{D34D4612-5C2F-4C32-B23A-F4337EBAC3D4}"/>
-              </a:ext>
-            </a:extLst>
-          </p:cNvPr>
-          <p:cNvSpPr/>
-          <p:nvPr/>
-        </p:nvSpPr>
-        <p:spPr>
-          <a:xfrm>
-            <a:off x="7824107" y="3506604"/>
-            <a:ext cx="2089638" cy="276999"/>
-          </a:xfrm>
-          <a:prstGeom prst="rect">
-            <a:avLst/>
-          </a:prstGeom>
-        </p:spPr>
-        <p:txBody>
-          <a:bodyPr wrap="square">
-            <a:spAutoFit/>
-          </a:bodyPr>
-          <a:lstStyle/>
-          <a:p>
-            <a:pPr fontAlgn="ctr"/>
-            <a:r>
-              <a:rPr lang="en-US" altLang="ko-KR" sz="1200" dirty="0"/>
-              <a:t>2015 Elon Musk</a:t>
-            </a:r>
-            <a:endParaRPr lang="ko-KR" altLang="ko-KR" sz="1200" dirty="0"/>
-          </a:p>
-        </p:txBody>
-      </p:sp>
-      <p:cxnSp>
-        <p:nvCxnSpPr>
-          <p:cNvPr id="21" name="직선 화살표 연결선 20">
-            <a:extLst>
-              <a:ext uri="{FF2B5EF4-FFF2-40B4-BE49-F238E27FC236}">
-                <a16:creationId xmlns:a16="http://schemas.microsoft.com/office/drawing/2014/main" id="{4DD736BC-91DD-4B3A-A874-7D45FA6A0896}"/>
-              </a:ext>
-            </a:extLst>
-          </p:cNvPr>
-          <p:cNvCxnSpPr/>
-          <p:nvPr/>
-        </p:nvCxnSpPr>
-        <p:spPr>
-          <a:xfrm>
-            <a:off x="1800959" y="668215"/>
-            <a:ext cx="1301261" cy="448404"/>
-          </a:xfrm>
-          <a:prstGeom prst="straightConnector1">
-            <a:avLst/>
-          </a:prstGeom>
-          <a:ln>
-            <a:tailEnd type="triangle"/>
-          </a:ln>
-        </p:spPr>
-        <p:style>
-          <a:lnRef idx="1">
-            <a:schemeClr val="accent1"/>
-          </a:lnRef>
-          <a:fillRef idx="0">
-            <a:schemeClr val="accent1"/>
-          </a:fillRef>
-          <a:effectRef idx="0">
-            <a:schemeClr val="accent1"/>
-          </a:effectRef>
-          <a:fontRef idx="minor">
-            <a:schemeClr val="tx1"/>
-          </a:fontRef>
-        </p:style>
-      </p:cxnSp>
-      <p:cxnSp>
-        <p:nvCxnSpPr>
-          <p:cNvPr id="23" name="직선 화살표 연결선 22">
-            <a:extLst>
-              <a:ext uri="{FF2B5EF4-FFF2-40B4-BE49-F238E27FC236}">
-                <a16:creationId xmlns:a16="http://schemas.microsoft.com/office/drawing/2014/main" id="{5A7A9F46-158B-498A-BB4C-0C874FF01FA6}"/>
-              </a:ext>
-            </a:extLst>
-          </p:cNvPr>
-          <p:cNvCxnSpPr/>
-          <p:nvPr/>
-        </p:nvCxnSpPr>
-        <p:spPr>
-          <a:xfrm flipH="1">
-            <a:off x="5370636" y="372207"/>
-            <a:ext cx="4097215" cy="882911"/>
-          </a:xfrm>
-          <a:prstGeom prst="straightConnector1">
-            <a:avLst/>
-          </a:prstGeom>
-          <a:ln>
-            <a:tailEnd type="triangle"/>
-          </a:ln>
-        </p:spPr>
-        <p:style>
-          <a:lnRef idx="1">
-            <a:schemeClr val="accent1"/>
-          </a:lnRef>
-          <a:fillRef idx="0">
-            <a:schemeClr val="accent1"/>
-          </a:fillRef>
-          <a:effectRef idx="0">
-            <a:schemeClr val="accent1"/>
-          </a:effectRef>
-          <a:fontRef idx="minor">
-            <a:schemeClr val="tx1"/>
-          </a:fontRef>
-        </p:style>
-      </p:cxnSp>
-      <p:cxnSp>
-        <p:nvCxnSpPr>
-          <p:cNvPr id="25" name="직선 화살표 연결선 24">
-            <a:extLst>
-              <a:ext uri="{FF2B5EF4-FFF2-40B4-BE49-F238E27FC236}">
-                <a16:creationId xmlns:a16="http://schemas.microsoft.com/office/drawing/2014/main" id="{68A9CB02-02DE-4919-BBE2-B56B18653480}"/>
-              </a:ext>
-            </a:extLst>
-          </p:cNvPr>
-          <p:cNvCxnSpPr>
-            <a:cxnSpLocks/>
-          </p:cNvCxnSpPr>
-          <p:nvPr/>
-        </p:nvCxnSpPr>
-        <p:spPr>
-          <a:xfrm flipH="1">
-            <a:off x="7217559" y="372207"/>
-            <a:ext cx="2250293" cy="3116542"/>
-          </a:xfrm>
-          <a:prstGeom prst="straightConnector1">
-            <a:avLst/>
-          </a:prstGeom>
-          <a:ln>
-            <a:tailEnd type="triangle"/>
-          </a:ln>
-        </p:spPr>
-        <p:style>
-          <a:lnRef idx="1">
-            <a:schemeClr val="accent1"/>
-          </a:lnRef>
-          <a:fillRef idx="0">
-            <a:schemeClr val="accent1"/>
-          </a:fillRef>
-          <a:effectRef idx="0">
-            <a:schemeClr val="accent1"/>
-          </a:effectRef>
-          <a:fontRef idx="minor">
-            <a:schemeClr val="tx1"/>
-          </a:fontRef>
-        </p:style>
-      </p:cxnSp>
-      <p:cxnSp>
-        <p:nvCxnSpPr>
-          <p:cNvPr id="27" name="직선 화살표 연결선 26">
-            <a:extLst>
-              <a:ext uri="{FF2B5EF4-FFF2-40B4-BE49-F238E27FC236}">
-                <a16:creationId xmlns:a16="http://schemas.microsoft.com/office/drawing/2014/main" id="{0700923C-D9AA-448F-99ED-A1B07805DCA9}"/>
-              </a:ext>
-            </a:extLst>
-          </p:cNvPr>
-          <p:cNvCxnSpPr>
-            <a:cxnSpLocks/>
-          </p:cNvCxnSpPr>
-          <p:nvPr/>
-        </p:nvCxnSpPr>
-        <p:spPr>
-          <a:xfrm flipH="1">
-            <a:off x="2451589" y="1179660"/>
-            <a:ext cx="1781798" cy="1434367"/>
-          </a:xfrm>
-          <a:prstGeom prst="straightConnector1">
-            <a:avLst/>
-          </a:prstGeom>
-          <a:ln>
-            <a:tailEnd type="triangle"/>
-          </a:ln>
-        </p:spPr>
-        <p:style>
-          <a:lnRef idx="1">
-            <a:schemeClr val="accent1"/>
-          </a:lnRef>
-          <a:fillRef idx="0">
-            <a:schemeClr val="accent1"/>
-          </a:fillRef>
-          <a:effectRef idx="0">
-            <a:schemeClr val="accent1"/>
-          </a:effectRef>
-          <a:fontRef idx="minor">
-            <a:schemeClr val="tx1"/>
-          </a:fontRef>
-        </p:style>
-      </p:cxnSp>
-      <p:sp>
-        <p:nvSpPr>
-          <p:cNvPr id="28" name="직사각형 27">
-            <a:extLst>
-              <a:ext uri="{FF2B5EF4-FFF2-40B4-BE49-F238E27FC236}">
-                <a16:creationId xmlns:a16="http://schemas.microsoft.com/office/drawing/2014/main" id="{8977EC8D-1637-4A5F-945D-EAB04B0F25F5}"/>
-              </a:ext>
-            </a:extLst>
-          </p:cNvPr>
-          <p:cNvSpPr/>
-          <p:nvPr/>
-        </p:nvSpPr>
-        <p:spPr>
-          <a:xfrm>
-            <a:off x="3300434" y="2614027"/>
-            <a:ext cx="2089638" cy="276999"/>
-          </a:xfrm>
-          <a:prstGeom prst="rect">
-            <a:avLst/>
-          </a:prstGeom>
-        </p:spPr>
-        <p:txBody>
-          <a:bodyPr wrap="square">
-            <a:spAutoFit/>
-          </a:bodyPr>
-          <a:lstStyle/>
-          <a:p>
-            <a:pPr fontAlgn="ctr"/>
-            <a:r>
-              <a:rPr lang="en-US" altLang="ko-KR" sz="1200" dirty="0"/>
-              <a:t>2014</a:t>
-            </a:r>
-            <a:endParaRPr lang="ko-KR" altLang="ko-KR" sz="1200" dirty="0"/>
-          </a:p>
-        </p:txBody>
-      </p:sp>
-      <p:cxnSp>
-        <p:nvCxnSpPr>
-          <p:cNvPr id="31" name="직선 화살표 연결선 30">
-            <a:extLst>
-              <a:ext uri="{FF2B5EF4-FFF2-40B4-BE49-F238E27FC236}">
-                <a16:creationId xmlns:a16="http://schemas.microsoft.com/office/drawing/2014/main" id="{0E810A58-7F50-47E8-A343-D97CF574995D}"/>
-              </a:ext>
-            </a:extLst>
-          </p:cNvPr>
-          <p:cNvCxnSpPr>
-            <a:cxnSpLocks/>
-          </p:cNvCxnSpPr>
-          <p:nvPr/>
-        </p:nvCxnSpPr>
-        <p:spPr>
-          <a:xfrm flipH="1">
-            <a:off x="5968931" y="4111435"/>
-            <a:ext cx="746374" cy="961857"/>
-          </a:xfrm>
-          <a:prstGeom prst="straightConnector1">
-            <a:avLst/>
-          </a:prstGeom>
-          <a:ln>
-            <a:tailEnd type="triangle"/>
-          </a:ln>
-        </p:spPr>
-        <p:style>
-          <a:lnRef idx="1">
-            <a:schemeClr val="accent1"/>
-          </a:lnRef>
-          <a:fillRef idx="0">
-            <a:schemeClr val="accent1"/>
-          </a:fillRef>
-          <a:effectRef idx="0">
-            <a:schemeClr val="accent1"/>
-          </a:effectRef>
-          <a:fontRef idx="minor">
-            <a:schemeClr val="tx1"/>
-          </a:fontRef>
-        </p:style>
-      </p:cxnSp>
-      <p:sp>
-        <p:nvSpPr>
-          <p:cNvPr id="37" name="직사각형 36">
-            <a:extLst>
-              <a:ext uri="{FF2B5EF4-FFF2-40B4-BE49-F238E27FC236}">
-                <a16:creationId xmlns:a16="http://schemas.microsoft.com/office/drawing/2014/main" id="{F83B3876-916C-460C-9D11-CBAB94DA5B33}"/>
-              </a:ext>
-            </a:extLst>
-          </p:cNvPr>
-          <p:cNvSpPr/>
-          <p:nvPr/>
-        </p:nvSpPr>
-        <p:spPr>
-          <a:xfrm>
-            <a:off x="787622" y="3929332"/>
-            <a:ext cx="1485899" cy="646331"/>
-          </a:xfrm>
-          <a:prstGeom prst="rect">
-            <a:avLst/>
-          </a:prstGeom>
-        </p:spPr>
-        <p:txBody>
-          <a:bodyPr wrap="square">
-            <a:spAutoFit/>
-          </a:bodyPr>
-          <a:lstStyle/>
-          <a:p>
-            <a:pPr algn="r" fontAlgn="ctr"/>
-            <a:r>
-              <a:rPr lang="en-US" altLang="ko-KR" sz="1200" dirty="0"/>
-              <a:t>AlphaGo 2016</a:t>
-            </a:r>
-          </a:p>
-          <a:p>
-            <a:pPr algn="r" fontAlgn="ctr"/>
-            <a:r>
-              <a:rPr lang="en-US" altLang="ko-KR" sz="1200" dirty="0" err="1"/>
-              <a:t>AlphaZero</a:t>
-            </a:r>
-            <a:r>
-              <a:rPr lang="en-US" altLang="ko-KR" sz="1200" dirty="0"/>
-              <a:t> 2017</a:t>
-            </a:r>
-          </a:p>
-          <a:p>
-            <a:pPr algn="r" fontAlgn="ctr"/>
-            <a:endParaRPr lang="en-US" altLang="ko-KR" sz="1200" dirty="0"/>
-          </a:p>
-        </p:txBody>
-      </p:sp>
-      <p:cxnSp>
-        <p:nvCxnSpPr>
-          <p:cNvPr id="39" name="직선 화살표 연결선 38">
-            <a:extLst>
-              <a:ext uri="{FF2B5EF4-FFF2-40B4-BE49-F238E27FC236}">
-                <a16:creationId xmlns:a16="http://schemas.microsoft.com/office/drawing/2014/main" id="{9B062B3C-FC24-43BA-9029-6D61C690D5AE}"/>
-              </a:ext>
-            </a:extLst>
-          </p:cNvPr>
-          <p:cNvCxnSpPr>
-            <a:cxnSpLocks/>
-          </p:cNvCxnSpPr>
-          <p:nvPr/>
-        </p:nvCxnSpPr>
-        <p:spPr>
-          <a:xfrm flipV="1">
-            <a:off x="3637149" y="4838266"/>
-            <a:ext cx="2410912" cy="3074"/>
-          </a:xfrm>
-          <a:prstGeom prst="straightConnector1">
-            <a:avLst/>
-          </a:prstGeom>
-          <a:ln>
-            <a:tailEnd type="triangle"/>
-          </a:ln>
-        </p:spPr>
-        <p:style>
-          <a:lnRef idx="1">
-            <a:schemeClr val="accent1"/>
-          </a:lnRef>
-          <a:fillRef idx="0">
-            <a:schemeClr val="accent1"/>
-          </a:fillRef>
-          <a:effectRef idx="0">
-            <a:schemeClr val="accent1"/>
-          </a:effectRef>
-          <a:fontRef idx="minor">
-            <a:schemeClr val="tx1"/>
-          </a:fontRef>
-        </p:style>
-      </p:cxnSp>
-      <p:sp>
-        <p:nvSpPr>
-          <p:cNvPr id="40" name="직사각형 39">
-            <a:extLst>
-              <a:ext uri="{FF2B5EF4-FFF2-40B4-BE49-F238E27FC236}">
-                <a16:creationId xmlns:a16="http://schemas.microsoft.com/office/drawing/2014/main" id="{825166AF-0B64-462F-BCF9-201E29A6571A}"/>
-              </a:ext>
-            </a:extLst>
-          </p:cNvPr>
-          <p:cNvSpPr/>
-          <p:nvPr/>
-        </p:nvSpPr>
-        <p:spPr>
-          <a:xfrm>
-            <a:off x="5144966" y="6069621"/>
-            <a:ext cx="1776046" cy="465993"/>
-          </a:xfrm>
-          <a:prstGeom prst="rect">
-            <a:avLst/>
-          </a:prstGeom>
-        </p:spPr>
-        <p:style>
-          <a:lnRef idx="2">
-            <a:schemeClr val="accent6">
-              <a:shade val="50000"/>
-            </a:schemeClr>
-          </a:lnRef>
-          <a:fillRef idx="1">
-            <a:schemeClr val="accent6"/>
-          </a:fillRef>
-          <a:effectRef idx="0">
-            <a:schemeClr val="accent6"/>
-          </a:effectRef>
-          <a:fontRef idx="minor">
-            <a:schemeClr val="lt1"/>
-          </a:fontRef>
-        </p:style>
-        <p:txBody>
-          <a:bodyPr rtlCol="0" anchor="ctr"/>
-          <a:lstStyle/>
-          <a:p>
-            <a:pPr algn="ctr"/>
-            <a:r>
-              <a:rPr lang="en-US" altLang="ko-KR" dirty="0"/>
-              <a:t>chat GPT</a:t>
-            </a:r>
-            <a:endParaRPr lang="ko-KR" altLang="en-US" dirty="0"/>
-          </a:p>
-        </p:txBody>
-      </p:sp>
-      <p:sp>
-        <p:nvSpPr>
-          <p:cNvPr id="42" name="직사각형 41">
-            <a:extLst>
-              <a:ext uri="{FF2B5EF4-FFF2-40B4-BE49-F238E27FC236}">
-                <a16:creationId xmlns:a16="http://schemas.microsoft.com/office/drawing/2014/main" id="{8202A562-20DB-43B3-93EC-CC2969CAA740}"/>
-              </a:ext>
-            </a:extLst>
-          </p:cNvPr>
-          <p:cNvSpPr/>
-          <p:nvPr/>
-        </p:nvSpPr>
-        <p:spPr>
-          <a:xfrm>
-            <a:off x="3286046" y="6063263"/>
-            <a:ext cx="595489" cy="277000"/>
-          </a:xfrm>
-          <a:prstGeom prst="rect">
-            <a:avLst/>
-          </a:prstGeom>
-        </p:spPr>
-        <p:txBody>
-          <a:bodyPr wrap="square">
-            <a:spAutoFit/>
-          </a:bodyPr>
-          <a:lstStyle/>
-          <a:p>
-            <a:pPr fontAlgn="ctr"/>
-            <a:r>
-              <a:rPr lang="en-US" altLang="ko-KR" sz="1200" dirty="0"/>
-              <a:t>2023</a:t>
-            </a:r>
-            <a:endParaRPr lang="ko-KR" altLang="ko-KR" sz="1200" dirty="0"/>
-          </a:p>
-        </p:txBody>
-      </p:sp>
-      <p:cxnSp>
-        <p:nvCxnSpPr>
-          <p:cNvPr id="51" name="직선 화살표 연결선 50">
-            <a:extLst>
-              <a:ext uri="{FF2B5EF4-FFF2-40B4-BE49-F238E27FC236}">
-                <a16:creationId xmlns:a16="http://schemas.microsoft.com/office/drawing/2014/main" id="{49C9CCF0-7756-4A04-B369-EA4D4AD2BB62}"/>
-              </a:ext>
-            </a:extLst>
-          </p:cNvPr>
-          <p:cNvCxnSpPr>
-            <a:cxnSpLocks/>
-          </p:cNvCxnSpPr>
-          <p:nvPr/>
-        </p:nvCxnSpPr>
-        <p:spPr>
-          <a:xfrm>
-            <a:off x="9127295" y="3744961"/>
-            <a:ext cx="888023" cy="377399"/>
-          </a:xfrm>
-          <a:prstGeom prst="straightConnector1">
-            <a:avLst/>
-          </a:prstGeom>
-          <a:ln>
-            <a:tailEnd type="triangle"/>
-          </a:ln>
-        </p:spPr>
-        <p:style>
-          <a:lnRef idx="1">
-            <a:schemeClr val="accent1"/>
-          </a:lnRef>
-          <a:fillRef idx="0">
-            <a:schemeClr val="accent1"/>
-          </a:fillRef>
-          <a:effectRef idx="0">
-            <a:schemeClr val="accent1"/>
-          </a:effectRef>
-          <a:fontRef idx="minor">
-            <a:schemeClr val="tx1"/>
-          </a:fontRef>
-        </p:style>
-      </p:cxnSp>
-      <p:sp>
-        <p:nvSpPr>
-          <p:cNvPr id="52" name="직사각형 51">
-            <a:extLst>
-              <a:ext uri="{FF2B5EF4-FFF2-40B4-BE49-F238E27FC236}">
-                <a16:creationId xmlns:a16="http://schemas.microsoft.com/office/drawing/2014/main" id="{955EF9FE-3CB4-43A5-BDEA-5613EF01D8F8}"/>
-              </a:ext>
-            </a:extLst>
-          </p:cNvPr>
-          <p:cNvSpPr/>
-          <p:nvPr/>
-        </p:nvSpPr>
-        <p:spPr>
-          <a:xfrm>
-            <a:off x="2209745" y="4702465"/>
-            <a:ext cx="1404231" cy="276999"/>
-          </a:xfrm>
-          <a:prstGeom prst="rect">
-            <a:avLst/>
-          </a:prstGeom>
-        </p:spPr>
-        <p:txBody>
-          <a:bodyPr wrap="none">
-            <a:spAutoFit/>
-          </a:bodyPr>
-          <a:lstStyle/>
-          <a:p>
-            <a:pPr algn="r" fontAlgn="ctr"/>
-            <a:r>
-              <a:rPr lang="en-US" altLang="ko-KR" sz="1200" dirty="0">
-                <a:effectLst>
-                  <a:outerShdw blurRad="38100" dist="38100" dir="2700000" algn="tl">
-                    <a:srgbClr val="000000">
-                      <a:alpha val="43137"/>
-                    </a:srgbClr>
-                  </a:outerShdw>
-                </a:effectLst>
-              </a:rPr>
-              <a:t>Transformer 2018</a:t>
-            </a:r>
-            <a:endParaRPr lang="ko-KR" altLang="ko-KR" sz="1200" dirty="0">
-              <a:effectLst>
-                <a:outerShdw blurRad="38100" dist="38100" dir="2700000" algn="tl">
-                  <a:srgbClr val="000000">
-                    <a:alpha val="43137"/>
-                  </a:srgbClr>
-                </a:outerShdw>
-              </a:effectLst>
-            </a:endParaRPr>
-          </a:p>
-        </p:txBody>
-      </p:sp>
-      <p:sp>
-        <p:nvSpPr>
-          <p:cNvPr id="65" name="직사각형 64">
-            <a:extLst>
-              <a:ext uri="{FF2B5EF4-FFF2-40B4-BE49-F238E27FC236}">
-                <a16:creationId xmlns:a16="http://schemas.microsoft.com/office/drawing/2014/main" id="{9F17BBE1-DB2B-4F29-8BC5-135C4159FB8A}"/>
-              </a:ext>
-            </a:extLst>
-          </p:cNvPr>
-          <p:cNvSpPr/>
-          <p:nvPr/>
-        </p:nvSpPr>
-        <p:spPr>
-          <a:xfrm>
-            <a:off x="3241610" y="1868186"/>
-            <a:ext cx="2007281" cy="276999"/>
-          </a:xfrm>
-          <a:prstGeom prst="rect">
-            <a:avLst/>
-          </a:prstGeom>
-        </p:spPr>
-        <p:txBody>
-          <a:bodyPr wrap="none">
-            <a:spAutoFit/>
-          </a:bodyPr>
-          <a:lstStyle/>
-          <a:p>
-            <a:r>
-              <a:rPr lang="en-US" altLang="ko-KR" sz="1200" dirty="0"/>
-              <a:t>ImageNet Challenge 2012</a:t>
-            </a:r>
-            <a:endParaRPr lang="ko-KR" altLang="en-US" sz="1200" dirty="0"/>
-          </a:p>
-        </p:txBody>
-      </p:sp>
-      <p:sp>
-        <p:nvSpPr>
-          <p:cNvPr id="32" name="직사각형 31">
-            <a:extLst>
-              <a:ext uri="{FF2B5EF4-FFF2-40B4-BE49-F238E27FC236}">
-                <a16:creationId xmlns:a16="http://schemas.microsoft.com/office/drawing/2014/main" id="{2388F914-7DF8-410C-BB50-B4EA486C2634}"/>
-              </a:ext>
-            </a:extLst>
-          </p:cNvPr>
-          <p:cNvSpPr/>
-          <p:nvPr/>
-        </p:nvSpPr>
-        <p:spPr>
-          <a:xfrm>
-            <a:off x="6833958" y="5073292"/>
-            <a:ext cx="2089638" cy="276999"/>
-          </a:xfrm>
-          <a:prstGeom prst="rect">
-            <a:avLst/>
-          </a:prstGeom>
-        </p:spPr>
-        <p:txBody>
-          <a:bodyPr wrap="square">
-            <a:spAutoFit/>
-          </a:bodyPr>
-          <a:lstStyle/>
-          <a:p>
-            <a:pPr fontAlgn="ctr"/>
-            <a:r>
-              <a:rPr lang="en-US" altLang="ko-KR" sz="1200" dirty="0"/>
-              <a:t>2019</a:t>
-            </a:r>
-            <a:endParaRPr lang="ko-KR" altLang="ko-KR" sz="1200" dirty="0"/>
-          </a:p>
-        </p:txBody>
-      </p:sp>
-      <p:sp>
-        <p:nvSpPr>
-          <p:cNvPr id="36" name="직사각형 35">
-            <a:extLst>
-              <a:ext uri="{FF2B5EF4-FFF2-40B4-BE49-F238E27FC236}">
-                <a16:creationId xmlns:a16="http://schemas.microsoft.com/office/drawing/2014/main" id="{F15E46D8-D6D3-428B-8C6C-EDE6070DCF18}"/>
-              </a:ext>
-            </a:extLst>
-          </p:cNvPr>
-          <p:cNvSpPr/>
-          <p:nvPr/>
-        </p:nvSpPr>
-        <p:spPr>
-          <a:xfrm>
-            <a:off x="2238276" y="3550747"/>
-            <a:ext cx="1352165" cy="276999"/>
-          </a:xfrm>
-          <a:prstGeom prst="rect">
-            <a:avLst/>
-          </a:prstGeom>
-        </p:spPr>
-        <p:txBody>
-          <a:bodyPr wrap="none">
-            <a:spAutoFit/>
-          </a:bodyPr>
-          <a:lstStyle/>
-          <a:p>
-            <a:pPr algn="r" fontAlgn="ctr"/>
-            <a:r>
-              <a:rPr lang="en-US" altLang="ko-KR" sz="1200" dirty="0">
-                <a:effectLst>
-                  <a:outerShdw blurRad="38100" dist="38100" dir="2700000" algn="tl">
-                    <a:srgbClr val="000000">
-                      <a:alpha val="43137"/>
-                    </a:srgbClr>
-                  </a:outerShdw>
-                </a:effectLst>
-              </a:rPr>
-              <a:t>TensorFlow 2015</a:t>
-            </a:r>
-            <a:endParaRPr lang="ko-KR" altLang="ko-KR" sz="1200" dirty="0">
-              <a:effectLst>
-                <a:outerShdw blurRad="38100" dist="38100" dir="2700000" algn="tl">
-                  <a:srgbClr val="000000">
-                    <a:alpha val="43137"/>
-                  </a:srgbClr>
-                </a:outerShdw>
-              </a:effectLst>
-            </a:endParaRPr>
-          </a:p>
-        </p:txBody>
-      </p:sp>
-      <p:sp>
-        <p:nvSpPr>
-          <p:cNvPr id="43" name="직사각형 42">
-            <a:extLst>
-              <a:ext uri="{FF2B5EF4-FFF2-40B4-BE49-F238E27FC236}">
-                <a16:creationId xmlns:a16="http://schemas.microsoft.com/office/drawing/2014/main" id="{5B47F0F9-5A22-4381-A238-6C4747582A2D}"/>
-              </a:ext>
-            </a:extLst>
-          </p:cNvPr>
-          <p:cNvSpPr/>
-          <p:nvPr/>
-        </p:nvSpPr>
-        <p:spPr>
-          <a:xfrm>
-            <a:off x="10903341" y="4169402"/>
-            <a:ext cx="595489" cy="276999"/>
-          </a:xfrm>
-          <a:prstGeom prst="rect">
-            <a:avLst/>
-          </a:prstGeom>
-        </p:spPr>
-        <p:txBody>
-          <a:bodyPr wrap="square">
-            <a:spAutoFit/>
-          </a:bodyPr>
-          <a:lstStyle/>
-          <a:p>
-            <a:pPr fontAlgn="ctr"/>
-            <a:r>
-              <a:rPr lang="en-US" altLang="ko-KR" sz="1200" dirty="0"/>
-              <a:t>2021</a:t>
-            </a:r>
-            <a:endParaRPr lang="ko-KR" altLang="ko-KR" sz="1200" dirty="0"/>
-          </a:p>
-        </p:txBody>
-      </p:sp>
-      <p:sp>
-        <p:nvSpPr>
-          <p:cNvPr id="44" name="직사각형 43">
-            <a:extLst>
-              <a:ext uri="{FF2B5EF4-FFF2-40B4-BE49-F238E27FC236}">
-                <a16:creationId xmlns:a16="http://schemas.microsoft.com/office/drawing/2014/main" id="{AC19CD2C-CC17-49C6-9F88-D16CF4F93BD6}"/>
-              </a:ext>
-            </a:extLst>
-          </p:cNvPr>
-          <p:cNvSpPr/>
-          <p:nvPr/>
-        </p:nvSpPr>
-        <p:spPr>
-          <a:xfrm>
-            <a:off x="10980846" y="6025617"/>
-            <a:ext cx="595489" cy="277000"/>
-          </a:xfrm>
-          <a:prstGeom prst="rect">
-            <a:avLst/>
-          </a:prstGeom>
-        </p:spPr>
-        <p:txBody>
-          <a:bodyPr wrap="square">
-            <a:spAutoFit/>
-          </a:bodyPr>
-          <a:lstStyle/>
-          <a:p>
-            <a:pPr fontAlgn="ctr"/>
-            <a:r>
-              <a:rPr lang="en-US" altLang="ko-KR" sz="1200" dirty="0"/>
-              <a:t>2023</a:t>
-            </a:r>
-            <a:endParaRPr lang="ko-KR" altLang="ko-KR" sz="1200" dirty="0"/>
-          </a:p>
-        </p:txBody>
-      </p:sp>
-      <p:sp>
-        <p:nvSpPr>
-          <p:cNvPr id="45" name="직사각형 44">
-            <a:extLst>
-              <a:ext uri="{FF2B5EF4-FFF2-40B4-BE49-F238E27FC236}">
-                <a16:creationId xmlns:a16="http://schemas.microsoft.com/office/drawing/2014/main" id="{1A57F181-8FB9-4176-A058-C6F4E09C78B9}"/>
-              </a:ext>
-            </a:extLst>
-          </p:cNvPr>
-          <p:cNvSpPr/>
-          <p:nvPr/>
-        </p:nvSpPr>
-        <p:spPr>
-          <a:xfrm>
-            <a:off x="6933453" y="6025617"/>
-            <a:ext cx="2089638" cy="276999"/>
-          </a:xfrm>
-          <a:prstGeom prst="rect">
-            <a:avLst/>
-          </a:prstGeom>
-        </p:spPr>
-        <p:txBody>
-          <a:bodyPr wrap="square">
-            <a:spAutoFit/>
-          </a:bodyPr>
-          <a:lstStyle/>
-          <a:p>
-            <a:pPr fontAlgn="ctr"/>
-            <a:r>
-              <a:rPr lang="en-US" altLang="ko-KR" sz="1200" dirty="0"/>
-              <a:t>2018~</a:t>
-            </a:r>
-            <a:endParaRPr lang="ko-KR" altLang="ko-KR" sz="1200" dirty="0"/>
-          </a:p>
-        </p:txBody>
-      </p:sp>
-      <p:cxnSp>
-        <p:nvCxnSpPr>
-          <p:cNvPr id="29" name="직선 화살표 연결선 28">
-            <a:extLst>
-              <a:ext uri="{FF2B5EF4-FFF2-40B4-BE49-F238E27FC236}">
-                <a16:creationId xmlns:a16="http://schemas.microsoft.com/office/drawing/2014/main" id="{E7B1D185-59CB-4F9F-AA9B-D807A7C14FEC}"/>
-              </a:ext>
-            </a:extLst>
-          </p:cNvPr>
-          <p:cNvCxnSpPr>
-            <a:cxnSpLocks/>
-          </p:cNvCxnSpPr>
-          <p:nvPr/>
-        </p:nvCxnSpPr>
-        <p:spPr>
-          <a:xfrm>
-            <a:off x="5144966" y="2145185"/>
-            <a:ext cx="1570339" cy="1283815"/>
-          </a:xfrm>
-          <a:prstGeom prst="straightConnector1">
-            <a:avLst/>
-          </a:prstGeom>
-          <a:ln>
-            <a:gradFill>
-              <a:gsLst>
-                <a:gs pos="41000">
-                  <a:srgbClr val="DAE3F3"/>
-                </a:gs>
-                <a:gs pos="0">
-                  <a:schemeClr val="accent1">
-                    <a:lumMod val="5000"/>
-                    <a:lumOff val="95000"/>
-                  </a:schemeClr>
-                </a:gs>
-                <a:gs pos="74000">
-                  <a:schemeClr val="accent1">
-                    <a:lumMod val="45000"/>
-                    <a:lumOff val="55000"/>
-                  </a:schemeClr>
-                </a:gs>
-                <a:gs pos="83000">
-                  <a:schemeClr val="accent1">
-                    <a:lumMod val="45000"/>
-                    <a:lumOff val="55000"/>
-                  </a:schemeClr>
-                </a:gs>
-                <a:gs pos="100000">
-                  <a:schemeClr val="accent1">
-                    <a:lumMod val="30000"/>
-                    <a:lumOff val="70000"/>
-                  </a:schemeClr>
-                </a:gs>
-              </a:gsLst>
-              <a:lin ang="5400000" scaled="1"/>
-            </a:gradFill>
-            <a:tailEnd type="triangle"/>
-          </a:ln>
-        </p:spPr>
-        <p:style>
-          <a:lnRef idx="1">
-            <a:schemeClr val="accent1"/>
-          </a:lnRef>
-          <a:fillRef idx="0">
-            <a:schemeClr val="accent1"/>
-          </a:fillRef>
-          <a:effectRef idx="0">
-            <a:schemeClr val="accent1"/>
-          </a:effectRef>
-          <a:fontRef idx="minor">
-            <a:schemeClr val="tx1"/>
-          </a:fontRef>
-        </p:style>
-      </p:cxnSp>
-    </p:spTree>
-    <p:extLst>
-      <p:ext uri="{BB962C8B-B14F-4D97-AF65-F5344CB8AC3E}">
-        <p14:creationId xmlns:p14="http://schemas.microsoft.com/office/powerpoint/2010/main" val="4109791516"/>
-      </p:ext>
-    </p:extLst>
-  </p:cSld>
-  <p:clrMapOvr>
-    <a:masterClrMapping/>
-  </p:clrMapOvr>
-</p:sld>
-</file>
-
-<file path=ppt/slides/slide20.xml><?xml version="1.0" encoding="utf-8"?>
+<file path=ppt/slides/slide21.xml><?xml version="1.0" encoding="utf-8"?>
 <p:sld xmlns:a="http://schemas.openxmlformats.org/drawingml/2006/main" xmlns:r="http://schemas.openxmlformats.org/officeDocument/2006/relationships" xmlns:p="http://schemas.openxmlformats.org/presentationml/2006/main">
   <p:cSld>
     <p:spTree>
@@ -11947,7 +11345,7 @@
 </p:sld>
 </file>
 
-<file path=ppt/slides/slide21.xml><?xml version="1.0" encoding="utf-8"?>
+<file path=ppt/slides/slide22.xml><?xml version="1.0" encoding="utf-8"?>
 <p:sld xmlns:a="http://schemas.openxmlformats.org/drawingml/2006/main" xmlns:r="http://schemas.openxmlformats.org/officeDocument/2006/relationships" xmlns:p="http://schemas.openxmlformats.org/presentationml/2006/main">
   <p:cSld>
     <p:spTree>
